--- a/Assets/Class/Photon Server/PPT Data/Photon Lobby.pptx
+++ b/Assets/Class/Photon Server/PPT Data/Photon Lobby.pptx
@@ -2,7 +2,7 @@
 <file path=ppt/presentation.xml><?xml version="1.0" encoding="utf-8"?>
 <p:presentation xmlns:a="http://schemas.openxmlformats.org/drawingml/2006/main" xmlns:r="http://schemas.openxmlformats.org/officeDocument/2006/relationships" xmlns:p="http://schemas.openxmlformats.org/presentationml/2006/main" xmlns:p14="http://schemas.microsoft.com/office/powerpoint/2010/main" saveSubsetFonts="1" firstSlideNum="0">
   <p:sldMasterIdLst>
-    <p:sldMasterId id="2147486912" r:id="rId12"/>
+    <p:sldMasterId id="2147486913" r:id="rId12"/>
   </p:sldMasterIdLst>
   <p:notesMasterIdLst>
     <p:notesMasterId r:id="rId14"/>
@@ -10,19 +10,19 @@
   <p:sldIdLst>
     <p:sldId id="311" r:id="rId16"/>
     <p:sldId id="318" r:id="rId17"/>
-    <p:sldId id="305" r:id="rId18"/>
-    <p:sldId id="300" r:id="rId19"/>
-    <p:sldId id="313" r:id="rId21"/>
-    <p:sldId id="325" r:id="rId23"/>
-    <p:sldId id="326" r:id="rId25"/>
-    <p:sldId id="327" r:id="rId27"/>
-    <p:sldId id="328" r:id="rId29"/>
-    <p:sldId id="329" r:id="rId31"/>
-    <p:sldId id="330" r:id="rId33"/>
-    <p:sldId id="331" r:id="rId35"/>
-    <p:sldId id="332" r:id="rId37"/>
-    <p:sldId id="333" r:id="rId39"/>
-    <p:sldId id="334" r:id="rId41"/>
+    <p:sldId id="305" r:id="rId19"/>
+    <p:sldId id="300" r:id="rId21"/>
+    <p:sldId id="313" r:id="rId23"/>
+    <p:sldId id="325" r:id="rId25"/>
+    <p:sldId id="326" r:id="rId27"/>
+    <p:sldId id="327" r:id="rId29"/>
+    <p:sldId id="328" r:id="rId31"/>
+    <p:sldId id="329" r:id="rId33"/>
+    <p:sldId id="330" r:id="rId35"/>
+    <p:sldId id="331" r:id="rId37"/>
+    <p:sldId id="332" r:id="rId39"/>
+    <p:sldId id="333" r:id="rId41"/>
+    <p:sldId id="334" r:id="rId43"/>
   </p:sldIdLst>
   <p:sldSz cx="12192000" cy="6858000"/>
   <p:notesSz cx="6858000" cy="9144000"/>
@@ -7524,7 +7524,7 @@
         <p:spPr>
           <a:xfrm rot="0">
             <a:off x="4331335" y="445135"/>
-            <a:ext cx="3536315" cy="554990"/>
+            <a:ext cx="3524885" cy="554990"/>
           </a:xfrm>
           <a:prstGeom prst="rect"/>
           <a:noFill/>
@@ -7539,16 +7539,23 @@
           </a:bodyPr>
           <a:lstStyle/>
           <a:p>
-            <a:pPr marL="0" indent="0" algn="l" latinLnBrk="0" hangingPunct="1">
-              <a:buFontTx/>
-              <a:buNone/>
-            </a:pPr>
-            <a:r>
-              <a:rPr lang="ko-KR" sz="3000" b="1">
-                <a:latin typeface="맑은 고딕" charset="0"/>
-                <a:ea typeface="맑은 고딕" charset="0"/>
-              </a:rPr>
-              <a:t>다섯 번째 튜토리얼</a:t>
+            <a:pPr marL="0" indent="0" algn="ctr" latinLnBrk="0" hangingPunct="1">
+              <a:buFontTx/>
+              <a:buNone/>
+            </a:pPr>
+            <a:r>
+              <a:rPr lang="ko-KR" sz="2500" b="1">
+                <a:latin typeface="나눔바른고딕" charset="0"/>
+                <a:ea typeface="나눔바른고딕" charset="0"/>
+              </a:rPr>
+              <a:t>첫</a:t>
+            </a:r>
+            <a:r>
+              <a:rPr lang="ko-KR" sz="2500" b="1">
+                <a:latin typeface="나눔바른고딕" charset="0"/>
+                <a:ea typeface="나눔바른고딕" charset="0"/>
+              </a:rPr>
+              <a:t> 번째 튜토리얼</a:t>
             </a:r>
             <a:r>
               <a:rPr lang="ko-KR" sz="3000" b="1">
@@ -7573,9 +7580,9 @@
           <p:nvPr/>
         </p:nvSpPr>
         <p:spPr>
-          <a:xfrm>
-            <a:off x="6816725" y="5549265"/>
-            <a:ext cx="4116070" cy="677545"/>
+          <a:xfrm rot="0">
+            <a:off x="1200785" y="5084445"/>
+            <a:ext cx="4116705" cy="954405"/>
           </a:xfrm>
           <a:prstGeom prst="rect"/>
           <a:noFill/>
@@ -7602,17 +7609,7 @@
                 <a:latin typeface="맑은 고딕" charset="0"/>
                 <a:ea typeface="맑은 고딕" charset="0"/>
               </a:rPr>
-              <a:t>1</a:t>
-            </a:r>
-            <a:r>
-              <a:rPr lang="ko-KR" sz="2000" b="1">
-                <a:solidFill>
-                  <a:srgbClr val="0611F2"/>
-                </a:solidFill>
-                <a:latin typeface="맑은 고딕" charset="0"/>
-                <a:ea typeface="맑은 고딕" charset="0"/>
-              </a:rPr>
-              <a:t>0</a:t>
+              <a:t>1.</a:t>
             </a:r>
             <a:r>
               <a:rPr sz="2000" b="1">
@@ -7622,24 +7619,38 @@
                 <a:latin typeface="맑은 고딕" charset="0"/>
                 <a:ea typeface="맑은 고딕" charset="0"/>
               </a:rPr>
-              <a:t>. </a:t>
+              <a:t> </a:t>
             </a:r>
             <a:r>
               <a:rPr sz="1800">
                 <a:latin typeface="맑은 고딕" charset="0"/>
                 <a:ea typeface="맑은 고딕" charset="0"/>
               </a:rPr>
-              <a:t>이</a:t>
+              <a:t>첫 번째로</a:t>
+            </a:r>
+            <a:r>
+              <a:rPr sz="1800">
+                <a:latin typeface="맑은 고딕" charset="0"/>
+                <a:ea typeface="맑은 고딕" charset="0"/>
+              </a:rPr>
+              <a:t> </a:t>
             </a:r>
             <a:r>
               <a:rPr lang="ko-KR" sz="1800">
                 <a:latin typeface="맑은 고딕" charset="0"/>
                 <a:ea typeface="맑은 고딕" charset="0"/>
               </a:rPr>
-              <a:t>제</a:t>
-            </a:r>
-            <a:r>
-              <a:rPr sz="1800">
+              <a:t>UI에서 Image를 생성한 </a:t>
+            </a:r>
+            <a:r>
+              <a:rPr lang="ko-KR" sz="1800">
+                <a:latin typeface="맑은 고딕" charset="0"/>
+                <a:ea typeface="맑은 고딕" charset="0"/>
+              </a:rPr>
+              <a:t>다음</a:t>
+            </a:r>
+            <a:r>
+              <a:rPr lang="ko-KR" sz="1800">
                 <a:latin typeface="맑은 고딕" charset="0"/>
                 <a:ea typeface="맑은 고딕" charset="0"/>
               </a:rPr>
@@ -7650,7 +7661,21 @@
                 <a:latin typeface="맑은 고딕" charset="0"/>
                 <a:ea typeface="맑은 고딕" charset="0"/>
               </a:rPr>
-              <a:t>UI에서 Image를 생성한 다음 Ground라는 이름으로 정의합니다.</a:t>
+              <a:t>Ground라는</a:t>
+            </a:r>
+            <a:r>
+              <a:rPr lang="ko-KR" sz="1800">
+                <a:latin typeface="맑은 고딕" charset="0"/>
+                <a:ea typeface="맑은 고딕" charset="0"/>
+              </a:rPr>
+              <a:t> 이름으로 </a:t>
+            </a:r>
+            <a:r>
+              <a:rPr lang="ko-KR" sz="1800">
+                <a:latin typeface="맑은 고딕" charset="0"/>
+                <a:ea typeface="맑은 고딕" charset="0"/>
+              </a:rPr>
+              <a:t>정의합니다.</a:t>
             </a:r>
             <a:endParaRPr lang="ko-KR" altLang="en-US" sz="1800">
               <a:latin typeface="맑은 고딕" charset="0"/>
@@ -7661,7 +7686,7 @@
       </p:sp>
       <p:pic>
         <p:nvPicPr>
-          <p:cNvPr id="31" name="그림 2"/>
+          <p:cNvPr id="31" name="그림 2" descr="C:/Users/Admin1/AppData/Roaming/PolarisOffice/ETemp/14756_24383200/fImage185003101478.png"/>
           <p:cNvPicPr>
             <a:picLocks noChangeAspect="1"/>
           </p:cNvPicPr>
@@ -7681,8 +7706,8 @@
         </p:blipFill>
         <p:spPr>
           <a:xfrm rot="0">
-            <a:off x="6816725" y="1521460"/>
-            <a:ext cx="2511425" cy="3841115"/>
+            <a:off x="1240790" y="1472565"/>
+            <a:ext cx="2635885" cy="3394710"/>
           </a:xfrm>
           <a:prstGeom prst="roundRect"/>
           <a:solidFill>
@@ -7692,17 +7717,17 @@
       </p:pic>
       <p:pic>
         <p:nvPicPr>
-          <p:cNvPr id="32" name="그림 3"/>
+          <p:cNvPr id="32" name="그림 3" descr="C:/Users/Admin1/AppData/Roaming/PolarisOffice/ETemp/14756_24383200/fImage539725841.png"/>
           <p:cNvPicPr>
             <a:picLocks noChangeAspect="1"/>
           </p:cNvPicPr>
           <p:nvPr/>
         </p:nvPicPr>
         <p:blipFill rotWithShape="1">
-          <a:blip r:embed="rId12" cstate="print">
+          <a:blip r:embed="rId12" cstate="hqprint">
             <a:extLst>
               <a:ext uri="{28A0092B-C50C-407E-A947-70E740481C1C}">
-                <a14:useLocalDpi xmlns:a14="http://schemas.microsoft.com/office/drawing/2010/main" val="0"/>
+                <a14:useLocalDpi xmlns:a14="http://schemas.microsoft.com/office/drawing/2010/main"/>
               </a:ext>
             </a:extLst>
           </a:blip>
@@ -7712,8 +7737,8 @@
         </p:blipFill>
         <p:spPr>
           <a:xfrm rot="0">
-            <a:off x="9484995" y="2244090"/>
-            <a:ext cx="1438275" cy="2361565"/>
+            <a:off x="4005580" y="2110105"/>
+            <a:ext cx="1353185" cy="2065655"/>
           </a:xfrm>
           <a:prstGeom prst="roundRect"/>
           <a:solidFill>

--- a/Assets/Class/Photon Server/PPT Data/Photon Lobby.pptx
+++ b/Assets/Class/Photon Server/PPT Data/Photon Lobby.pptx
@@ -2,30 +2,30 @@
 <file path=ppt/presentation.xml><?xml version="1.0" encoding="utf-8"?>
 <p:presentation xmlns:a="http://schemas.openxmlformats.org/drawingml/2006/main" xmlns:r="http://schemas.openxmlformats.org/officeDocument/2006/relationships" xmlns:p="http://schemas.openxmlformats.org/presentationml/2006/main" xmlns:p14="http://schemas.microsoft.com/office/powerpoint/2010/main" saveSubsetFonts="1" firstSlideNum="0">
   <p:sldMasterIdLst>
-    <p:sldMasterId id="2147486962" r:id="rId12"/>
+    <p:sldMasterId id="2147486989" r:id="rId12"/>
   </p:sldMasterIdLst>
   <p:notesMasterIdLst>
     <p:notesMasterId r:id="rId14"/>
   </p:notesMasterIdLst>
   <p:sldIdLst>
     <p:sldId id="311" r:id="rId16"/>
-    <p:sldId id="318" r:id="rId17"/>
-    <p:sldId id="335" r:id="rId18"/>
-    <p:sldId id="305" r:id="rId19"/>
-    <p:sldId id="300" r:id="rId20"/>
-    <p:sldId id="313" r:id="rId21"/>
-    <p:sldId id="326" r:id="rId22"/>
-    <p:sldId id="327" r:id="rId23"/>
-    <p:sldId id="325" r:id="rId24"/>
-    <p:sldId id="336" r:id="rId25"/>
-    <p:sldId id="328" r:id="rId26"/>
-    <p:sldId id="329" r:id="rId27"/>
-    <p:sldId id="330" r:id="rId28"/>
-    <p:sldId id="337" r:id="rId29"/>
-    <p:sldId id="331" r:id="rId30"/>
-    <p:sldId id="332" r:id="rId32"/>
-    <p:sldId id="333" r:id="rId34"/>
-    <p:sldId id="334" r:id="rId36"/>
+    <p:sldId id="318" r:id="rId18"/>
+    <p:sldId id="335" r:id="rId20"/>
+    <p:sldId id="305" r:id="rId22"/>
+    <p:sldId id="300" r:id="rId24"/>
+    <p:sldId id="313" r:id="rId26"/>
+    <p:sldId id="326" r:id="rId28"/>
+    <p:sldId id="327" r:id="rId30"/>
+    <p:sldId id="325" r:id="rId31"/>
+    <p:sldId id="336" r:id="rId32"/>
+    <p:sldId id="328" r:id="rId34"/>
+    <p:sldId id="329" r:id="rId36"/>
+    <p:sldId id="330" r:id="rId37"/>
+    <p:sldId id="337" r:id="rId39"/>
+    <p:sldId id="331" r:id="rId40"/>
+    <p:sldId id="332" r:id="rId41"/>
+    <p:sldId id="338" r:id="rId42"/>
+    <p:sldId id="339" r:id="rId43"/>
   </p:sldIdLst>
   <p:sldSz cx="12192000" cy="6858000"/>
   <p:notesSz cx="6858000" cy="9144000"/>
@@ -1650,7 +1650,7 @@
         <p:spPr>
           <a:xfrm rot="0">
             <a:off x="685800" y="1143000"/>
-            <a:ext cx="5494655" cy="3094355"/>
+            <a:ext cx="5495290" cy="3094990"/>
           </a:xfrm>
           <a:prstGeom prst="rect"/>
           <a:noFill/>
@@ -1689,7 +1689,7 @@
         <p:spPr>
           <a:xfrm rot="0">
             <a:off x="685800" y="4400550"/>
-            <a:ext cx="5494655" cy="3608705"/>
+            <a:ext cx="5495290" cy="3609340"/>
           </a:xfrm>
           <a:prstGeom prst="rect"/>
         </p:spPr>
@@ -1719,7 +1719,7 @@
         <p:spPr>
           <a:xfrm rot="0">
             <a:off x="3884930" y="8685530"/>
-            <a:ext cx="2980055" cy="466725"/>
+            <a:ext cx="2980690" cy="467360"/>
           </a:xfrm>
           <a:prstGeom prst="rect"/>
         </p:spPr>
@@ -9632,7 +9632,7 @@
         <p:spPr>
           <a:xfrm rot="0">
             <a:off x="1238885" y="2769870"/>
-            <a:ext cx="4134485" cy="1003300"/>
+            <a:ext cx="4137025" cy="1003935"/>
           </a:xfrm>
           <a:prstGeom prst="rect"/>
           <a:noFill/>
@@ -9655,27 +9655,7 @@
                 <a:latin typeface="맑은 고딕" charset="0"/>
                 <a:ea typeface="맑은 고딕" charset="0"/>
               </a:rPr>
-              <a:t>3</a:t>
-            </a:r>
-            <a:r>
-              <a:rPr sz="2000" b="1">
-                <a:solidFill>
-                  <a:srgbClr val="0611F2"/>
-                </a:solidFill>
-                <a:latin typeface="맑은 고딕" charset="0"/>
-                <a:ea typeface="맑은 고딕" charset="0"/>
-              </a:rPr>
-              <a:t>1</a:t>
-            </a:r>
-            <a:r>
-              <a:rPr sz="2000" b="1">
-                <a:solidFill>
-                  <a:srgbClr val="0611F2"/>
-                </a:solidFill>
-                <a:latin typeface="맑은 고딕" charset="0"/>
-                <a:ea typeface="맑은 고딕" charset="0"/>
-              </a:rPr>
-              <a:t>.</a:t>
+              <a:t>31.</a:t>
             </a:r>
             <a:r>
               <a:rPr sz="2000">
@@ -9696,14 +9676,7 @@
                 <a:latin typeface="맑은 고딕" charset="0"/>
                 <a:ea typeface="맑은 고딕" charset="0"/>
               </a:rPr>
-              <a:t>Project 폴더 아래에 </a:t>
-            </a:r>
-            <a:r>
-              <a:rPr lang="ko-KR" sz="1800">
-                <a:latin typeface="맑은 고딕" charset="0"/>
-                <a:ea typeface="맑은 고딕" charset="0"/>
-              </a:rPr>
-              <a:t>있는 </a:t>
+              <a:t>Project 폴더 아래에 있는 </a:t>
             </a:r>
             <a:r>
               <a:rPr lang="ko-KR" sz="1800">
@@ -9724,28 +9697,14 @@
                 <a:latin typeface="맑은 고딕" charset="0"/>
                 <a:ea typeface="맑은 고딕" charset="0"/>
               </a:rPr>
-              <a:t>공간</a:t>
-            </a:r>
-            <a:r>
-              <a:rPr lang="ko-KR" sz="1800">
-                <a:latin typeface="맑은 고딕" charset="0"/>
-                <a:ea typeface="맑은 고딕" charset="0"/>
-              </a:rPr>
-              <a:t>에</a:t>
-            </a:r>
-            <a:r>
-              <a:rPr lang="ko-KR" sz="1800">
-                <a:latin typeface="맑은 고딕" charset="0"/>
-                <a:ea typeface="맑은 고딕" charset="0"/>
-              </a:rPr>
-              <a:t> </a:t>
-            </a:r>
-            <a:r>
-              <a:rPr lang="ko-KR" sz="1800">
-                <a:latin typeface="맑은 고딕" charset="0"/>
-                <a:ea typeface="맑은 고딕" charset="0"/>
-              </a:rPr>
-              <a:t>배치합니다.</a:t>
+              <a:t>공간에</a:t>
+            </a:r>
+            <a:r>
+              <a:rPr lang="ko-KR" sz="1800">
+                <a:latin typeface="맑은 고딕" charset="0"/>
+                <a:ea typeface="맑은 고딕" charset="0"/>
+              </a:rPr>
+              <a:t> 배치합니다.</a:t>
             </a:r>
             <a:endParaRPr lang="ko-KR" altLang="en-US" sz="1800">
               <a:latin typeface="맑은 고딕" charset="0"/>
@@ -9756,7 +9715,7 @@
       </p:sp>
       <p:pic>
         <p:nvPicPr>
-          <p:cNvPr id="1208" name="그림 45" descr="C:/Users/Admin1/AppData/Roaming/PolarisOffice/ETemp/17588_11269848/fImage54203166827.png"/>
+          <p:cNvPr id="1208" name="그림 45" descr="C:/Users/Admin1/AppData/Roaming/PolarisOffice/ETemp/21868_13429944/fImage54203166827.png"/>
           <p:cNvPicPr>
             <a:picLocks noChangeAspect="1"/>
           </p:cNvPicPr>
@@ -9776,8 +9735,8 @@
         </p:blipFill>
         <p:spPr>
           <a:xfrm rot="0">
-            <a:off x="2602230" y="1455420"/>
-            <a:ext cx="2773680" cy="1172210"/>
+            <a:off x="2602230" y="1447165"/>
+            <a:ext cx="2774315" cy="1197610"/>
           </a:xfrm>
           <a:prstGeom prst="roundRect"/>
           <a:solidFill>
@@ -9795,8 +9754,8 @@
         </p:nvSpPr>
         <p:spPr>
           <a:xfrm rot="0">
-            <a:off x="1240790" y="5207635"/>
-            <a:ext cx="4135120" cy="954405"/>
+            <a:off x="1231900" y="5483225"/>
+            <a:ext cx="4144645" cy="677545"/>
           </a:xfrm>
           <a:prstGeom prst="rect"/>
           <a:noFill/>
@@ -9823,7 +9782,7 @@
                 <a:latin typeface="맑은 고딕" charset="0"/>
                 <a:ea typeface="맑은 고딕" charset="0"/>
               </a:rPr>
-              <a:t>3</a:t>
+              <a:t>32.</a:t>
             </a:r>
             <a:r>
               <a:rPr sz="2000" b="1">
@@ -9833,26 +9792,6 @@
                 <a:latin typeface="맑은 고딕" charset="0"/>
                 <a:ea typeface="맑은 고딕" charset="0"/>
               </a:rPr>
-              <a:t>2</a:t>
-            </a:r>
-            <a:r>
-              <a:rPr sz="2000" b="1">
-                <a:solidFill>
-                  <a:srgbClr val="0611F2"/>
-                </a:solidFill>
-                <a:latin typeface="맑은 고딕" charset="0"/>
-                <a:ea typeface="맑은 고딕" charset="0"/>
-              </a:rPr>
-              <a:t>.</a:t>
-            </a:r>
-            <a:r>
-              <a:rPr sz="2000" b="1">
-                <a:solidFill>
-                  <a:srgbClr val="0611F2"/>
-                </a:solidFill>
-                <a:latin typeface="맑은 고딕" charset="0"/>
-                <a:ea typeface="맑은 고딕" charset="0"/>
-              </a:rPr>
               <a:t> </a:t>
             </a:r>
             <a:r>
@@ -9860,7 +9799,7 @@
                 <a:latin typeface="맑은 고딕" charset="0"/>
                 <a:ea typeface="맑은 고딕" charset="0"/>
               </a:rPr>
-              <a:t>그다음</a:t>
+              <a:t>그다음으로</a:t>
             </a:r>
             <a:r>
               <a:rPr sz="1800">
@@ -9874,70 +9813,42 @@
                 <a:latin typeface="맑은 고딕" charset="0"/>
                 <a:ea typeface="맑은 고딕" charset="0"/>
               </a:rPr>
-              <a:t>character 오브젝트를</a:t>
-            </a:r>
-            <a:r>
-              <a:rPr sz="1800">
+              <a:t>character 오브젝트의 </a:t>
+            </a:r>
+            <a:r>
+              <a:rPr lang="ko-KR" sz="1800">
+                <a:latin typeface="맑은 고딕" charset="0"/>
+                <a:ea typeface="맑은 고딕" charset="0"/>
+              </a:rPr>
+              <a:t>위치와</a:t>
+            </a:r>
+            <a:r>
+              <a:rPr lang="ko-KR" sz="1800">
                 <a:latin typeface="맑은 고딕" charset="0"/>
                 <a:ea typeface="맑은 고딕" charset="0"/>
               </a:rPr>
               <a:t> </a:t>
             </a:r>
             <a:r>
-              <a:rPr sz="1800">
-                <a:latin typeface="맑은 고딕" charset="0"/>
-                <a:ea typeface="맑은 고딕" charset="0"/>
-              </a:rPr>
-              <a:t>선택하고</a:t>
-            </a:r>
-            <a:r>
-              <a:rPr sz="1800">
-                <a:latin typeface="맑은 고딕" charset="0"/>
-                <a:ea typeface="맑은 고딕" charset="0"/>
-              </a:rPr>
-              <a:t> </a:t>
-            </a:r>
-            <a:r>
-              <a:rPr sz="1800">
-                <a:latin typeface="맑은 고딕" charset="0"/>
-                <a:ea typeface="맑은 고딕" charset="0"/>
-              </a:rPr>
-              <a:t>Animator</a:t>
-            </a:r>
-            <a:r>
-              <a:rPr sz="1800">
-                <a:latin typeface="맑은 고딕" charset="0"/>
-                <a:ea typeface="맑은 고딕" charset="0"/>
-              </a:rPr>
-              <a:t> </a:t>
-            </a:r>
-            <a:r>
-              <a:rPr sz="1800">
-                <a:latin typeface="맑은 고딕" charset="0"/>
-                <a:ea typeface="맑은 고딕" charset="0"/>
-              </a:rPr>
-              <a:t>컴포넌트를</a:t>
-            </a:r>
-            <a:r>
-              <a:rPr sz="1800">
-                <a:latin typeface="맑은 고딕" charset="0"/>
-                <a:ea typeface="맑은 고딕" charset="0"/>
-              </a:rPr>
-              <a:t> </a:t>
-            </a:r>
-            <a:r>
-              <a:rPr sz="1800">
-                <a:latin typeface="맑은 고딕" charset="0"/>
-                <a:ea typeface="맑은 고딕" charset="0"/>
-              </a:rPr>
-              <a:t>추</a:t>
-            </a:r>
-            <a:r>
-              <a:rPr lang="ko-KR" sz="1800">
-                <a:latin typeface="맑은 고딕" charset="0"/>
-                <a:ea typeface="맑은 고딕" charset="0"/>
-              </a:rPr>
-              <a:t>가합</a:t>
+              <a:rPr lang="ko-KR" sz="1800">
+                <a:latin typeface="맑은 고딕" charset="0"/>
+                <a:ea typeface="맑은 고딕" charset="0"/>
+              </a:rPr>
+              <a:t>회전 값을</a:t>
+            </a:r>
+            <a:r>
+              <a:rPr sz="1800">
+                <a:latin typeface="맑은 고딕" charset="0"/>
+                <a:ea typeface="맑은 고딕" charset="0"/>
+              </a:rPr>
+              <a:t> 초기화</a:t>
+            </a:r>
+            <a:r>
+              <a:rPr lang="ko-KR" sz="1800">
+                <a:latin typeface="맑은 고딕" charset="0"/>
+                <a:ea typeface="맑은 고딕" charset="0"/>
+              </a:rPr>
+              <a:t>합</a:t>
             </a:r>
             <a:r>
               <a:rPr sz="1800">
@@ -9953,37 +9864,6 @@
           </a:p>
         </p:txBody>
       </p:sp>
-      <p:pic>
-        <p:nvPicPr>
-          <p:cNvPr id="1210" name="그림 47" descr="C:/Users/Admin1/AppData/Roaming/PolarisOffice/ETemp/17588_11269848/fImage44283189961.png"/>
-          <p:cNvPicPr>
-            <a:picLocks noChangeAspect="1"/>
-          </p:cNvPicPr>
-          <p:nvPr/>
-        </p:nvPicPr>
-        <p:blipFill rotWithShape="1">
-          <a:blip r:embed="rId4" cstate="hqprint">
-            <a:extLst>
-              <a:ext uri="{28A0092B-C50C-407E-A947-70E740481C1C}">
-                <a14:useLocalDpi xmlns:a14="http://schemas.microsoft.com/office/drawing/2010/main"/>
-              </a:ext>
-            </a:extLst>
-          </a:blip>
-          <a:stretch>
-            <a:fillRect/>
-          </a:stretch>
-        </p:blipFill>
-        <p:spPr>
-          <a:xfrm rot="0">
-            <a:off x="1231900" y="3841750"/>
-            <a:ext cx="4135120" cy="1240790"/>
-          </a:xfrm>
-          <a:prstGeom prst="roundRect"/>
-          <a:solidFill>
-            <a:srgbClr val="EDEDED"/>
-          </a:solidFill>
-        </p:spPr>
-      </p:pic>
       <p:sp>
         <p:nvSpPr>
           <p:cNvPr id="1211" name="텍스트 상자 48"/>
@@ -10140,7 +10020,7 @@
       </p:sp>
       <p:pic>
         <p:nvPicPr>
-          <p:cNvPr id="1212" name="그림 49" descr="C:/Users/Admin1/AppData/Roaming/PolarisOffice/ETemp/17588_11269848/fImage41571320491.png"/>
+          <p:cNvPr id="1212" name="그림 49" descr="C:/Users/Admin1/AppData/Roaming/PolarisOffice/ETemp/21868_13429944/fImage41571320491.png"/>
           <p:cNvPicPr>
             <a:picLocks noChangeAspect="1"/>
           </p:cNvPicPr>
@@ -10160,8 +10040,8 @@
         </p:blipFill>
         <p:spPr>
           <a:xfrm rot="0">
-            <a:off x="6813550" y="1455420"/>
-            <a:ext cx="4135120" cy="3650615"/>
+            <a:off x="6813550" y="1446530"/>
+            <a:ext cx="4135755" cy="3651250"/>
           </a:xfrm>
           <a:prstGeom prst="rect"/>
           <a:noFill/>
@@ -10169,17 +10049,17 @@
       </p:pic>
       <p:pic>
         <p:nvPicPr>
-          <p:cNvPr id="1213" name="그림 43" descr="C:/Users/Admin1/AppData/Roaming/PolarisOffice/ETemp/17588_11269848/fImage102463191478.png"/>
+          <p:cNvPr id="1215" name="그림 2" descr="C:/Users/Admin1/AppData/Roaming/PolarisOffice/ETemp/21868_13429944/fImage1038035341.png"/>
           <p:cNvPicPr>
             <a:picLocks noChangeAspect="1"/>
           </p:cNvPicPr>
           <p:nvPr/>
         </p:nvPicPr>
         <p:blipFill rotWithShape="1">
-          <a:blip r:embed="rId7" cstate="hqprint">
+          <a:blip r:embed="rId9" cstate="print">
             <a:extLst>
               <a:ext uri="{28A0092B-C50C-407E-A947-70E740481C1C}">
-                <a14:useLocalDpi xmlns:a14="http://schemas.microsoft.com/office/drawing/2010/main"/>
+                <a14:useLocalDpi xmlns:a14="http://schemas.microsoft.com/office/drawing/2010/main" val="0"/>
               </a:ext>
             </a:extLst>
           </a:blip>
@@ -10189,8 +10069,8 @@
         </p:blipFill>
         <p:spPr>
           <a:xfrm rot="0">
-            <a:off x="1240790" y="1455420"/>
-            <a:ext cx="1212850" cy="1172210"/>
+            <a:off x="1231900" y="1447165"/>
+            <a:ext cx="1232535" cy="1197610"/>
           </a:xfrm>
           <a:prstGeom prst="roundRect"/>
           <a:solidFill>
@@ -10200,7 +10080,7 @@
       </p:pic>
       <p:pic>
         <p:nvPicPr>
-          <p:cNvPr id="1214" name="그림 104" descr="C:/Users/Admin1/AppData/Roaming/PolarisOffice/ETemp/17588_11269848/fImage2242173004464.png"/>
+          <p:cNvPr id="1214" name="그림 104" descr="C:/Users/Admin1/AppData/Roaming/PolarisOffice/ETemp/21868_13429944/fImage2242173004464.png"/>
           <p:cNvPicPr>
             <a:picLocks noChangeAspect="1"/>
           </p:cNvPicPr>
@@ -10220,11 +10100,42 @@
         </p:blipFill>
         <p:spPr>
           <a:xfrm rot="10800000">
-            <a:off x="2232660" y="1825625"/>
-            <a:ext cx="628015" cy="426720"/>
+            <a:off x="2181225" y="1842770"/>
+            <a:ext cx="628650" cy="427355"/>
           </a:xfrm>
           <a:prstGeom prst="rect"/>
           <a:noFill/>
+        </p:spPr>
+      </p:pic>
+      <p:pic>
+        <p:nvPicPr>
+          <p:cNvPr id="1216" name="그림 25" descr="C:/Users/Admin1/AppData/Roaming/PolarisOffice/ETemp/21868_13429944/fImage117383825724.png"/>
+          <p:cNvPicPr>
+            <a:picLocks noChangeAspect="1"/>
+          </p:cNvPicPr>
+          <p:nvPr/>
+        </p:nvPicPr>
+        <p:blipFill rotWithShape="1">
+          <a:blip r:embed="rId10" cstate="hqprint">
+            <a:extLst>
+              <a:ext uri="{28A0092B-C50C-407E-A947-70E740481C1C}">
+                <a14:useLocalDpi xmlns:a14="http://schemas.microsoft.com/office/drawing/2010/main"/>
+              </a:ext>
+            </a:extLst>
+          </a:blip>
+          <a:stretch>
+            <a:fillRect/>
+          </a:stretch>
+        </p:blipFill>
+        <p:spPr>
+          <a:xfrm rot="0">
+            <a:off x="1231900" y="3824605"/>
+            <a:ext cx="4161155" cy="1542415"/>
+          </a:xfrm>
+          <a:prstGeom prst="roundRect"/>
+          <a:solidFill>
+            <a:srgbClr val="EDEDED"/>
+          </a:solidFill>
         </p:spPr>
       </p:pic>
     </p:spTree>
@@ -10778,7 +10689,7 @@
 </file>
 
 <file path=ppt/slides/slide14.xml><?xml version="1.0" encoding="utf-8"?>
-<p:sld xmlns:a="http://schemas.openxmlformats.org/drawingml/2006/main" xmlns:r="http://schemas.openxmlformats.org/officeDocument/2006/relationships" xmlns:p="http://schemas.openxmlformats.org/presentationml/2006/main">
+<p:sld xmlns:a="http://schemas.openxmlformats.org/drawingml/2006/main" xmlns:r="http://schemas.openxmlformats.org/officeDocument/2006/relationships" xmlns:p="http://schemas.openxmlformats.org/presentationml/2006/main" xmlns:p14="http://schemas.microsoft.com/office/powerpoint/2010/main">
   <p:cSld>
     <p:spTree>
       <p:nvGrpSpPr>
@@ -10805,7 +10716,7 @@
         <p:spPr>
           <a:xfrm rot="0">
             <a:off x="4121785" y="410210"/>
-            <a:ext cx="3943350" cy="478155"/>
+            <a:ext cx="3943985" cy="478155"/>
           </a:xfrm>
           <a:prstGeom prst="rect"/>
           <a:noFill/>
@@ -10856,7 +10767,7 @@
       </p:sp>
       <p:pic>
         <p:nvPicPr>
-          <p:cNvPr id="1216" name="Picture " descr="C:/Users/Admin1/AppData/Roaming/PolarisOffice/ETemp/17588_11269848/fImage156103354827.png"/>
+          <p:cNvPr id="1216" name="Picture "/>
           <p:cNvPicPr>
             <a:picLocks noChangeAspect="1"/>
           </p:cNvPicPr>
@@ -10887,7 +10798,7 @@
       </p:pic>
       <p:pic>
         <p:nvPicPr>
-          <p:cNvPr id="1217" name="Picture " descr="C:/Users/Admin1/AppData/Roaming/PolarisOffice/ETemp/17588_11269848/fImage44033365436.png"/>
+          <p:cNvPr id="1217" name="Picture "/>
           <p:cNvPicPr>
             <a:picLocks noChangeAspect="1"/>
           </p:cNvPicPr>
@@ -10926,8 +10837,8 @@
         </p:nvSpPr>
         <p:spPr>
           <a:xfrm rot="0">
-            <a:off x="6802755" y="4318635"/>
-            <a:ext cx="4163060" cy="1784985"/>
+            <a:off x="6811645" y="4326890"/>
+            <a:ext cx="4145915" cy="1784985"/>
           </a:xfrm>
           <a:prstGeom prst="rect"/>
           <a:noFill/>
@@ -10988,42 +10899,21 @@
                 <a:latin typeface="맑은 고딕" charset="0"/>
                 <a:ea typeface="맑은 고딕" charset="0"/>
               </a:rPr>
-              <a:t>그다음 Texture 폴더 아래에 </a:t>
-            </a:r>
-            <a:r>
-              <a:rPr sz="1800">
-                <a:latin typeface="맑은 고딕" charset="0"/>
-                <a:ea typeface="맑은 고딕" charset="0"/>
-              </a:rPr>
-              <a:t>있는</a:t>
-            </a:r>
-            <a:r>
-              <a:rPr sz="1800">
-                <a:latin typeface="맑은 고딕" charset="0"/>
-                <a:ea typeface="맑은 고딕" charset="0"/>
-              </a:rPr>
-              <a:t> </a:t>
-            </a:r>
-            <a:r>
-              <a:rPr lang="ko-KR" sz="1800">
-                <a:latin typeface="맑은 고딕" charset="0"/>
-                <a:ea typeface="맑은 고딕" charset="0"/>
-              </a:rPr>
-              <a:t>R</a:t>
-            </a:r>
-            <a:r>
-              <a:rPr lang="ko-KR" sz="1800">
-                <a:latin typeface="맑은 고딕" charset="0"/>
-                <a:ea typeface="맑은 고딕" charset="0"/>
-              </a:rPr>
-              <a:t>ender</a:t>
-            </a:r>
-            <a:r>
-              <a:rPr sz="1800">
-                <a:latin typeface="맑은 고딕" charset="0"/>
-                <a:ea typeface="맑은 고딕" charset="0"/>
-              </a:rPr>
-              <a:t> </a:t>
+              <a:t>그다음 Texture 폴더 아래에 있는 </a:t>
+            </a:r>
+            <a:r>
+              <a:rPr lang="ko-KR" sz="1800">
+                <a:latin typeface="맑은 고딕" charset="0"/>
+                <a:ea typeface="맑은 고딕" charset="0"/>
+              </a:rPr>
+              <a:t>Render</a:t>
+            </a:r>
+            <a:r>
+              <a:rPr sz="1800">
+                <a:latin typeface="맑은 고딕" charset="0"/>
+                <a:ea typeface="맑은 고딕" charset="0"/>
+              </a:rPr>
+              <a:t> Texture 폴더에 3D Render </a:t>
             </a:r>
             <a:r>
               <a:rPr sz="1800">
@@ -11037,42 +10927,7 @@
                 <a:latin typeface="맑은 고딕" charset="0"/>
                 <a:ea typeface="맑은 고딕" charset="0"/>
               </a:rPr>
-              <a:t> 폴더에 3D Render </a:t>
-            </a:r>
-            <a:r>
-              <a:rPr sz="1800">
-                <a:latin typeface="맑은 고딕" charset="0"/>
-                <a:ea typeface="맑은 고딕" charset="0"/>
-              </a:rPr>
-              <a:t>Texture</a:t>
-            </a:r>
-            <a:r>
-              <a:rPr sz="1800">
-                <a:latin typeface="맑은 고딕" charset="0"/>
-                <a:ea typeface="맑은 고딕" charset="0"/>
-              </a:rPr>
-              <a:t> </a:t>
-            </a:r>
-            <a:r>
-              <a:rPr sz="1800">
-                <a:latin typeface="맑은 고딕" charset="0"/>
-                <a:ea typeface="맑은 고딕" charset="0"/>
-              </a:rPr>
-              <a:t>텍스처를</a:t>
-            </a:r>
-            <a:r>
-              <a:rPr sz="1800">
-                <a:latin typeface="맑은 고딕" charset="0"/>
-                <a:ea typeface="맑은 고딕" charset="0"/>
-              </a:rPr>
-              <a:t> </a:t>
-            </a:r>
-            <a:r>
-              <a:rPr sz="1800">
-                <a:latin typeface="맑은 고딕" charset="0"/>
-                <a:ea typeface="맑은 고딕" charset="0"/>
-              </a:rPr>
-              <a:t>선택합니다.</a:t>
+              <a:t> 텍스처를 선택합니다.</a:t>
             </a:r>
             <a:endParaRPr lang="ko-KR" altLang="en-US" sz="1800">
               <a:latin typeface="맑은 고딕" charset="0"/>
@@ -11113,51 +10968,30 @@
                 <a:latin typeface="맑은 고딕" charset="0"/>
                 <a:ea typeface="맑은 고딕" charset="0"/>
               </a:rPr>
+              <a:t> 다음</a:t>
+            </a:r>
+            <a:r>
+              <a:rPr sz="1800">
+                <a:latin typeface="맑은 고딕" charset="0"/>
+                <a:ea typeface="맑은 고딕" charset="0"/>
+              </a:rPr>
+              <a:t> 3D Texture오브젝트의 </a:t>
+            </a:r>
+            <a:r>
+              <a:rPr sz="1800">
+                <a:latin typeface="맑은 고딕" charset="0"/>
+                <a:ea typeface="맑은 고딕" charset="0"/>
+              </a:rPr>
+              <a:t>이미지</a:t>
+            </a:r>
+            <a:r>
+              <a:rPr sz="1800">
+                <a:latin typeface="맑은 고딕" charset="0"/>
+                <a:ea typeface="맑은 고딕" charset="0"/>
+              </a:rPr>
               <a:t> </a:t>
             </a:r>
             <a:r>
-              <a:rPr lang="ko-KR" sz="1800">
-                <a:latin typeface="맑은 고딕" charset="0"/>
-                <a:ea typeface="맑은 고딕" charset="0"/>
-              </a:rPr>
-              <a:t>다음</a:t>
-            </a:r>
-            <a:r>
-              <a:rPr sz="1800">
-                <a:latin typeface="맑은 고딕" charset="0"/>
-                <a:ea typeface="맑은 고딕" charset="0"/>
-              </a:rPr>
-              <a:t> 3D </a:t>
-            </a:r>
-            <a:r>
-              <a:rPr sz="1800">
-                <a:latin typeface="맑은 고딕" charset="0"/>
-                <a:ea typeface="맑은 고딕" charset="0"/>
-              </a:rPr>
-              <a:t>Texture오브젝트의</a:t>
-            </a:r>
-            <a:r>
-              <a:rPr sz="1800">
-                <a:latin typeface="맑은 고딕" charset="0"/>
-                <a:ea typeface="맑은 고딕" charset="0"/>
-              </a:rPr>
-              <a:t> </a:t>
-            </a:r>
-            <a:r>
-              <a:rPr sz="1800">
-                <a:latin typeface="맑은 고딕" charset="0"/>
-                <a:ea typeface="맑은 고딕" charset="0"/>
-              </a:rPr>
-              <a:t>이미지</a:t>
-            </a:r>
-            <a:r>
-              <a:rPr sz="1800">
-                <a:latin typeface="맑은 고딕" charset="0"/>
-                <a:ea typeface="맑은 고딕" charset="0"/>
-              </a:rPr>
-              <a:t> </a:t>
-            </a:r>
-            <a:r>
               <a:rPr sz="1800">
                 <a:latin typeface="맑은 고딕" charset="0"/>
                 <a:ea typeface="맑은 고딕" charset="0"/>
@@ -11169,14 +11003,7 @@
                 <a:latin typeface="맑은 고딕" charset="0"/>
                 <a:ea typeface="맑은 고딕" charset="0"/>
               </a:rPr>
-              <a:t> </a:t>
-            </a:r>
-            <a:r>
-              <a:rPr sz="1800">
-                <a:latin typeface="맑은 고딕" charset="0"/>
-                <a:ea typeface="맑은 고딕" charset="0"/>
-              </a:rPr>
-              <a:t>넣어줍니다.</a:t>
+              <a:t> 넣어줍니다.</a:t>
             </a:r>
             <a:endParaRPr lang="ko-KR" altLang="en-US" sz="1800">
               <a:latin typeface="맑은 고딕" charset="0"/>
@@ -11398,17 +11225,17 @@
       </p:sp>
       <p:pic>
         <p:nvPicPr>
-          <p:cNvPr id="1221" name="그림 117" descr="C:/Users/Admin1/AppData/Roaming/PolarisOffice/ETemp/17588_11269848/fImage108053904771.png"/>
+          <p:cNvPr id="1221" name="그림 117" descr="C:/Users/Admin1/AppData/Roaming/PolarisOffice/ETemp/21868_13429944/fImage108053904771.png"/>
           <p:cNvPicPr>
             <a:picLocks noChangeAspect="1"/>
           </p:cNvPicPr>
           <p:nvPr/>
         </p:nvPicPr>
         <p:blipFill rotWithShape="1">
-          <a:blip r:embed="rId4" cstate="print">
+          <a:blip r:embed="rId4" cstate="hqprint">
             <a:extLst>
               <a:ext uri="{28A0092B-C50C-407E-A947-70E740481C1C}">
-                <a14:useLocalDpi xmlns:a14="http://schemas.microsoft.com/office/drawing/2010/main" val="0"/>
+                <a14:useLocalDpi xmlns:a14="http://schemas.microsoft.com/office/drawing/2010/main"/>
               </a:ext>
             </a:extLst>
           </a:blip>
@@ -11418,8 +11245,8 @@
         </p:blipFill>
         <p:spPr>
           <a:xfrm rot="0">
-            <a:off x="1249045" y="1438275"/>
-            <a:ext cx="4126865" cy="3274060"/>
+            <a:off x="1249045" y="1447165"/>
+            <a:ext cx="4127500" cy="3265805"/>
           </a:xfrm>
           <a:prstGeom prst="roundRect"/>
           <a:solidFill>
@@ -11476,9 +11303,9 @@
           <p:nvPr/>
         </p:nvSpPr>
         <p:spPr>
-          <a:xfrm rot="0">
+          <a:xfrm>
             <a:off x="4121785" y="410210"/>
-            <a:ext cx="3943350" cy="554990"/>
+            <a:ext cx="3943985" cy="478155"/>
           </a:xfrm>
           <a:prstGeom prst="rect"/>
           <a:noFill/>
@@ -11493,46 +11320,36 @@
           </a:bodyPr>
           <a:lstStyle/>
           <a:p>
-            <a:pPr marL="0" indent="0" algn="l" latinLnBrk="0">
-              <a:buFontTx/>
-              <a:buNone/>
-            </a:pPr>
-            <a:r>
-              <a:rPr lang="ko-KR" altLang="en-US" sz="3000" b="1">
+            <a:pPr marL="0" indent="0" algn="ctr" latinLnBrk="0">
+              <a:buFontTx/>
+              <a:buNone/>
+            </a:pPr>
+            <a:r>
+              <a:rPr lang="ko-KR" altLang="en-US" sz="2500" b="1">
                 <a:solidFill>
                   <a:schemeClr val="tx1"/>
                 </a:solidFill>
-                <a:latin typeface="맑은 고딕" charset="0"/>
-                <a:ea typeface="맑은 고딕" charset="0"/>
-              </a:rPr>
-              <a:t>열</a:t>
-            </a:r>
-            <a:r>
-              <a:rPr lang="ko-KR" altLang="en-US" sz="3000" b="1">
+                <a:latin typeface="나눔바른고딕" charset="0"/>
+                <a:ea typeface="나눔바른고딕" charset="0"/>
+              </a:rPr>
+              <a:t>열다섯</a:t>
+            </a:r>
+            <a:r>
+              <a:rPr lang="ko-KR" altLang="en-US" sz="2500" b="1">
                 <a:solidFill>
                   <a:schemeClr val="tx1"/>
                 </a:solidFill>
-                <a:latin typeface="맑은 고딕" charset="0"/>
-                <a:ea typeface="맑은 고딕" charset="0"/>
-              </a:rPr>
-              <a:t>여</a:t>
-            </a:r>
-            <a:r>
-              <a:rPr lang="ko-KR" altLang="en-US" sz="3000" b="1">
-                <a:solidFill>
-                  <a:schemeClr val="tx1"/>
-                </a:solidFill>
-                <a:latin typeface="맑은 고딕" charset="0"/>
-                <a:ea typeface="맑은 고딕" charset="0"/>
-              </a:rPr>
-              <a:t>섯 번째 튜토리얼</a:t>
-            </a:r>
-            <a:endParaRPr lang="ko-KR" altLang="en-US" sz="3000" b="1">
+                <a:latin typeface="나눔바른고딕" charset="0"/>
+                <a:ea typeface="나눔바른고딕" charset="0"/>
+              </a:rPr>
+              <a:t> 번째 튜토리얼</a:t>
+            </a:r>
+            <a:endParaRPr lang="ko-KR" altLang="en-US" sz="2500" b="1">
               <a:solidFill>
                 <a:schemeClr val="tx1"/>
               </a:solidFill>
-              <a:latin typeface="맑은 고딕" charset="0"/>
-              <a:ea typeface="맑은 고딕" charset="0"/>
+              <a:latin typeface="나눔바른고딕" charset="0"/>
+              <a:ea typeface="나눔바른고딕" charset="0"/>
             </a:endParaRPr>
           </a:p>
         </p:txBody>
@@ -11546,9 +11363,9 @@
           <p:nvPr/>
         </p:nvSpPr>
         <p:spPr>
-          <a:xfrm>
-            <a:off x="1228090" y="5031105"/>
-            <a:ext cx="4135120" cy="1231265"/>
+          <a:xfrm rot="0">
+            <a:off x="1240790" y="4385310"/>
+            <a:ext cx="4135120" cy="1784985"/>
           </a:xfrm>
           <a:prstGeom prst="rect"/>
           <a:noFill/>
@@ -11585,7 +11402,7 @@
                 <a:latin typeface="맑은 고딕" charset="0"/>
                 <a:ea typeface="맑은 고딕" charset="0"/>
               </a:rPr>
-              <a:t>5</a:t>
+              <a:t>8</a:t>
             </a:r>
             <a:r>
               <a:rPr sz="2000" b="1">
@@ -11609,7 +11426,125 @@
                 <a:latin typeface="맑은 고딕" charset="0"/>
                 <a:ea typeface="맑은 고딕" charset="0"/>
               </a:rPr>
-              <a:t>마지막으로 3D Camera 오브젝트의 Target Texture에 3D Render Texture를 넣어준 다음 Clear Flags를 Solid Color로 변경합니다.</a:t>
+              <a:t>그러고 나서 </a:t>
+            </a:r>
+            <a:r>
+              <a:rPr lang="ko-KR" sz="1800">
+                <a:latin typeface="맑은 고딕" charset="0"/>
+                <a:ea typeface="맑은 고딕" charset="0"/>
+              </a:rPr>
+              <a:t>3D Camera </a:t>
+            </a:r>
+            <a:r>
+              <a:rPr lang="ko-KR" sz="1800">
+                <a:latin typeface="맑은 고딕" charset="0"/>
+                <a:ea typeface="맑은 고딕" charset="0"/>
+              </a:rPr>
+              <a:t>오브젝트의</a:t>
+            </a:r>
+            <a:r>
+              <a:rPr lang="ko-KR" sz="1800">
+                <a:latin typeface="맑은 고딕" charset="0"/>
+                <a:ea typeface="맑은 고딕" charset="0"/>
+              </a:rPr>
+              <a:t> </a:t>
+            </a:r>
+            <a:r>
+              <a:rPr lang="ko-KR" sz="1800">
+                <a:latin typeface="맑은 고딕" charset="0"/>
+                <a:ea typeface="맑은 고딕" charset="0"/>
+              </a:rPr>
+              <a:t>Target</a:t>
+            </a:r>
+            <a:r>
+              <a:rPr lang="ko-KR" sz="1800">
+                <a:latin typeface="맑은 고딕" charset="0"/>
+                <a:ea typeface="맑은 고딕" charset="0"/>
+              </a:rPr>
+              <a:t> </a:t>
+            </a:r>
+            <a:r>
+              <a:rPr lang="ko-KR" sz="1800">
+                <a:latin typeface="맑은 고딕" charset="0"/>
+                <a:ea typeface="맑은 고딕" charset="0"/>
+              </a:rPr>
+              <a:t>Texture에 3D</a:t>
+            </a:r>
+            <a:r>
+              <a:rPr lang="ko-KR" sz="1800">
+                <a:latin typeface="맑은 고딕" charset="0"/>
+                <a:ea typeface="맑은 고딕" charset="0"/>
+              </a:rPr>
+              <a:t> </a:t>
+            </a:r>
+            <a:r>
+              <a:rPr lang="ko-KR" sz="1800">
+                <a:latin typeface="맑은 고딕" charset="0"/>
+                <a:ea typeface="맑은 고딕" charset="0"/>
+              </a:rPr>
+              <a:t>R</a:t>
+            </a:r>
+            <a:r>
+              <a:rPr lang="ko-KR" sz="1800">
+                <a:latin typeface="맑은 고딕" charset="0"/>
+                <a:ea typeface="맑은 고딕" charset="0"/>
+              </a:rPr>
+              <a:t>ender</a:t>
+            </a:r>
+            <a:r>
+              <a:rPr lang="ko-KR" sz="1800">
+                <a:latin typeface="맑은 고딕" charset="0"/>
+                <a:ea typeface="맑은 고딕" charset="0"/>
+              </a:rPr>
+              <a:t> Texture를 넣어줍니다.</a:t>
+            </a:r>
+            <a:endParaRPr lang="ko-KR" altLang="en-US" sz="1800">
+              <a:latin typeface="맑은 고딕" charset="0"/>
+              <a:ea typeface="맑은 고딕" charset="0"/>
+            </a:endParaRPr>
+          </a:p>
+          <a:p>
+            <a:pPr marL="0" indent="0" rtl="0" algn="l" defTabSz="914400" eaLnBrk="1" latinLnBrk="0" hangingPunct="1">
+              <a:buFontTx/>
+              <a:buNone/>
+            </a:pPr>
+            <a:endParaRPr lang="ko-KR" altLang="en-US" sz="1800">
+              <a:latin typeface="맑은 고딕" charset="0"/>
+              <a:ea typeface="맑은 고딕" charset="0"/>
+            </a:endParaRPr>
+          </a:p>
+          <a:p>
+            <a:pPr marL="0" indent="0" rtl="0" algn="l" defTabSz="914400" eaLnBrk="1" latinLnBrk="0" hangingPunct="1">
+              <a:buFontTx/>
+              <a:buNone/>
+            </a:pPr>
+            <a:r>
+              <a:rPr lang="ko-KR" sz="1800">
+                <a:latin typeface="맑은 고딕" charset="0"/>
+                <a:ea typeface="맑은 고딕" charset="0"/>
+              </a:rPr>
+              <a:t>이제</a:t>
+            </a:r>
+            <a:r>
+              <a:rPr lang="ko-KR" sz="1800">
+                <a:latin typeface="맑은 고딕" charset="0"/>
+                <a:ea typeface="맑은 고딕" charset="0"/>
+              </a:rPr>
+              <a:t> 3D Camera 오브젝트의 Clear </a:t>
+            </a:r>
+            <a:r>
+              <a:rPr lang="ko-KR" sz="1800">
+                <a:latin typeface="맑은 고딕" charset="0"/>
+                <a:ea typeface="맑은 고딕" charset="0"/>
+              </a:rPr>
+              <a:t>Falgs를</a:t>
+            </a:r>
+            <a:r>
+              <a:rPr lang="ko-KR" sz="1800">
+                <a:latin typeface="맑은 고딕" charset="0"/>
+                <a:ea typeface="맑은 고딕" charset="0"/>
+              </a:rPr>
+              <a:t> Solid Color로 변경합니다.</a:t>
             </a:r>
             <a:endParaRPr lang="ko-KR" altLang="en-US" sz="1800">
               <a:latin typeface="맑은 고딕" charset="0"/>
@@ -11627,9 +11562,9 @@
           <p:nvPr/>
         </p:nvSpPr>
         <p:spPr>
-          <a:xfrm>
-            <a:off x="6827520" y="5028565"/>
-            <a:ext cx="4138930" cy="1231265"/>
+          <a:xfrm rot="0">
+            <a:off x="6822440" y="5209540"/>
+            <a:ext cx="4126230" cy="954405"/>
           </a:xfrm>
           <a:prstGeom prst="rect"/>
           <a:noFill/>
@@ -11666,7 +11601,7 @@
                 <a:latin typeface="맑은 고딕" charset="0"/>
                 <a:ea typeface="맑은 고딕" charset="0"/>
               </a:rPr>
-              <a:t>6</a:t>
+              <a:t>9</a:t>
             </a:r>
             <a:r>
               <a:rPr sz="2000" b="1">
@@ -11676,55 +11611,87 @@
                 <a:latin typeface="맑은 고딕" charset="0"/>
                 <a:ea typeface="맑은 고딕" charset="0"/>
               </a:rPr>
-              <a:t>. </a:t>
-            </a:r>
-            <a:r>
-              <a:rPr lang="ko-KR" sz="1800">
-                <a:latin typeface="맑은 고딕" charset="0"/>
-                <a:ea typeface="맑은 고딕" charset="0"/>
-              </a:rPr>
-              <a:t>이제</a:t>
-            </a:r>
-            <a:r>
-              <a:rPr sz="1800">
+              <a:t>.</a:t>
+            </a:r>
+            <a:r>
+              <a:rPr sz="2000" b="1">
+                <a:solidFill>
+                  <a:srgbClr val="0611F2"/>
+                </a:solidFill>
                 <a:latin typeface="맑은 고딕" charset="0"/>
                 <a:ea typeface="맑은 고딕" charset="0"/>
               </a:rPr>
               <a:t> </a:t>
             </a:r>
             <a:r>
-              <a:rPr sz="1800" b="1">
-                <a:solidFill>
-                  <a:schemeClr val="tx1"/>
-                </a:solidFill>
-                <a:latin typeface="맑은 고딕" charset="0"/>
-                <a:ea typeface="맑은 고딕" charset="0"/>
-              </a:rPr>
-              <a:t>https://www.mixamo.com</a:t>
-            </a:r>
-            <a:r>
-              <a:rPr lang="ko-KR" sz="1800">
-                <a:solidFill>
-                  <a:schemeClr val="tx1"/>
-                </a:solidFill>
+              <a:rPr lang="ko-KR" sz="1800">
+                <a:latin typeface="맑은 고딕" charset="0"/>
+                <a:ea typeface="맑은 고딕" charset="0"/>
+              </a:rPr>
+              <a:t>그다음</a:t>
+            </a:r>
+            <a:r>
+              <a:rPr sz="1800">
                 <a:latin typeface="맑은 고딕" charset="0"/>
                 <a:ea typeface="맑은 고딕" charset="0"/>
               </a:rPr>
               <a:t> </a:t>
             </a:r>
             <a:r>
-              <a:rPr lang="ko-KR" sz="1800">
-                <a:latin typeface="맑은 고딕" charset="0"/>
-                <a:ea typeface="맑은 고딕" charset="0"/>
-              </a:rPr>
-              <a:t>사이트에서 </a:t>
-            </a:r>
-            <a:r>
-              <a:rPr sz="1800">
-                <a:latin typeface="맑은 고딕" charset="0"/>
-                <a:ea typeface="맑은 고딕" charset="0"/>
-              </a:rPr>
-              <a:t>에서 Animation을 선택하고 Idle 애니메이션을 Download합니다.</a:t>
+              <a:rPr sz="1800">
+                <a:latin typeface="맑은 고딕" charset="0"/>
+                <a:ea typeface="맑은 고딕" charset="0"/>
+              </a:rPr>
+              <a:t>mixamo에서 </a:t>
+            </a:r>
+            <a:r>
+              <a:rPr sz="1800">
+                <a:latin typeface="맑은 고딕" charset="0"/>
+                <a:ea typeface="맑은 고딕" charset="0"/>
+              </a:rPr>
+              <a:t>Animation을</a:t>
+            </a:r>
+            <a:r>
+              <a:rPr sz="1800">
+                <a:latin typeface="맑은 고딕" charset="0"/>
+                <a:ea typeface="맑은 고딕" charset="0"/>
+              </a:rPr>
+              <a:t> </a:t>
+            </a:r>
+            <a:r>
+              <a:rPr sz="1800">
+                <a:latin typeface="맑은 고딕" charset="0"/>
+                <a:ea typeface="맑은 고딕" charset="0"/>
+              </a:rPr>
+              <a:t>선택하고</a:t>
+            </a:r>
+            <a:r>
+              <a:rPr sz="1800">
+                <a:latin typeface="맑은 고딕" charset="0"/>
+                <a:ea typeface="맑은 고딕" charset="0"/>
+              </a:rPr>
+              <a:t> Idle </a:t>
+            </a:r>
+            <a:r>
+              <a:rPr sz="1800">
+                <a:latin typeface="맑은 고딕" charset="0"/>
+                <a:ea typeface="맑은 고딕" charset="0"/>
+              </a:rPr>
+              <a:t>애니메이션을</a:t>
+            </a:r>
+            <a:r>
+              <a:rPr sz="1800">
+                <a:latin typeface="맑은 고딕" charset="0"/>
+                <a:ea typeface="맑은 고딕" charset="0"/>
+              </a:rPr>
+              <a:t> </a:t>
+            </a:r>
+            <a:r>
+              <a:rPr sz="1800">
+                <a:latin typeface="맑은 고딕" charset="0"/>
+                <a:ea typeface="맑은 고딕" charset="0"/>
+              </a:rPr>
+              <a:t>Download합니다.</a:t>
             </a:r>
             <a:endParaRPr lang="ko-KR" altLang="en-US" sz="1800">
               <a:latin typeface="맑은 고딕" charset="0"/>
@@ -11735,45 +11702,14 @@
       </p:sp>
       <p:pic>
         <p:nvPicPr>
-          <p:cNvPr id="1220" name="그림 1"/>
+          <p:cNvPr id="1220" name="그림 1" descr="C:/Users/Admin1/AppData/Roaming/PolarisOffice/ETemp/21868_13429944/fImage3723532341.png"/>
           <p:cNvPicPr>
             <a:picLocks noChangeAspect="1"/>
           </p:cNvPicPr>
           <p:nvPr/>
         </p:nvPicPr>
         <p:blipFill rotWithShape="1">
-          <a:blip r:embed="rId2" cstate="print">
-            <a:extLst>
-              <a:ext uri="{28A0092B-C50C-407E-A947-70E740481C1C}">
-                <a14:useLocalDpi xmlns:a14="http://schemas.microsoft.com/office/drawing/2010/main" val="0"/>
-              </a:ext>
-            </a:extLst>
-          </a:blip>
-          <a:stretch>
-            <a:fillRect/>
-          </a:stretch>
-        </p:blipFill>
-        <p:spPr>
-          <a:xfrm rot="0">
-            <a:off x="1230630" y="1343660"/>
-            <a:ext cx="4140200" cy="2497455"/>
-          </a:xfrm>
-          <a:prstGeom prst="roundRect"/>
-          <a:solidFill>
-            <a:srgbClr val="EDEDED"/>
-          </a:solidFill>
-        </p:spPr>
-      </p:pic>
-      <p:pic>
-        <p:nvPicPr>
-          <p:cNvPr id="1221" name="그림 4"/>
-          <p:cNvPicPr>
-            <a:picLocks noChangeAspect="1"/>
-          </p:cNvPicPr>
-          <p:nvPr/>
-        </p:nvPicPr>
-        <p:blipFill rotWithShape="1">
-          <a:blip r:embed="rId3" cstate="hqprint">
+          <a:blip r:embed="rId2" cstate="hqprint">
             <a:extLst>
               <a:ext uri="{28A0092B-C50C-407E-A947-70E740481C1C}">
                 <a14:useLocalDpi xmlns:a14="http://schemas.microsoft.com/office/drawing/2010/main"/>
@@ -11786,8 +11722,8 @@
         </p:blipFill>
         <p:spPr>
           <a:xfrm rot="0">
-            <a:off x="1232535" y="3990975"/>
-            <a:ext cx="4146550" cy="973455"/>
+            <a:off x="1230630" y="1455420"/>
+            <a:ext cx="4140835" cy="2766060"/>
           </a:xfrm>
           <a:prstGeom prst="roundRect"/>
           <a:solidFill>
@@ -11795,52 +11731,19 @@
           </a:solidFill>
         </p:spPr>
       </p:pic>
-      <p:cxnSp>
-        <p:nvCxnSpPr>
-          <p:cNvPr id="1222" name="도형 5"/>
-          <p:cNvCxnSpPr/>
-          <p:nvPr/>
-        </p:nvCxnSpPr>
-        <p:spPr>
-          <a:xfrm rot="0" flipV="1">
-            <a:off x="2344420" y="3142615"/>
-            <a:ext cx="2934970" cy="1330325"/>
-          </a:xfrm>
-          <a:prstGeom prst="straightConnector1"/>
-          <a:ln w="6350" cap="flat" cmpd="sng">
-            <a:prstDash/>
-            <a:headEnd type="none" w="med" len="med"/>
-            <a:tailEnd type="triangle" w="med" len="med"/>
-          </a:ln>
-        </p:spPr>
-        <p:style>
-          <a:lnRef idx="1">
-            <a:schemeClr val="accent1"/>
-          </a:lnRef>
-          <a:fillRef idx="0">
-            <a:schemeClr val="accent1"/>
-          </a:fillRef>
-          <a:effectRef idx="0">
-            <a:schemeClr val="accent1"/>
-          </a:effectRef>
-          <a:fontRef idx="minor">
-            <a:schemeClr val="tx1"/>
-          </a:fontRef>
-        </p:style>
-      </p:cxnSp>
       <p:pic>
         <p:nvPicPr>
-          <p:cNvPr id="1223" name="그림 6"/>
+          <p:cNvPr id="1223" name="그림 6" descr="C:/Users/Admin1/AppData/Roaming/PolarisOffice/ETemp/21868_13429944/fImage4319533268467.png"/>
           <p:cNvPicPr>
             <a:picLocks noChangeAspect="1"/>
           </p:cNvPicPr>
           <p:nvPr/>
         </p:nvPicPr>
         <p:blipFill rotWithShape="1">
-          <a:blip r:embed="rId4" cstate="print">
+          <a:blip r:embed="rId4" cstate="hqprint">
             <a:extLst>
               <a:ext uri="{28A0092B-C50C-407E-A947-70E740481C1C}">
-                <a14:useLocalDpi xmlns:a14="http://schemas.microsoft.com/office/drawing/2010/main" val="0"/>
+                <a14:useLocalDpi xmlns:a14="http://schemas.microsoft.com/office/drawing/2010/main"/>
               </a:ext>
             </a:extLst>
           </a:blip>
@@ -11850,8 +11753,8 @@
         </p:blipFill>
         <p:spPr>
           <a:xfrm rot="0">
-            <a:off x="6816725" y="1346835"/>
-            <a:ext cx="4140835" cy="3575050"/>
+            <a:off x="6830695" y="1447165"/>
+            <a:ext cx="4126865" cy="3566795"/>
           </a:xfrm>
           <a:prstGeom prst="rect"/>
           <a:noFill/>
@@ -11907,8 +11810,8 @@
         </p:nvSpPr>
         <p:spPr>
           <a:xfrm rot="0">
-            <a:off x="4121785" y="410210"/>
-            <a:ext cx="3943350" cy="554990"/>
+            <a:off x="4121785" y="393065"/>
+            <a:ext cx="3943985" cy="478155"/>
           </a:xfrm>
           <a:prstGeom prst="rect"/>
           <a:noFill/>
@@ -11923,46 +11826,36 @@
           </a:bodyPr>
           <a:lstStyle/>
           <a:p>
-            <a:pPr marL="0" indent="0" algn="l" latinLnBrk="0">
-              <a:buFontTx/>
-              <a:buNone/>
-            </a:pPr>
-            <a:r>
-              <a:rPr lang="ko-KR" altLang="en-US" sz="3000" b="1">
+            <a:pPr marL="0" indent="0" algn="ctr" latinLnBrk="0">
+              <a:buFontTx/>
+              <a:buNone/>
+            </a:pPr>
+            <a:r>
+              <a:rPr lang="ko-KR" altLang="en-US" sz="2500" b="1">
                 <a:solidFill>
                   <a:schemeClr val="tx1"/>
                 </a:solidFill>
-                <a:latin typeface="맑은 고딕" charset="0"/>
-                <a:ea typeface="맑은 고딕" charset="0"/>
-              </a:rPr>
-              <a:t>열</a:t>
-            </a:r>
-            <a:r>
-              <a:rPr lang="ko-KR" altLang="en-US" sz="3000" b="1">
+                <a:latin typeface="나눔바른고딕" charset="0"/>
+                <a:ea typeface="나눔바른고딕" charset="0"/>
+              </a:rPr>
+              <a:t>열여섯</a:t>
+            </a:r>
+            <a:r>
+              <a:rPr lang="ko-KR" altLang="en-US" sz="2500" b="1">
                 <a:solidFill>
                   <a:schemeClr val="tx1"/>
                 </a:solidFill>
-                <a:latin typeface="맑은 고딕" charset="0"/>
-                <a:ea typeface="맑은 고딕" charset="0"/>
-              </a:rPr>
-              <a:t>일곱</a:t>
-            </a:r>
-            <a:r>
-              <a:rPr lang="ko-KR" altLang="en-US" sz="3000" b="1">
-                <a:solidFill>
-                  <a:schemeClr val="tx1"/>
-                </a:solidFill>
-                <a:latin typeface="맑은 고딕" charset="0"/>
-                <a:ea typeface="맑은 고딕" charset="0"/>
+                <a:latin typeface="나눔바른고딕" charset="0"/>
+                <a:ea typeface="나눔바른고딕" charset="0"/>
               </a:rPr>
               <a:t> 번째 튜토리얼</a:t>
             </a:r>
-            <a:endParaRPr lang="ko-KR" altLang="en-US" sz="3000" b="1">
+            <a:endParaRPr lang="ko-KR" altLang="en-US" sz="2500" b="1">
               <a:solidFill>
                 <a:schemeClr val="tx1"/>
               </a:solidFill>
-              <a:latin typeface="맑은 고딕" charset="0"/>
-              <a:ea typeface="맑은 고딕" charset="0"/>
+              <a:latin typeface="나눔바른고딕" charset="0"/>
+              <a:ea typeface="나눔바른고딕" charset="0"/>
             </a:endParaRPr>
           </a:p>
         </p:txBody>
@@ -11976,9 +11869,9 @@
           <p:nvPr/>
         </p:nvSpPr>
         <p:spPr>
-          <a:xfrm>
-            <a:off x="1340485" y="4693285"/>
-            <a:ext cx="3990975" cy="1508125"/>
+          <a:xfrm rot="0">
+            <a:off x="1231900" y="4925695"/>
+            <a:ext cx="4126865" cy="1231265"/>
           </a:xfrm>
           <a:prstGeom prst="rect"/>
           <a:noFill/>
@@ -12005,108 +11898,188 @@
                 <a:latin typeface="맑은 고딕" charset="0"/>
                 <a:ea typeface="맑은 고딕" charset="0"/>
               </a:rPr>
-              <a:t>37. </a:t>
-            </a:r>
-            <a:r>
-              <a:rPr sz="1800">
-                <a:latin typeface="맑은 고딕" charset="0"/>
-                <a:ea typeface="맑은 고딕" charset="0"/>
-              </a:rPr>
-              <a:t>마지막으</a:t>
-            </a:r>
-            <a:r>
-              <a:rPr lang="ko-KR" sz="1800">
-                <a:latin typeface="맑은 고딕" charset="0"/>
-                <a:ea typeface="맑은 고딕" charset="0"/>
-              </a:rPr>
-              <a:t>로</a:t>
-            </a:r>
-            <a:r>
-              <a:rPr sz="1800">
-                <a:latin typeface="맑은 고딕" charset="0"/>
-                <a:ea typeface="맑은 고딕" charset="0"/>
-              </a:rPr>
-              <a:t> Format은 FBX for Unity(.fbx)로 설정합니다.</a:t>
+              <a:t>4</a:t>
+            </a:r>
+            <a:r>
+              <a:rPr sz="2000" b="1">
+                <a:solidFill>
+                  <a:srgbClr val="0611F2"/>
+                </a:solidFill>
+                <a:latin typeface="맑은 고딕" charset="0"/>
+                <a:ea typeface="맑은 고딕" charset="0"/>
+              </a:rPr>
+              <a:t>0</a:t>
+            </a:r>
+            <a:r>
+              <a:rPr sz="2000" b="1">
+                <a:solidFill>
+                  <a:srgbClr val="0611F2"/>
+                </a:solidFill>
+                <a:latin typeface="맑은 고딕" charset="0"/>
+                <a:ea typeface="맑은 고딕" charset="0"/>
+              </a:rPr>
+              <a:t>.</a:t>
+            </a:r>
+            <a:r>
+              <a:rPr sz="2000" b="1">
+                <a:solidFill>
+                  <a:srgbClr val="0611F2"/>
+                </a:solidFill>
+                <a:latin typeface="맑은 고딕" charset="0"/>
+                <a:ea typeface="맑은 고딕" charset="0"/>
+              </a:rPr>
+              <a:t> </a:t>
+            </a:r>
+            <a:r>
+              <a:rPr sz="1800">
+                <a:latin typeface="맑은 고딕" charset="0"/>
+                <a:ea typeface="맑은 고딕" charset="0"/>
+              </a:rPr>
+              <a:t>그리고 Format을 FBX for </a:t>
+            </a:r>
+            <a:r>
+              <a:rPr sz="1800">
+                <a:latin typeface="맑은 고딕" charset="0"/>
+                <a:ea typeface="맑은 고딕" charset="0"/>
+              </a:rPr>
+              <a:t>Unity(.fbx)로</a:t>
+            </a:r>
+            <a:r>
+              <a:rPr sz="1800">
+                <a:latin typeface="맑은 고딕" charset="0"/>
+                <a:ea typeface="맑은 고딕" charset="0"/>
+              </a:rPr>
+              <a:t> </a:t>
+            </a:r>
+            <a:r>
+              <a:rPr sz="1800">
+                <a:latin typeface="맑은 고딕" charset="0"/>
+                <a:ea typeface="맑은 고딕" charset="0"/>
+              </a:rPr>
+              <a:t>설정한 다음 </a:t>
+            </a:r>
+            <a:r>
+              <a:rPr sz="1800">
+                <a:latin typeface="맑은 고딕" charset="0"/>
+                <a:ea typeface="맑은 고딕" charset="0"/>
+              </a:rPr>
+              <a:t>Skin</a:t>
+            </a:r>
+            <a:r>
+              <a:rPr lang="ko-KR" sz="1800">
+                <a:latin typeface="맑은 고딕" charset="0"/>
+                <a:ea typeface="맑은 고딕" charset="0"/>
+              </a:rPr>
+              <a:t>을</a:t>
+            </a:r>
+            <a:r>
+              <a:rPr sz="1800">
+                <a:latin typeface="맑은 고딕" charset="0"/>
+                <a:ea typeface="맑은 고딕" charset="0"/>
+              </a:rPr>
+              <a:t> </a:t>
+            </a:r>
+            <a:r>
+              <a:rPr sz="1800">
+                <a:latin typeface="맑은 고딕" charset="0"/>
+                <a:ea typeface="맑은 고딕" charset="0"/>
+              </a:rPr>
+              <a:t>Wit</a:t>
+            </a:r>
+            <a:r>
+              <a:rPr sz="1800">
+                <a:latin typeface="맑은 고딕" charset="0"/>
+                <a:ea typeface="맑은 고딕" charset="0"/>
+              </a:rPr>
+              <a:t>h</a:t>
+            </a:r>
+            <a:r>
+              <a:rPr sz="1800">
+                <a:latin typeface="맑은 고딕" charset="0"/>
+                <a:ea typeface="맑은 고딕" charset="0"/>
+              </a:rPr>
+              <a:t>out</a:t>
+            </a:r>
+            <a:r>
+              <a:rPr sz="1800">
+                <a:latin typeface="맑은 고딕" charset="0"/>
+                <a:ea typeface="맑은 고딕" charset="0"/>
+              </a:rPr>
+              <a:t> </a:t>
+            </a:r>
+            <a:r>
+              <a:rPr sz="1800">
+                <a:latin typeface="맑은 고딕" charset="0"/>
+                <a:ea typeface="맑은 고딕" charset="0"/>
+              </a:rPr>
+              <a:t>Skin으로</a:t>
+            </a:r>
+            <a:r>
+              <a:rPr sz="1800">
+                <a:latin typeface="맑은 고딕" charset="0"/>
+                <a:ea typeface="맑은 고딕" charset="0"/>
+              </a:rPr>
+              <a:t> </a:t>
+            </a:r>
+            <a:r>
+              <a:rPr sz="1800">
+                <a:latin typeface="맑은 고딕" charset="0"/>
+                <a:ea typeface="맑은 고딕" charset="0"/>
+              </a:rPr>
+              <a:t>설정하고</a:t>
+            </a:r>
+            <a:r>
+              <a:rPr sz="1800">
+                <a:latin typeface="맑은 고딕" charset="0"/>
+                <a:ea typeface="맑은 고딕" charset="0"/>
+              </a:rPr>
+              <a:t> </a:t>
+            </a:r>
+            <a:r>
+              <a:rPr sz="1800">
+                <a:latin typeface="맑은 고딕" charset="0"/>
+                <a:ea typeface="맑은 고딕" charset="0"/>
+              </a:rPr>
+              <a:t>Download</a:t>
+            </a:r>
+            <a:r>
+              <a:rPr lang="ko-KR" sz="1800">
+                <a:latin typeface="맑은 고딕" charset="0"/>
+                <a:ea typeface="맑은 고딕" charset="0"/>
+              </a:rPr>
+              <a:t>를</a:t>
+            </a:r>
+            <a:r>
+              <a:rPr lang="ko-KR" sz="1800">
+                <a:latin typeface="맑은 고딕" charset="0"/>
+                <a:ea typeface="맑은 고딕" charset="0"/>
+              </a:rPr>
+              <a:t> </a:t>
+            </a:r>
+            <a:r>
+              <a:rPr lang="ko-KR" sz="1800">
+                <a:latin typeface="맑은 고딕" charset="0"/>
+                <a:ea typeface="맑은 고딕" charset="0"/>
+              </a:rPr>
+              <a:t>선택</a:t>
+            </a:r>
+            <a:r>
+              <a:rPr sz="1800">
+                <a:latin typeface="맑은 고딕" charset="0"/>
+                <a:ea typeface="맑은 고딕" charset="0"/>
+              </a:rPr>
+              <a:t>합니다.</a:t>
             </a:r>
             <a:endParaRPr lang="ko-KR" altLang="en-US" sz="1800">
               <a:latin typeface="맑은 고딕" charset="0"/>
               <a:ea typeface="맑은 고딕" charset="0"/>
             </a:endParaRPr>
           </a:p>
-          <a:p>
-            <a:pPr marL="0" indent="0" rtl="0" algn="l" defTabSz="914400" eaLnBrk="1" latinLnBrk="0" hangingPunct="1">
-              <a:buFontTx/>
-              <a:buNone/>
-            </a:pPr>
-            <a:endParaRPr lang="ko-KR" altLang="en-US" sz="1800">
-              <a:latin typeface="맑은 고딕" charset="0"/>
-              <a:ea typeface="맑은 고딕" charset="0"/>
-            </a:endParaRPr>
-          </a:p>
-          <a:p>
-            <a:pPr marL="0" indent="0" rtl="0" algn="l" defTabSz="914400" eaLnBrk="1" latinLnBrk="0" hangingPunct="1">
-              <a:buFontTx/>
-              <a:buNone/>
-            </a:pPr>
-            <a:r>
-              <a:rPr sz="1800">
-                <a:latin typeface="맑은 고딕" charset="0"/>
-                <a:ea typeface="맑은 고딕" charset="0"/>
-              </a:rPr>
-              <a:t>이</a:t>
-            </a:r>
-            <a:r>
-              <a:rPr lang="ko-KR" sz="1800">
-                <a:latin typeface="맑은 고딕" charset="0"/>
-                <a:ea typeface="맑은 고딕" charset="0"/>
-              </a:rPr>
-              <a:t>제</a:t>
-            </a:r>
-            <a:r>
-              <a:rPr sz="1800">
-                <a:latin typeface="맑은 고딕" charset="0"/>
-                <a:ea typeface="맑은 고딕" charset="0"/>
-              </a:rPr>
-              <a:t> Skin</a:t>
-            </a:r>
-            <a:r>
-              <a:rPr lang="ko-KR" sz="1800">
-                <a:latin typeface="맑은 고딕" charset="0"/>
-                <a:ea typeface="맑은 고딕" charset="0"/>
-              </a:rPr>
-              <a:t>을</a:t>
-            </a:r>
-            <a:r>
-              <a:rPr sz="1800">
-                <a:latin typeface="맑은 고딕" charset="0"/>
-                <a:ea typeface="맑은 고딕" charset="0"/>
-              </a:rPr>
-              <a:t> Whitout Skin으로 설정한 다음 Download</a:t>
-            </a:r>
-            <a:r>
-              <a:rPr lang="ko-KR" sz="1800">
-                <a:latin typeface="맑은 고딕" charset="0"/>
-                <a:ea typeface="맑은 고딕" charset="0"/>
-              </a:rPr>
-              <a:t>를 선택</a:t>
-            </a:r>
-            <a:r>
-              <a:rPr sz="1800">
-                <a:latin typeface="맑은 고딕" charset="0"/>
-                <a:ea typeface="맑은 고딕" charset="0"/>
-              </a:rPr>
-              <a:t>합니다.</a:t>
-            </a:r>
-            <a:endParaRPr lang="ko-KR" altLang="en-US" sz="1800">
-              <a:latin typeface="맑은 고딕" charset="0"/>
-              <a:ea typeface="맑은 고딕" charset="0"/>
-            </a:endParaRPr>
-          </a:p>
         </p:txBody>
       </p:sp>
       <p:pic>
         <p:nvPicPr>
-          <p:cNvPr id="1225" name="그림 9"/>
+          <p:cNvPr id="1225" name="그림 9" descr="C:/Users/Admin1/AppData/Roaming/PolarisOffice/ETemp/21868_13429944/fImage113473386334.png"/>
           <p:cNvPicPr>
             <a:picLocks noChangeAspect="1"/>
           </p:cNvPicPr>
@@ -12126,8 +12099,8 @@
         </p:blipFill>
         <p:spPr>
           <a:xfrm rot="0">
-            <a:off x="1336040" y="1346835"/>
-            <a:ext cx="4002405" cy="3226435"/>
+            <a:off x="1231900" y="1455420"/>
+            <a:ext cx="4135120" cy="3343275"/>
           </a:xfrm>
           <a:prstGeom prst="roundRect"/>
           <a:solidFill>
@@ -12137,76 +12110,14 @@
       </p:pic>
       <p:pic>
         <p:nvPicPr>
-          <p:cNvPr id="1226" name="그림 10"/>
+          <p:cNvPr id="1226" name="그림 10" descr="C:/Users/Admin1/AppData/Roaming/PolarisOffice/ETemp/21868_13429944/fImage46863396500.png"/>
           <p:cNvPicPr>
             <a:picLocks noChangeAspect="1"/>
           </p:cNvPicPr>
           <p:nvPr/>
         </p:nvPicPr>
         <p:blipFill rotWithShape="1">
-          <a:blip r:embed="rId3" cstate="print">
-            <a:extLst>
-              <a:ext uri="{28A0092B-C50C-407E-A947-70E740481C1C}">
-                <a14:useLocalDpi xmlns:a14="http://schemas.microsoft.com/office/drawing/2010/main" val="0"/>
-              </a:ext>
-            </a:extLst>
-          </a:blip>
-          <a:stretch>
-            <a:fillRect/>
-          </a:stretch>
-        </p:blipFill>
-        <p:spPr>
-          <a:xfrm rot="0">
-            <a:off x="6828155" y="1529715"/>
-            <a:ext cx="862330" cy="741045"/>
-          </a:xfrm>
-          <a:prstGeom prst="roundRect"/>
-          <a:solidFill>
-            <a:srgbClr val="EDEDED"/>
-          </a:solidFill>
-        </p:spPr>
-      </p:pic>
-      <p:pic>
-        <p:nvPicPr>
-          <p:cNvPr id="1228" name="그림 15"/>
-          <p:cNvPicPr>
-            <a:picLocks noChangeAspect="1"/>
-          </p:cNvPicPr>
-          <p:nvPr/>
-        </p:nvPicPr>
-        <p:blipFill rotWithShape="1">
-          <a:blip r:embed="rId4" cstate="print">
-            <a:extLst>
-              <a:ext uri="{28A0092B-C50C-407E-A947-70E740481C1C}">
-                <a14:useLocalDpi xmlns:a14="http://schemas.microsoft.com/office/drawing/2010/main" val="0"/>
-              </a:ext>
-            </a:extLst>
-          </a:blip>
-          <a:stretch>
-            <a:fillRect/>
-          </a:stretch>
-        </p:blipFill>
-        <p:spPr>
-          <a:xfrm rot="0">
-            <a:off x="7897495" y="1346835"/>
-            <a:ext cx="3068320" cy="1092200"/>
-          </a:xfrm>
-          <a:prstGeom prst="roundRect"/>
-          <a:solidFill>
-            <a:srgbClr val="EDEDED"/>
-          </a:solidFill>
-        </p:spPr>
-      </p:pic>
-      <p:pic>
-        <p:nvPicPr>
-          <p:cNvPr id="1227" name="그림 14"/>
-          <p:cNvPicPr>
-            <a:picLocks noChangeAspect="1"/>
-          </p:cNvPicPr>
-          <p:nvPr/>
-        </p:nvPicPr>
-        <p:blipFill rotWithShape="1">
-          <a:blip r:embed="rId5" cstate="hqprint">
+          <a:blip r:embed="rId3" cstate="hqprint">
             <a:extLst>
               <a:ext uri="{28A0092B-C50C-407E-A947-70E740481C1C}">
                 <a14:useLocalDpi xmlns:a14="http://schemas.microsoft.com/office/drawing/2010/main"/>
@@ -12218,12 +12129,45 @@
           </a:stretch>
         </p:blipFill>
         <p:spPr>
-          <a:xfrm rot="16200000">
-            <a:off x="7627620" y="1570990"/>
-            <a:ext cx="347345" cy="659130"/>
-          </a:xfrm>
-          <a:prstGeom prst="rect"/>
-          <a:noFill/>
+          <a:xfrm rot="0">
+            <a:off x="6828155" y="1572895"/>
+            <a:ext cx="862965" cy="741680"/>
+          </a:xfrm>
+          <a:prstGeom prst="roundRect"/>
+          <a:solidFill>
+            <a:srgbClr val="EDEDED"/>
+          </a:solidFill>
+        </p:spPr>
+      </p:pic>
+      <p:pic>
+        <p:nvPicPr>
+          <p:cNvPr id="1228" name="그림 15" descr="C:/Users/Admin1/AppData/Roaming/PolarisOffice/ETemp/21868_13429944/fImage58403439169.png"/>
+          <p:cNvPicPr>
+            <a:picLocks noChangeAspect="1"/>
+          </p:cNvPicPr>
+          <p:nvPr/>
+        </p:nvPicPr>
+        <p:blipFill rotWithShape="1">
+          <a:blip r:embed="rId4" cstate="hqprint">
+            <a:extLst>
+              <a:ext uri="{28A0092B-C50C-407E-A947-70E740481C1C}">
+                <a14:useLocalDpi xmlns:a14="http://schemas.microsoft.com/office/drawing/2010/main"/>
+              </a:ext>
+            </a:extLst>
+          </a:blip>
+          <a:stretch>
+            <a:fillRect/>
+          </a:stretch>
+        </p:blipFill>
+        <p:spPr>
+          <a:xfrm rot="0">
+            <a:off x="7897495" y="1447165"/>
+            <a:ext cx="3068955" cy="1001395"/>
+          </a:xfrm>
+          <a:prstGeom prst="roundRect"/>
+          <a:solidFill>
+            <a:srgbClr val="EDEDED"/>
+          </a:solidFill>
         </p:spPr>
       </p:pic>
       <p:sp>
@@ -12235,9 +12179,9 @@
           <p:nvPr/>
         </p:nvSpPr>
         <p:spPr>
-          <a:xfrm>
-            <a:off x="6816725" y="2490470"/>
-            <a:ext cx="4157980" cy="677545"/>
+          <a:xfrm rot="0">
+            <a:off x="6830695" y="2550795"/>
+            <a:ext cx="4135120" cy="677545"/>
           </a:xfrm>
           <a:prstGeom prst="rect"/>
           <a:noFill/>
@@ -12264,7 +12208,7 @@
                 <a:latin typeface="맑은 고딕" charset="0"/>
                 <a:ea typeface="맑은 고딕" charset="0"/>
               </a:rPr>
-              <a:t>3</a:t>
+              <a:t>4</a:t>
             </a:r>
             <a:r>
               <a:rPr sz="2000" b="1">
@@ -12274,7 +12218,7 @@
                 <a:latin typeface="맑은 고딕" charset="0"/>
                 <a:ea typeface="맑은 고딕" charset="0"/>
               </a:rPr>
-              <a:t>8</a:t>
+              <a:t>1</a:t>
             </a:r>
             <a:r>
               <a:rPr sz="2000" b="1">
@@ -12284,14 +12228,52 @@
                 <a:latin typeface="맑은 고딕" charset="0"/>
                 <a:ea typeface="맑은 고딕" charset="0"/>
               </a:rPr>
-              <a:t>. </a:t>
-            </a:r>
-            <a:r>
-              <a:rPr sz="1800">
-                <a:latin typeface="맑은 고딕" charset="0"/>
-                <a:ea typeface="맑은 고딕" charset="0"/>
-              </a:rPr>
-              <a:t>그다음 애니메이션 파일을 유니티 프로젝트에 추가합니다. </a:t>
+              <a:t>.</a:t>
+            </a:r>
+            <a:r>
+              <a:rPr sz="2000" b="1">
+                <a:solidFill>
+                  <a:srgbClr val="0611F2"/>
+                </a:solidFill>
+                <a:latin typeface="맑은 고딕" charset="0"/>
+                <a:ea typeface="맑은 고딕" charset="0"/>
+              </a:rPr>
+              <a:t> </a:t>
+            </a:r>
+            <a:r>
+              <a:rPr sz="1800">
+                <a:latin typeface="맑은 고딕" charset="0"/>
+                <a:ea typeface="맑은 고딕" charset="0"/>
+              </a:rPr>
+              <a:t>그런 다음 애니메이션 파일을 </a:t>
+            </a:r>
+            <a:r>
+              <a:rPr sz="1800">
+                <a:latin typeface="맑은 고딕" charset="0"/>
+                <a:ea typeface="맑은 고딕" charset="0"/>
+              </a:rPr>
+              <a:t>유니티</a:t>
+            </a:r>
+            <a:r>
+              <a:rPr sz="1800">
+                <a:latin typeface="맑은 고딕" charset="0"/>
+                <a:ea typeface="맑은 고딕" charset="0"/>
+              </a:rPr>
+              <a:t> </a:t>
+            </a:r>
+            <a:r>
+              <a:rPr sz="1800">
+                <a:latin typeface="맑은 고딕" charset="0"/>
+                <a:ea typeface="맑은 고딕" charset="0"/>
+              </a:rPr>
+              <a:t>프로젝트에</a:t>
+            </a:r>
+            <a:r>
+              <a:rPr sz="1800">
+                <a:latin typeface="맑은 고딕" charset="0"/>
+                <a:ea typeface="맑은 고딕" charset="0"/>
+              </a:rPr>
+              <a:t> 추가합니다. </a:t>
             </a:r>
             <a:endParaRPr lang="ko-KR" altLang="en-US" sz="1800">
               <a:latin typeface="맑은 고딕" charset="0"/>
@@ -12302,7 +12284,7 @@
       </p:sp>
       <p:pic>
         <p:nvPicPr>
-          <p:cNvPr id="1230" name="그림 20"/>
+          <p:cNvPr id="1230" name="그림 20" descr="C:/Users/Admin1/AppData/Roaming/PolarisOffice/ETemp/21868_13429944/fImage102633471478.png"/>
           <p:cNvPicPr>
             <a:picLocks noChangeAspect="1"/>
           </p:cNvPicPr>
@@ -12322,8 +12304,8 @@
         </p:blipFill>
         <p:spPr>
           <a:xfrm rot="0">
-            <a:off x="6805295" y="3306445"/>
-            <a:ext cx="4194810" cy="2106930"/>
+            <a:off x="6830695" y="3359150"/>
+            <a:ext cx="4144010" cy="1732280"/>
           </a:xfrm>
           <a:prstGeom prst="roundRect"/>
           <a:solidFill>
@@ -12340,9 +12322,9 @@
           <p:nvPr/>
         </p:nvSpPr>
         <p:spPr>
-          <a:xfrm>
-            <a:off x="6806565" y="5525135"/>
-            <a:ext cx="4203700" cy="677545"/>
+          <a:xfrm rot="0">
+            <a:off x="6839585" y="5206365"/>
+            <a:ext cx="4117975" cy="954405"/>
           </a:xfrm>
           <a:prstGeom prst="rect"/>
           <a:noFill/>
@@ -12369,28 +12351,100 @@
                 <a:latin typeface="맑은 고딕" charset="0"/>
                 <a:ea typeface="맑은 고딕" charset="0"/>
               </a:rPr>
-              <a:t>39. </a:t>
-            </a:r>
-            <a:r>
-              <a:rPr sz="1800">
-                <a:latin typeface="맑은 고딕" charset="0"/>
-                <a:ea typeface="맑은 고딕" charset="0"/>
-              </a:rPr>
-              <a:t>그리</a:t>
-            </a:r>
-            <a:r>
-              <a:rPr lang="ko-KR" sz="1800">
-                <a:latin typeface="맑은 고딕" charset="0"/>
-                <a:ea typeface="맑은 고딕" charset="0"/>
-              </a:rPr>
-              <a:t>고</a:t>
-            </a:r>
-            <a:r>
-              <a:rPr sz="1800">
-                <a:latin typeface="맑은 고딕" charset="0"/>
-                <a:ea typeface="맑은 고딕" charset="0"/>
-              </a:rPr>
-              <a:t> 애니메이터 컨트롤러를 선택하여 Base Layer에 들어옵니다. </a:t>
+              <a:t>4</a:t>
+            </a:r>
+            <a:r>
+              <a:rPr sz="2000" b="1">
+                <a:solidFill>
+                  <a:srgbClr val="0611F2"/>
+                </a:solidFill>
+                <a:latin typeface="맑은 고딕" charset="0"/>
+                <a:ea typeface="맑은 고딕" charset="0"/>
+              </a:rPr>
+              <a:t>2</a:t>
+            </a:r>
+            <a:r>
+              <a:rPr sz="2000" b="1">
+                <a:solidFill>
+                  <a:srgbClr val="0611F2"/>
+                </a:solidFill>
+                <a:latin typeface="맑은 고딕" charset="0"/>
+                <a:ea typeface="맑은 고딕" charset="0"/>
+              </a:rPr>
+              <a:t>.</a:t>
+            </a:r>
+            <a:r>
+              <a:rPr sz="2000" b="1">
+                <a:solidFill>
+                  <a:srgbClr val="0611F2"/>
+                </a:solidFill>
+                <a:latin typeface="맑은 고딕" charset="0"/>
+                <a:ea typeface="맑은 고딕" charset="0"/>
+              </a:rPr>
+              <a:t> </a:t>
+            </a:r>
+            <a:r>
+              <a:rPr sz="1800">
+                <a:latin typeface="맑은 고딕" charset="0"/>
+                <a:ea typeface="맑은 고딕" charset="0"/>
+              </a:rPr>
+              <a:t>그러고 나서 애니메이터 </a:t>
+            </a:r>
+            <a:r>
+              <a:rPr sz="1800">
+                <a:latin typeface="맑은 고딕" charset="0"/>
+                <a:ea typeface="맑은 고딕" charset="0"/>
+              </a:rPr>
+              <a:t>컨트롤러를</a:t>
+            </a:r>
+            <a:r>
+              <a:rPr sz="1800">
+                <a:latin typeface="맑은 고딕" charset="0"/>
+                <a:ea typeface="맑은 고딕" charset="0"/>
+              </a:rPr>
+              <a:t> </a:t>
+            </a:r>
+            <a:r>
+              <a:rPr sz="1800">
+                <a:latin typeface="맑은 고딕" charset="0"/>
+                <a:ea typeface="맑은 고딕" charset="0"/>
+              </a:rPr>
+              <a:t>선택하여</a:t>
+            </a:r>
+            <a:r>
+              <a:rPr sz="1800">
+                <a:latin typeface="맑은 고딕" charset="0"/>
+                <a:ea typeface="맑은 고딕" charset="0"/>
+              </a:rPr>
+              <a:t> </a:t>
+            </a:r>
+            <a:r>
+              <a:rPr sz="1800">
+                <a:latin typeface="맑은 고딕" charset="0"/>
+                <a:ea typeface="맑은 고딕" charset="0"/>
+              </a:rPr>
+              <a:t>Base</a:t>
+            </a:r>
+            <a:r>
+              <a:rPr sz="1800">
+                <a:latin typeface="맑은 고딕" charset="0"/>
+                <a:ea typeface="맑은 고딕" charset="0"/>
+              </a:rPr>
+              <a:t> Layer에 </a:t>
+            </a:r>
+            <a:r>
+              <a:rPr sz="1800">
+                <a:latin typeface="맑은 고딕" charset="0"/>
+                <a:ea typeface="맑은 고딕" charset="0"/>
+              </a:rPr>
+              <a:t>들어옵니다.</a:t>
+            </a:r>
+            <a:r>
+              <a:rPr sz="1800">
+                <a:latin typeface="맑은 고딕" charset="0"/>
+                <a:ea typeface="맑은 고딕" charset="0"/>
+              </a:rPr>
+              <a:t> </a:t>
             </a:r>
             <a:endParaRPr lang="ko-KR" altLang="en-US" sz="1800">
               <a:latin typeface="맑은 고딕" charset="0"/>
@@ -12399,6 +12453,35 @@
           </a:p>
         </p:txBody>
       </p:sp>
+      <p:pic>
+        <p:nvPicPr>
+          <p:cNvPr id="1232" name="그림 1" descr="C:/Users/Admin1/AppData/Roaming/PolarisOffice/ETemp/21868_13429944/fImage2242173726827.png"/>
+          <p:cNvPicPr>
+            <a:picLocks noChangeAspect="1"/>
+          </p:cNvPicPr>
+          <p:nvPr/>
+        </p:nvPicPr>
+        <p:blipFill rotWithShape="1">
+          <a:blip r:embed="rId8" cstate="hqprint">
+            <a:extLst>
+              <a:ext uri="{28A0092B-C50C-407E-A947-70E740481C1C}">
+                <a14:useLocalDpi xmlns:a14="http://schemas.microsoft.com/office/drawing/2010/main"/>
+              </a:ext>
+            </a:extLst>
+          </a:blip>
+          <a:stretch>
+            <a:fillRect/>
+          </a:stretch>
+        </p:blipFill>
+        <p:spPr>
+          <a:xfrm rot="0">
+            <a:off x="7484110" y="1774825"/>
+            <a:ext cx="681990" cy="351790"/>
+          </a:xfrm>
+          <a:prstGeom prst="rect"/>
+          <a:noFill/>
+        </p:spPr>
+      </p:pic>
     </p:spTree>
   </p:cSld>
   <p:clrMapOvr>
@@ -12423,7 +12506,7 @@
 </file>
 
 <file path=ppt/slides/slide17.xml><?xml version="1.0" encoding="utf-8"?>
-<p:sld xmlns:a="http://schemas.openxmlformats.org/drawingml/2006/main" xmlns:r="http://schemas.openxmlformats.org/officeDocument/2006/relationships" xmlns:p="http://schemas.openxmlformats.org/presentationml/2006/main" xmlns:p14="http://schemas.microsoft.com/office/powerpoint/2010/main">
+<p:sld xmlns:a="http://schemas.openxmlformats.org/drawingml/2006/main" xmlns:r="http://schemas.openxmlformats.org/officeDocument/2006/relationships" xmlns:p="http://schemas.openxmlformats.org/presentationml/2006/main">
   <p:cSld>
     <p:spTree>
       <p:nvGrpSpPr>
@@ -12449,8 +12532,8 @@
         </p:nvSpPr>
         <p:spPr>
           <a:xfrm rot="0">
-            <a:off x="4121785" y="410210"/>
-            <a:ext cx="3943985" cy="554990"/>
+            <a:off x="4121785" y="393065"/>
+            <a:ext cx="3943985" cy="478155"/>
           </a:xfrm>
           <a:prstGeom prst="rect"/>
           <a:noFill/>
@@ -12465,26 +12548,36 @@
           </a:bodyPr>
           <a:lstStyle/>
           <a:p>
-            <a:pPr marL="0" indent="0" algn="l" latinLnBrk="0">
-              <a:buFontTx/>
-              <a:buNone/>
-            </a:pPr>
-            <a:r>
-              <a:rPr lang="ko-KR" altLang="en-US" sz="3000" b="1">
+            <a:pPr marL="0" indent="0" algn="ctr" latinLnBrk="0">
+              <a:buFontTx/>
+              <a:buNone/>
+            </a:pPr>
+            <a:r>
+              <a:rPr lang="ko-KR" altLang="en-US" sz="2500" b="1">
                 <a:solidFill>
                   <a:schemeClr val="tx1"/>
                 </a:solidFill>
-                <a:latin typeface="맑은 고딕" charset="0"/>
-                <a:ea typeface="맑은 고딕" charset="0"/>
-              </a:rPr>
-              <a:t>열여덟 번째 튜토리얼</a:t>
-            </a:r>
-            <a:endParaRPr lang="ko-KR" altLang="en-US" sz="3000" b="1">
+                <a:latin typeface="나눔바른고딕" charset="0"/>
+                <a:ea typeface="나눔바른고딕" charset="0"/>
+              </a:rPr>
+              <a:t>열일곱</a:t>
+            </a:r>
+            <a:r>
+              <a:rPr lang="ko-KR" altLang="en-US" sz="2500" b="1">
+                <a:solidFill>
+                  <a:schemeClr val="tx1"/>
+                </a:solidFill>
+                <a:latin typeface="나눔바른고딕" charset="0"/>
+                <a:ea typeface="나눔바른고딕" charset="0"/>
+              </a:rPr>
+              <a:t> 번째 튜토리얼</a:t>
+            </a:r>
+            <a:endParaRPr lang="ko-KR" altLang="en-US" sz="2500" b="1">
               <a:solidFill>
                 <a:schemeClr val="tx1"/>
               </a:solidFill>
-              <a:latin typeface="맑은 고딕" charset="0"/>
-              <a:ea typeface="맑은 고딕" charset="0"/>
+              <a:latin typeface="나눔바른고딕" charset="0"/>
+              <a:ea typeface="나눔바른고딕" charset="0"/>
             </a:endParaRPr>
           </a:p>
         </p:txBody>
@@ -12499,8 +12592,8 @@
         </p:nvSpPr>
         <p:spPr>
           <a:xfrm rot="0">
-            <a:off x="1214120" y="3895090"/>
-            <a:ext cx="4141470" cy="2338705"/>
+            <a:off x="1231900" y="2797810"/>
+            <a:ext cx="4126865" cy="954405"/>
           </a:xfrm>
           <a:prstGeom prst="rect"/>
           <a:noFill/>
@@ -12520,6 +12613,16 @@
               <a:buNone/>
             </a:pPr>
             <a:r>
+              <a:rPr sz="2000" b="1">
+                <a:solidFill>
+                  <a:srgbClr val="0611F2"/>
+                </a:solidFill>
+                <a:latin typeface="맑은 고딕" charset="0"/>
+                <a:ea typeface="맑은 고딕" charset="0"/>
+              </a:rPr>
+              <a:t>4</a:t>
+            </a:r>
+            <a:r>
               <a:rPr lang="ko-KR" sz="2000" b="1">
                 <a:solidFill>
                   <a:srgbClr val="0611F2"/>
@@ -12527,7 +12630,7 @@
                 <a:latin typeface="맑은 고딕" charset="0"/>
                 <a:ea typeface="맑은 고딕" charset="0"/>
               </a:rPr>
-              <a:t>40</a:t>
+              <a:t>3</a:t>
             </a:r>
             <a:r>
               <a:rPr sz="2000" b="1">
@@ -12537,385 +12640,126 @@
                 <a:latin typeface="맑은 고딕" charset="0"/>
                 <a:ea typeface="맑은 고딕" charset="0"/>
               </a:rPr>
-              <a:t>. </a:t>
-            </a:r>
-            <a:r>
-              <a:rPr sz="1800">
-                <a:latin typeface="맑은 고딕" charset="0"/>
-                <a:ea typeface="맑은 고딕" charset="0"/>
-              </a:rPr>
-              <a:t>그런 다음 </a:t>
-            </a:r>
-            <a:r>
-              <a:rPr lang="ko-KR" sz="1800">
-                <a:latin typeface="맑은 고딕" charset="0"/>
-                <a:ea typeface="맑은 고딕" charset="0"/>
-              </a:rPr>
-              <a:t>Unique Lobby와 Platinum Lobby 그리고 Challenger Lobby 오브젝트의 이벤트 함수에 </a:t>
-            </a:r>
-            <a:r>
-              <a:rPr lang="ko-KR" sz="1800">
-                <a:latin typeface="맑은 고딕" charset="0"/>
-                <a:ea typeface="맑은 고딕" charset="0"/>
-              </a:rPr>
-              <a:t>Server Manager </a:t>
-            </a:r>
-            <a:r>
-              <a:rPr lang="ko-KR" sz="1800">
-                <a:latin typeface="맑은 고딕" charset="0"/>
-                <a:ea typeface="맑은 고딕" charset="0"/>
-              </a:rPr>
-              <a:t>오브젝트를 넣어줍니다.</a:t>
+              <a:t>.</a:t>
+            </a:r>
+            <a:r>
+              <a:rPr sz="2000" b="1">
+                <a:solidFill>
+                  <a:srgbClr val="0611F2"/>
+                </a:solidFill>
+                <a:latin typeface="맑은 고딕" charset="0"/>
+                <a:ea typeface="맑은 고딕" charset="0"/>
+              </a:rPr>
+              <a:t> </a:t>
+            </a:r>
+            <a:r>
+              <a:rPr sz="1800">
+                <a:latin typeface="맑은 고딕" charset="0"/>
+                <a:ea typeface="맑은 고딕" charset="0"/>
+              </a:rPr>
+              <a:t>이제 </a:t>
+            </a:r>
+            <a:r>
+              <a:rPr sz="1800">
+                <a:latin typeface="맑은 고딕" charset="0"/>
+                <a:ea typeface="맑은 고딕" charset="0"/>
+              </a:rPr>
+              <a:t>Unique Lobby </a:t>
+            </a:r>
+            <a:r>
+              <a:rPr sz="1800">
+                <a:latin typeface="맑은 고딕" charset="0"/>
+                <a:ea typeface="맑은 고딕" charset="0"/>
+              </a:rPr>
+              <a:t>오브젝트의</a:t>
+            </a:r>
+            <a:r>
+              <a:rPr sz="1800">
+                <a:latin typeface="맑은 고딕" charset="0"/>
+                <a:ea typeface="맑은 고딕" charset="0"/>
+              </a:rPr>
+              <a:t> </a:t>
+            </a:r>
+            <a:r>
+              <a:rPr sz="1800">
+                <a:latin typeface="맑은 고딕" charset="0"/>
+                <a:ea typeface="맑은 고딕" charset="0"/>
+              </a:rPr>
+              <a:t>On</a:t>
+            </a:r>
+            <a:r>
+              <a:rPr sz="1800">
+                <a:latin typeface="맑은 고딕" charset="0"/>
+                <a:ea typeface="맑은 고딕" charset="0"/>
+              </a:rPr>
+              <a:t> </a:t>
+            </a:r>
+            <a:r>
+              <a:rPr sz="1800">
+                <a:latin typeface="맑은 고딕" charset="0"/>
+                <a:ea typeface="맑은 고딕" charset="0"/>
+              </a:rPr>
+              <a:t>Click(</a:t>
+            </a:r>
+            <a:r>
+              <a:rPr sz="1800">
+                <a:latin typeface="맑은 고딕" charset="0"/>
+                <a:ea typeface="맑은 고딕" charset="0"/>
+              </a:rPr>
+              <a:t> ) </a:t>
+            </a:r>
+            <a:r>
+              <a:rPr sz="1800">
+                <a:latin typeface="맑은 고딕" charset="0"/>
+                <a:ea typeface="맑은 고딕" charset="0"/>
+              </a:rPr>
+              <a:t>함수에</a:t>
+            </a:r>
+            <a:r>
+              <a:rPr sz="1800">
+                <a:latin typeface="맑은 고딕" charset="0"/>
+                <a:ea typeface="맑은 고딕" charset="0"/>
+              </a:rPr>
+              <a:t> Server Manager </a:t>
+            </a:r>
+            <a:r>
+              <a:rPr sz="1800">
+                <a:latin typeface="맑은 고딕" charset="0"/>
+                <a:ea typeface="맑은 고딕" charset="0"/>
+              </a:rPr>
+              <a:t>오브젝트를</a:t>
+            </a:r>
+            <a:r>
+              <a:rPr sz="1800">
+                <a:latin typeface="맑은 고딕" charset="0"/>
+                <a:ea typeface="맑은 고딕" charset="0"/>
+              </a:rPr>
+              <a:t> </a:t>
+            </a:r>
+            <a:r>
+              <a:rPr sz="1800">
+                <a:latin typeface="맑은 고딕" charset="0"/>
+                <a:ea typeface="맑은 고딕" charset="0"/>
+              </a:rPr>
+              <a:t>넣어줍니다.</a:t>
             </a:r>
             <a:endParaRPr lang="ko-KR" altLang="en-US" sz="1800">
               <a:latin typeface="맑은 고딕" charset="0"/>
               <a:ea typeface="맑은 고딕" charset="0"/>
             </a:endParaRPr>
           </a:p>
-          <a:p>
-            <a:pPr marL="0" indent="0" rtl="0" algn="l" defTabSz="914400" eaLnBrk="1" latinLnBrk="0" hangingPunct="1">
-              <a:buFontTx/>
-              <a:buNone/>
-            </a:pPr>
-            <a:endParaRPr lang="ko-KR" altLang="en-US" sz="1800">
-              <a:latin typeface="맑은 고딕" charset="0"/>
-              <a:ea typeface="맑은 고딕" charset="0"/>
-            </a:endParaRPr>
-          </a:p>
-          <a:p>
-            <a:pPr marL="0" indent="0" rtl="0" algn="l" defTabSz="914400" eaLnBrk="1" latinLnBrk="0" hangingPunct="1">
-              <a:buFontTx/>
-              <a:buNone/>
-            </a:pPr>
-            <a:r>
-              <a:rPr lang="ko-KR" sz="1800">
-                <a:latin typeface="맑은 고딕" charset="0"/>
-                <a:ea typeface="맑은 고딕" charset="0"/>
-              </a:rPr>
-              <a:t>그</a:t>
-            </a:r>
-            <a:r>
-              <a:rPr lang="ko-KR" sz="1800">
-                <a:latin typeface="맑은 고딕" charset="0"/>
-                <a:ea typeface="맑은 고딕" charset="0"/>
-              </a:rPr>
-              <a:t>러고 나서</a:t>
-            </a:r>
-            <a:r>
-              <a:rPr lang="ko-KR" sz="1800">
-                <a:latin typeface="맑은 고딕" charset="0"/>
-                <a:ea typeface="맑은 고딕" charset="0"/>
-              </a:rPr>
-              <a:t> Select</a:t>
-            </a:r>
-            <a:r>
-              <a:rPr lang="ko-KR" sz="1800">
-                <a:latin typeface="맑은 고딕" charset="0"/>
-                <a:ea typeface="맑은 고딕" charset="0"/>
-              </a:rPr>
-              <a:t>Server</a:t>
-            </a:r>
-            <a:r>
-              <a:rPr lang="ko-KR" sz="1800">
-                <a:latin typeface="맑은 고딕" charset="0"/>
-                <a:ea typeface="맑은 고딕" charset="0"/>
-              </a:rPr>
-              <a:t>( ) 함수를 이벤트로 등록합니다. </a:t>
-            </a:r>
-            <a:endParaRPr lang="ko-KR" altLang="en-US" sz="1800">
-              <a:latin typeface="맑은 고딕" charset="0"/>
-              <a:ea typeface="맑은 고딕" charset="0"/>
-            </a:endParaRPr>
-          </a:p>
-        </p:txBody>
-      </p:sp>
-      <p:sp>
-        <p:nvSpPr>
-          <p:cNvPr id="1231" name="Rect 0"/>
-          <p:cNvSpPr txBox="1">
-            <a:spLocks/>
-          </p:cNvSpPr>
-          <p:nvPr/>
-        </p:nvSpPr>
-        <p:spPr>
-          <a:xfrm rot="0">
-            <a:off x="6798310" y="5558155"/>
-            <a:ext cx="4210050" cy="678180"/>
-          </a:xfrm>
-          <a:prstGeom prst="rect"/>
-          <a:noFill/>
-          <a:ln w="0">
-            <a:noFill/>
-            <a:prstDash/>
-          </a:ln>
-        </p:spPr>
-        <p:txBody>
-          <a:bodyPr wrap="square" lIns="89535" tIns="46355" rIns="89535" bIns="46355" numCol="1" vert="horz" anchor="t">
-            <a:spAutoFit/>
-          </a:bodyPr>
-          <a:lstStyle/>
-          <a:p>
-            <a:pPr marL="0" indent="0" rtl="0" algn="l" defTabSz="914400" eaLnBrk="1" latinLnBrk="0" hangingPunct="1">
-              <a:buFontTx/>
-              <a:buNone/>
-            </a:pPr>
-            <a:r>
-              <a:rPr sz="2000" b="1">
-                <a:solidFill>
-                  <a:srgbClr val="0611F2"/>
-                </a:solidFill>
-                <a:latin typeface="맑은 고딕" charset="0"/>
-                <a:ea typeface="맑은 고딕" charset="0"/>
-              </a:rPr>
-              <a:t>4</a:t>
-            </a:r>
-            <a:r>
-              <a:rPr lang="ko-KR" sz="2000" b="1">
-                <a:solidFill>
-                  <a:srgbClr val="0611F2"/>
-                </a:solidFill>
-                <a:latin typeface="맑은 고딕" charset="0"/>
-                <a:ea typeface="맑은 고딕" charset="0"/>
-              </a:rPr>
-              <a:t>2</a:t>
-            </a:r>
-            <a:r>
-              <a:rPr sz="2000" b="1">
-                <a:solidFill>
-                  <a:srgbClr val="0611F2"/>
-                </a:solidFill>
-                <a:latin typeface="맑은 고딕" charset="0"/>
-                <a:ea typeface="맑은 고딕" charset="0"/>
-              </a:rPr>
-              <a:t>. </a:t>
-            </a:r>
-            <a:r>
-              <a:rPr lang="ko-KR" sz="1800">
-                <a:latin typeface="맑은 고딕" charset="0"/>
-                <a:ea typeface="맑은 고딕" charset="0"/>
-              </a:rPr>
-              <a:t>그런 다음</a:t>
-            </a:r>
-            <a:r>
-              <a:rPr sz="1800">
-                <a:latin typeface="맑은 고딕" charset="0"/>
-                <a:ea typeface="맑은 고딕" charset="0"/>
-              </a:rPr>
-              <a:t> 애니메이션 파일</a:t>
-            </a:r>
-            <a:r>
-              <a:rPr lang="ko-KR" sz="1800">
-                <a:latin typeface="맑은 고딕" charset="0"/>
-                <a:ea typeface="맑은 고딕" charset="0"/>
-              </a:rPr>
-              <a:t>에 있는 </a:t>
-            </a:r>
-            <a:r>
-              <a:rPr sz="1800">
-                <a:latin typeface="맑은 고딕" charset="0"/>
-                <a:ea typeface="맑은 고딕" charset="0"/>
-              </a:rPr>
-              <a:t>클립</a:t>
-            </a:r>
-            <a:r>
-              <a:rPr lang="ko-KR" sz="1800">
-                <a:latin typeface="맑은 고딕" charset="0"/>
-                <a:ea typeface="맑은 고딕" charset="0"/>
-              </a:rPr>
-              <a:t>의</a:t>
-            </a:r>
-            <a:r>
-              <a:rPr sz="1800">
-                <a:latin typeface="맑은 고딕" charset="0"/>
-                <a:ea typeface="맑은 고딕" charset="0"/>
-              </a:rPr>
-              <a:t> 이름을 </a:t>
-            </a:r>
-            <a:r>
-              <a:rPr lang="ko-KR" sz="1800">
-                <a:latin typeface="맑은 고딕" charset="0"/>
-                <a:ea typeface="맑은 고딕" charset="0"/>
-              </a:rPr>
-              <a:t>Idle로 </a:t>
-            </a:r>
-            <a:r>
-              <a:rPr sz="1800">
-                <a:latin typeface="맑은 고딕" charset="0"/>
-                <a:ea typeface="맑은 고딕" charset="0"/>
-              </a:rPr>
-              <a:t>변경합니다.  </a:t>
-            </a:r>
-            <a:endParaRPr lang="ko-KR" altLang="en-US" sz="1800">
-              <a:latin typeface="맑은 고딕" charset="0"/>
-              <a:ea typeface="맑은 고딕" charset="0"/>
-            </a:endParaRPr>
-          </a:p>
         </p:txBody>
       </p:sp>
       <p:pic>
         <p:nvPicPr>
-          <p:cNvPr id="1240" name="그림 40" descr="C:/Users/Admin1/AppData/Roaming/PolarisOffice/ETemp/11252_20358368/fImage41453693281.png"/>
+          <p:cNvPr id="1233" name="그림 5" descr="C:/Users/Admin1/AppData/Roaming/PolarisOffice/ETemp/21868_13429944/fImage52433548467.png"/>
           <p:cNvPicPr>
             <a:picLocks noChangeAspect="1"/>
           </p:cNvPicPr>
           <p:nvPr/>
         </p:nvPicPr>
         <p:blipFill rotWithShape="1">
-          <a:blip r:embed="rId7" cstate="hqprint">
-            <a:extLst>
-              <a:ext uri="{28A0092B-C50C-407E-A947-70E740481C1C}">
-                <a14:useLocalDpi xmlns:a14="http://schemas.microsoft.com/office/drawing/2010/main"/>
-              </a:ext>
-            </a:extLst>
-          </a:blip>
-          <a:stretch>
-            <a:fillRect/>
-          </a:stretch>
-        </p:blipFill>
-        <p:spPr>
-          <a:xfrm rot="0">
-            <a:off x="8204835" y="1371600"/>
-            <a:ext cx="2806065" cy="1380490"/>
-          </a:xfrm>
-          <a:prstGeom prst="roundRect"/>
-          <a:solidFill>
-            <a:srgbClr val="EDEDED"/>
-          </a:solidFill>
-        </p:spPr>
-      </p:pic>
-      <p:sp>
-        <p:nvSpPr>
-          <p:cNvPr id="1242" name="텍스트 상자 45"/>
-          <p:cNvSpPr txBox="1">
-            <a:spLocks/>
-          </p:cNvSpPr>
-          <p:nvPr/>
-        </p:nvSpPr>
-        <p:spPr>
-          <a:xfrm rot="0">
-            <a:off x="6808470" y="2867025"/>
-            <a:ext cx="4191635" cy="862965"/>
-          </a:xfrm>
-          <a:prstGeom prst="rect"/>
-          <a:noFill/>
-        </p:spPr>
-        <p:txBody>
-          <a:bodyPr wrap="square" lIns="0" tIns="0" rIns="0" bIns="0" numCol="1" vert="horz" anchor="t">
-            <a:noAutofit/>
-          </a:bodyPr>
-          <a:lstStyle/>
-          <a:p>
-            <a:pPr marL="0" indent="0" rtl="0" algn="l" defTabSz="914400" eaLnBrk="1" latinLnBrk="0" hangingPunct="1">
-              <a:buFontTx/>
-              <a:buNone/>
-            </a:pPr>
-            <a:r>
-              <a:rPr sz="2000" b="1">
-                <a:solidFill>
-                  <a:srgbClr val="0611F2"/>
-                </a:solidFill>
-                <a:latin typeface="맑은 고딕" charset="0"/>
-                <a:ea typeface="맑은 고딕" charset="0"/>
-              </a:rPr>
-              <a:t>41. </a:t>
-            </a:r>
-            <a:r>
-              <a:rPr sz="1800">
-                <a:latin typeface="맑은 고딕" charset="0"/>
-                <a:ea typeface="맑은 고딕" charset="0"/>
-              </a:rPr>
-              <a:t>이</a:t>
-            </a:r>
-            <a:r>
-              <a:rPr lang="ko-KR" sz="1800">
-                <a:latin typeface="맑은 고딕" charset="0"/>
-                <a:ea typeface="맑은 고딕" charset="0"/>
-              </a:rPr>
-              <a:t>제</a:t>
-            </a:r>
-            <a:r>
-              <a:rPr sz="1800">
-                <a:latin typeface="맑은 고딕" charset="0"/>
-                <a:ea typeface="맑은 고딕" charset="0"/>
-              </a:rPr>
-              <a:t> </a:t>
-            </a:r>
-            <a:r>
-              <a:rPr lang="ko-KR" sz="1800">
-                <a:latin typeface="맑은 고딕" charset="0"/>
-                <a:ea typeface="맑은 고딕" charset="0"/>
-              </a:rPr>
-              <a:t>character</a:t>
-            </a:r>
-            <a:r>
-              <a:rPr sz="1800">
-                <a:latin typeface="맑은 고딕" charset="0"/>
-                <a:ea typeface="맑은 고딕" charset="0"/>
-              </a:rPr>
-              <a:t> 오브젝트에 </a:t>
-            </a:r>
-            <a:r>
-              <a:rPr lang="ko-KR" sz="1800">
-                <a:latin typeface="맑은 고딕" charset="0"/>
-                <a:ea typeface="맑은 고딕" charset="0"/>
-              </a:rPr>
-              <a:t>Project 폴더에 있는 Animator 폴더에 Photon</a:t>
-            </a:r>
-            <a:r>
-              <a:rPr sz="1800">
-                <a:latin typeface="맑은 고딕" charset="0"/>
-                <a:ea typeface="맑은 고딕" charset="0"/>
-              </a:rPr>
-              <a:t> Animator Controller를 넣어줍니다.</a:t>
-            </a:r>
-            <a:endParaRPr lang="ko-KR" altLang="en-US" sz="1800">
-              <a:latin typeface="맑은 고딕" charset="0"/>
-              <a:ea typeface="맑은 고딕" charset="0"/>
-            </a:endParaRPr>
-          </a:p>
-        </p:txBody>
-      </p:sp>
-      <p:pic>
-        <p:nvPicPr>
-          <p:cNvPr id="1243" name="그림 46" descr="C:/Users/Admin1/AppData/Roaming/PolarisOffice/ETemp/11252_20358368/fImage77263749961.png"/>
-          <p:cNvPicPr>
-            <a:picLocks noChangeAspect="1"/>
-          </p:cNvPicPr>
-          <p:nvPr/>
-        </p:nvPicPr>
-        <p:blipFill rotWithShape="1">
-          <a:blip r:embed="rId9" cstate="hqprint">
-            <a:extLst>
-              <a:ext uri="{28A0092B-C50C-407E-A947-70E740481C1C}">
-                <a14:useLocalDpi xmlns:a14="http://schemas.microsoft.com/office/drawing/2010/main"/>
-              </a:ext>
-            </a:extLst>
-          </a:blip>
-          <a:stretch>
-            <a:fillRect/>
-          </a:stretch>
-        </p:blipFill>
-        <p:spPr>
-          <a:xfrm rot="0">
-            <a:off x="6808470" y="3906520"/>
-            <a:ext cx="4199255" cy="1530985"/>
-          </a:xfrm>
-          <a:prstGeom prst="roundRect"/>
-          <a:solidFill>
-            <a:srgbClr val="EDEDED"/>
-          </a:solidFill>
-        </p:spPr>
-      </p:pic>
-      <p:pic>
-        <p:nvPicPr>
-          <p:cNvPr id="1244" name="그림 46" descr="C:/Users/Admin1/AppData/Roaming/PolarisOffice/ETemp/11252_20358368/fImage97763208145.png"/>
-          <p:cNvPicPr>
-            <a:picLocks noChangeAspect="1"/>
-          </p:cNvPicPr>
-          <p:nvPr/>
-        </p:nvPicPr>
-        <p:blipFill rotWithShape="1">
-          <a:blip r:embed="rId11" cstate="print">
+          <a:blip r:embed="rId2" cstate="print">
             <a:extLst>
               <a:ext uri="{28A0092B-C50C-407E-A947-70E740481C1C}">
                 <a14:useLocalDpi xmlns:a14="http://schemas.microsoft.com/office/drawing/2010/main" val="0"/>
@@ -12928,8 +12772,8 @@
         </p:blipFill>
         <p:spPr>
           <a:xfrm rot="0">
-            <a:off x="1222375" y="1371600"/>
-            <a:ext cx="1463675" cy="2402840"/>
+            <a:off x="2566670" y="1447165"/>
+            <a:ext cx="2791460" cy="1232535"/>
           </a:xfrm>
           <a:prstGeom prst="roundRect"/>
           <a:solidFill>
@@ -12939,14 +12783,14 @@
       </p:pic>
       <p:pic>
         <p:nvPicPr>
-          <p:cNvPr id="1245" name="그림 49" descr="C:/Users/Admin1/AppData/Roaming/PolarisOffice/ETemp/11252_20358368/fImage102463213281.png"/>
+          <p:cNvPr id="1234" name="그림 6" descr="C:/Users/Admin1/AppData/Roaming/PolarisOffice/ETemp/21868_13429944/fImage98823556334.png"/>
           <p:cNvPicPr>
             <a:picLocks noChangeAspect="1"/>
           </p:cNvPicPr>
           <p:nvPr/>
         </p:nvPicPr>
         <p:blipFill rotWithShape="1">
-          <a:blip r:embed="rId12" cstate="print">
+          <a:blip r:embed="rId3" cstate="print">
             <a:extLst>
               <a:ext uri="{28A0092B-C50C-407E-A947-70E740481C1C}">
                 <a14:useLocalDpi xmlns:a14="http://schemas.microsoft.com/office/drawing/2010/main" val="0"/>
@@ -12959,8 +12803,8 @@
         </p:blipFill>
         <p:spPr>
           <a:xfrm rot="0">
-            <a:off x="6805295" y="1371600"/>
-            <a:ext cx="1184275" cy="1380490"/>
+            <a:off x="1235710" y="1444625"/>
+            <a:ext cx="1194435" cy="1243965"/>
           </a:xfrm>
           <a:prstGeom prst="roundRect"/>
           <a:solidFill>
@@ -12968,138 +12812,16 @@
           </a:solidFill>
         </p:spPr>
       </p:pic>
-      <p:pic>
-        <p:nvPicPr>
-          <p:cNvPr id="1241" name="그림 44" descr="C:/Users/Admin1/AppData/Roaming/PolarisOffice/ETemp/11252_20358368/fImage2242173726827.png"/>
-          <p:cNvPicPr>
-            <a:picLocks noChangeAspect="1"/>
-          </p:cNvPicPr>
-          <p:nvPr/>
-        </p:nvPicPr>
-        <p:blipFill rotWithShape="1">
-          <a:blip r:embed="rId8" cstate="hqprint">
-            <a:extLst>
-              <a:ext uri="{28A0092B-C50C-407E-A947-70E740481C1C}">
-                <a14:useLocalDpi xmlns:a14="http://schemas.microsoft.com/office/drawing/2010/main"/>
-              </a:ext>
-            </a:extLst>
-          </a:blip>
-          <a:stretch>
-            <a:fillRect/>
-          </a:stretch>
-        </p:blipFill>
-        <p:spPr>
-          <a:xfrm rot="10800000">
-            <a:off x="7665085" y="1895475"/>
-            <a:ext cx="807085" cy="351155"/>
-          </a:xfrm>
-          <a:prstGeom prst="rect"/>
-          <a:noFill/>
-        </p:spPr>
-      </p:pic>
-      <p:pic>
-        <p:nvPicPr>
-          <p:cNvPr id="1246" name="그림 50" descr="C:/Users/Admin1/AppData/Roaming/PolarisOffice/ETemp/11252_20358368/fImage63753226827.png"/>
-          <p:cNvPicPr>
-            <a:picLocks noChangeAspect="1"/>
-          </p:cNvPicPr>
-          <p:nvPr/>
-        </p:nvPicPr>
-        <p:blipFill rotWithShape="1">
-          <a:blip r:embed="rId13" cstate="print">
-            <a:extLst>
-              <a:ext uri="{28A0092B-C50C-407E-A947-70E740481C1C}">
-                <a14:useLocalDpi xmlns:a14="http://schemas.microsoft.com/office/drawing/2010/main" val="0"/>
-              </a:ext>
-            </a:extLst>
-          </a:blip>
-          <a:stretch>
-            <a:fillRect/>
-          </a:stretch>
-        </p:blipFill>
-        <p:spPr>
-          <a:xfrm rot="0">
-            <a:off x="2807335" y="1363345"/>
-            <a:ext cx="2546985" cy="740410"/>
-          </a:xfrm>
-          <a:prstGeom prst="roundRect"/>
-          <a:solidFill>
-            <a:srgbClr val="EDEDED"/>
-          </a:solidFill>
-        </p:spPr>
-      </p:pic>
-      <p:pic>
-        <p:nvPicPr>
-          <p:cNvPr id="1247" name="그림 51" descr="C:/Users/Admin1/AppData/Roaming/PolarisOffice/ETemp/11252_20358368/fImage64373239961.png"/>
-          <p:cNvPicPr>
-            <a:picLocks noChangeAspect="1"/>
-          </p:cNvPicPr>
-          <p:nvPr/>
-        </p:nvPicPr>
-        <p:blipFill rotWithShape="1">
-          <a:blip r:embed="rId14" cstate="print">
-            <a:extLst>
-              <a:ext uri="{28A0092B-C50C-407E-A947-70E740481C1C}">
-                <a14:useLocalDpi xmlns:a14="http://schemas.microsoft.com/office/drawing/2010/main" val="0"/>
-              </a:ext>
-            </a:extLst>
-          </a:blip>
-          <a:stretch>
-            <a:fillRect/>
-          </a:stretch>
-        </p:blipFill>
-        <p:spPr>
-          <a:xfrm rot="0">
-            <a:off x="2801620" y="2210435"/>
-            <a:ext cx="2552700" cy="732790"/>
-          </a:xfrm>
-          <a:prstGeom prst="roundRect"/>
-          <a:solidFill>
-            <a:srgbClr val="EDEDED"/>
-          </a:solidFill>
-        </p:spPr>
-      </p:pic>
-      <p:pic>
-        <p:nvPicPr>
-          <p:cNvPr id="1248" name="그림 52" descr="C:/Users/Admin1/AppData/Roaming/PolarisOffice/ETemp/11252_20358368/fImage6488324491.png"/>
-          <p:cNvPicPr>
-            <a:picLocks noChangeAspect="1"/>
-          </p:cNvPicPr>
-          <p:nvPr/>
-        </p:nvPicPr>
-        <p:blipFill rotWithShape="1">
-          <a:blip r:embed="rId15" cstate="print">
-            <a:extLst>
-              <a:ext uri="{28A0092B-C50C-407E-A947-70E740481C1C}">
-                <a14:useLocalDpi xmlns:a14="http://schemas.microsoft.com/office/drawing/2010/main" val="0"/>
-              </a:ext>
-            </a:extLst>
-          </a:blip>
-          <a:stretch>
-            <a:fillRect/>
-          </a:stretch>
-        </p:blipFill>
-        <p:spPr>
-          <a:xfrm rot="0">
-            <a:off x="2799715" y="3034030"/>
-            <a:ext cx="2546350" cy="732155"/>
-          </a:xfrm>
-          <a:prstGeom prst="roundRect"/>
-          <a:solidFill>
-            <a:srgbClr val="EDEDED"/>
-          </a:solidFill>
-        </p:spPr>
-      </p:pic>
       <p:cxnSp>
         <p:nvCxnSpPr>
-          <p:cNvPr id="1249" name="도형 59"/>
+          <p:cNvPr id="1235" name="도형 11"/>
           <p:cNvCxnSpPr/>
           <p:nvPr/>
         </p:nvCxnSpPr>
         <p:spPr>
-          <a:xfrm rot="0">
-            <a:off x="2450465" y="3333750"/>
-            <a:ext cx="1135380" cy="121920"/>
+          <a:xfrm rot="0" flipV="1">
+            <a:off x="2248535" y="2170430"/>
+            <a:ext cx="1206500" cy="250825"/>
           </a:xfrm>
           <a:prstGeom prst="straightConnector1"/>
           <a:ln w="6350" cap="flat" cmpd="sng">
@@ -13123,16 +12845,274 @@
           </a:fontRef>
         </p:style>
       </p:cxnSp>
+      <p:sp>
+        <p:nvSpPr>
+          <p:cNvPr id="1236" name="텍스트 상자 16"/>
+          <p:cNvSpPr txBox="1">
+            <a:spLocks/>
+          </p:cNvSpPr>
+          <p:nvPr/>
+        </p:nvSpPr>
+        <p:spPr>
+          <a:xfrm rot="0">
+            <a:off x="1148715" y="5212715"/>
+            <a:ext cx="4210050" cy="954405"/>
+          </a:xfrm>
+          <a:prstGeom prst="rect"/>
+          <a:noFill/>
+          <a:ln w="0">
+            <a:noFill/>
+            <a:prstDash/>
+          </a:ln>
+        </p:spPr>
+        <p:txBody>
+          <a:bodyPr wrap="square" lIns="89535" tIns="46355" rIns="89535" bIns="46355" numCol="1" vert="horz" anchor="t">
+            <a:spAutoFit/>
+          </a:bodyPr>
+          <a:lstStyle/>
+          <a:p>
+            <a:pPr marL="0" indent="0" rtl="0" algn="l" defTabSz="914400" eaLnBrk="1" latinLnBrk="0" hangingPunct="1">
+              <a:buFontTx/>
+              <a:buNone/>
+            </a:pPr>
+            <a:r>
+              <a:rPr sz="2000" b="1">
+                <a:solidFill>
+                  <a:srgbClr val="0611F2"/>
+                </a:solidFill>
+                <a:latin typeface="맑은 고딕" charset="0"/>
+                <a:ea typeface="맑은 고딕" charset="0"/>
+              </a:rPr>
+              <a:t>4</a:t>
+            </a:r>
+            <a:r>
+              <a:rPr lang="ko-KR" sz="2000" b="1">
+                <a:solidFill>
+                  <a:srgbClr val="0611F2"/>
+                </a:solidFill>
+                <a:latin typeface="맑은 고딕" charset="0"/>
+                <a:ea typeface="맑은 고딕" charset="0"/>
+              </a:rPr>
+              <a:t>4</a:t>
+            </a:r>
+            <a:r>
+              <a:rPr sz="2000" b="1">
+                <a:solidFill>
+                  <a:srgbClr val="0611F2"/>
+                </a:solidFill>
+                <a:latin typeface="맑은 고딕" charset="0"/>
+                <a:ea typeface="맑은 고딕" charset="0"/>
+              </a:rPr>
+              <a:t>.</a:t>
+            </a:r>
+            <a:r>
+              <a:rPr sz="2000" b="1">
+                <a:solidFill>
+                  <a:srgbClr val="0611F2"/>
+                </a:solidFill>
+                <a:latin typeface="맑은 고딕" charset="0"/>
+                <a:ea typeface="맑은 고딕" charset="0"/>
+              </a:rPr>
+              <a:t> </a:t>
+            </a:r>
+            <a:r>
+              <a:rPr sz="1800">
+                <a:latin typeface="맑은 고딕" charset="0"/>
+                <a:ea typeface="맑은 고딕" charset="0"/>
+              </a:rPr>
+              <a:t>그리고 </a:t>
+            </a:r>
+            <a:r>
+              <a:rPr sz="1800">
+                <a:latin typeface="맑은 고딕" charset="0"/>
+                <a:ea typeface="맑은 고딕" charset="0"/>
+              </a:rPr>
+              <a:t>Platinum Lobby </a:t>
+            </a:r>
+            <a:r>
+              <a:rPr sz="1800">
+                <a:latin typeface="맑은 고딕" charset="0"/>
+                <a:ea typeface="맑은 고딕" charset="0"/>
+              </a:rPr>
+              <a:t>오브젝트의</a:t>
+            </a:r>
+            <a:r>
+              <a:rPr sz="1800">
+                <a:latin typeface="맑은 고딕" charset="0"/>
+                <a:ea typeface="맑은 고딕" charset="0"/>
+              </a:rPr>
+              <a:t> </a:t>
+            </a:r>
+            <a:r>
+              <a:rPr sz="1800">
+                <a:latin typeface="맑은 고딕" charset="0"/>
+                <a:ea typeface="맑은 고딕" charset="0"/>
+              </a:rPr>
+              <a:t>On</a:t>
+            </a:r>
+            <a:r>
+              <a:rPr sz="1800">
+                <a:latin typeface="맑은 고딕" charset="0"/>
+                <a:ea typeface="맑은 고딕" charset="0"/>
+              </a:rPr>
+              <a:t> </a:t>
+            </a:r>
+            <a:r>
+              <a:rPr sz="1800">
+                <a:latin typeface="맑은 고딕" charset="0"/>
+                <a:ea typeface="맑은 고딕" charset="0"/>
+              </a:rPr>
+              <a:t>Click(</a:t>
+            </a:r>
+            <a:r>
+              <a:rPr sz="1800">
+                <a:latin typeface="맑은 고딕" charset="0"/>
+                <a:ea typeface="맑은 고딕" charset="0"/>
+              </a:rPr>
+              <a:t> </a:t>
+            </a:r>
+            <a:r>
+              <a:rPr sz="1800">
+                <a:latin typeface="맑은 고딕" charset="0"/>
+                <a:ea typeface="맑은 고딕" charset="0"/>
+              </a:rPr>
+              <a:t>)</a:t>
+            </a:r>
+            <a:r>
+              <a:rPr sz="1800">
+                <a:latin typeface="맑은 고딕" charset="0"/>
+                <a:ea typeface="맑은 고딕" charset="0"/>
+              </a:rPr>
+              <a:t> </a:t>
+            </a:r>
+            <a:r>
+              <a:rPr sz="1800">
+                <a:latin typeface="맑은 고딕" charset="0"/>
+                <a:ea typeface="맑은 고딕" charset="0"/>
+              </a:rPr>
+              <a:t>함수에</a:t>
+            </a:r>
+            <a:r>
+              <a:rPr sz="1800">
+                <a:latin typeface="맑은 고딕" charset="0"/>
+                <a:ea typeface="맑은 고딕" charset="0"/>
+              </a:rPr>
+              <a:t> Server </a:t>
+            </a:r>
+            <a:r>
+              <a:rPr sz="1800">
+                <a:latin typeface="맑은 고딕" charset="0"/>
+                <a:ea typeface="맑은 고딕" charset="0"/>
+              </a:rPr>
+              <a:t>Manager</a:t>
+            </a:r>
+            <a:r>
+              <a:rPr sz="1800">
+                <a:latin typeface="맑은 고딕" charset="0"/>
+                <a:ea typeface="맑은 고딕" charset="0"/>
+              </a:rPr>
+              <a:t> </a:t>
+            </a:r>
+            <a:r>
+              <a:rPr sz="1800">
+                <a:latin typeface="맑은 고딕" charset="0"/>
+                <a:ea typeface="맑은 고딕" charset="0"/>
+              </a:rPr>
+              <a:t>오브젝트를</a:t>
+            </a:r>
+            <a:r>
+              <a:rPr sz="1800">
+                <a:latin typeface="맑은 고딕" charset="0"/>
+                <a:ea typeface="맑은 고딕" charset="0"/>
+              </a:rPr>
+              <a:t> </a:t>
+            </a:r>
+            <a:r>
+              <a:rPr sz="1800">
+                <a:latin typeface="맑은 고딕" charset="0"/>
+                <a:ea typeface="맑은 고딕" charset="0"/>
+              </a:rPr>
+              <a:t>넣어줍니다.</a:t>
+            </a:r>
+            <a:endParaRPr lang="ko-KR" altLang="en-US" sz="1800">
+              <a:latin typeface="맑은 고딕" charset="0"/>
+              <a:ea typeface="맑은 고딕" charset="0"/>
+            </a:endParaRPr>
+          </a:p>
+        </p:txBody>
+      </p:sp>
+      <p:pic>
+        <p:nvPicPr>
+          <p:cNvPr id="1237" name="그림 17" descr="C:/Users/Admin1/AppData/Roaming/PolarisOffice/ETemp/21868_13429944/fImage52433626500.png"/>
+          <p:cNvPicPr>
+            <a:picLocks noChangeAspect="1"/>
+          </p:cNvPicPr>
+          <p:nvPr/>
+        </p:nvPicPr>
+        <p:blipFill rotWithShape="1">
+          <a:blip r:embed="rId4" cstate="print">
+            <a:extLst>
+              <a:ext uri="{28A0092B-C50C-407E-A947-70E740481C1C}">
+                <a14:useLocalDpi xmlns:a14="http://schemas.microsoft.com/office/drawing/2010/main" val="0"/>
+              </a:ext>
+            </a:extLst>
+          </a:blip>
+          <a:stretch>
+            <a:fillRect/>
+          </a:stretch>
+        </p:blipFill>
+        <p:spPr>
+          <a:xfrm rot="0">
+            <a:off x="2567305" y="3884930"/>
+            <a:ext cx="2791460" cy="1214755"/>
+          </a:xfrm>
+          <a:prstGeom prst="roundRect"/>
+          <a:solidFill>
+            <a:srgbClr val="EDEDED"/>
+          </a:solidFill>
+        </p:spPr>
+      </p:pic>
+      <p:pic>
+        <p:nvPicPr>
+          <p:cNvPr id="1238" name="그림 18" descr="C:/Users/Admin1/AppData/Roaming/PolarisOffice/ETemp/21868_13429944/fImage98823639169.png"/>
+          <p:cNvPicPr>
+            <a:picLocks noChangeAspect="1"/>
+          </p:cNvPicPr>
+          <p:nvPr/>
+        </p:nvPicPr>
+        <p:blipFill rotWithShape="1">
+          <a:blip r:embed="rId5" cstate="print">
+            <a:extLst>
+              <a:ext uri="{28A0092B-C50C-407E-A947-70E740481C1C}">
+                <a14:useLocalDpi xmlns:a14="http://schemas.microsoft.com/office/drawing/2010/main" val="0"/>
+              </a:ext>
+            </a:extLst>
+          </a:blip>
+          <a:stretch>
+            <a:fillRect/>
+          </a:stretch>
+        </p:blipFill>
+        <p:spPr>
+          <a:xfrm rot="0">
+            <a:off x="1223645" y="3884930"/>
+            <a:ext cx="1197610" cy="1224280"/>
+          </a:xfrm>
+          <a:prstGeom prst="roundRect"/>
+          <a:solidFill>
+            <a:srgbClr val="EDEDED"/>
+          </a:solidFill>
+        </p:spPr>
+      </p:pic>
       <p:cxnSp>
         <p:nvCxnSpPr>
-          <p:cNvPr id="1250" name="도형 60"/>
+          <p:cNvPr id="1239" name="도형 19"/>
           <p:cNvCxnSpPr/>
           <p:nvPr/>
         </p:nvCxnSpPr>
         <p:spPr>
           <a:xfrm rot="0" flipV="1">
-            <a:off x="2442210" y="2632075"/>
-            <a:ext cx="1151890" cy="650240"/>
+            <a:off x="2231390" y="4591050"/>
+            <a:ext cx="1240790" cy="250190"/>
           </a:xfrm>
           <a:prstGeom prst="straightConnector1"/>
           <a:ln w="6350" cap="flat" cmpd="sng">
@@ -13156,16 +13136,78 @@
           </a:fontRef>
         </p:style>
       </p:cxnSp>
+      <p:pic>
+        <p:nvPicPr>
+          <p:cNvPr id="1240" name="그림 34" descr="C:/Users/Admin1/AppData/Roaming/PolarisOffice/ETemp/21868_13429944/fImage41453693281.png"/>
+          <p:cNvPicPr>
+            <a:picLocks noChangeAspect="1"/>
+          </p:cNvPicPr>
+          <p:nvPr/>
+        </p:nvPicPr>
+        <p:blipFill rotWithShape="1">
+          <a:blip r:embed="rId6" cstate="hqprint">
+            <a:extLst>
+              <a:ext uri="{28A0092B-C50C-407E-A947-70E740481C1C}">
+                <a14:useLocalDpi xmlns:a14="http://schemas.microsoft.com/office/drawing/2010/main"/>
+              </a:ext>
+            </a:extLst>
+          </a:blip>
+          <a:stretch>
+            <a:fillRect/>
+          </a:stretch>
+        </p:blipFill>
+        <p:spPr>
+          <a:xfrm rot="0">
+            <a:off x="8191500" y="1447165"/>
+            <a:ext cx="2774315" cy="930910"/>
+          </a:xfrm>
+          <a:prstGeom prst="roundRect"/>
+          <a:solidFill>
+            <a:srgbClr val="EDEDED"/>
+          </a:solidFill>
+        </p:spPr>
+      </p:pic>
+      <p:pic>
+        <p:nvPicPr>
+          <p:cNvPr id="1241" name="그림 35" descr="C:/Users/Admin1/AppData/Roaming/PolarisOffice/ETemp/21868_13429944/fImage63163765724.png"/>
+          <p:cNvPicPr>
+            <a:picLocks noChangeAspect="1"/>
+          </p:cNvPicPr>
+          <p:nvPr/>
+        </p:nvPicPr>
+        <p:blipFill rotWithShape="1">
+          <a:blip r:embed="rId7" cstate="print">
+            <a:extLst>
+              <a:ext uri="{28A0092B-C50C-407E-A947-70E740481C1C}">
+                <a14:useLocalDpi xmlns:a14="http://schemas.microsoft.com/office/drawing/2010/main" val="0"/>
+              </a:ext>
+            </a:extLst>
+          </a:blip>
+          <a:stretch>
+            <a:fillRect/>
+          </a:stretch>
+        </p:blipFill>
+        <p:spPr>
+          <a:xfrm rot="0">
+            <a:off x="6822440" y="1438275"/>
+            <a:ext cx="1206500" cy="947420"/>
+          </a:xfrm>
+          <a:prstGeom prst="roundRect"/>
+          <a:solidFill>
+            <a:srgbClr val="EDEDED"/>
+          </a:solidFill>
+        </p:spPr>
+      </p:pic>
       <p:cxnSp>
         <p:nvCxnSpPr>
-          <p:cNvPr id="1251" name="도형 61"/>
+          <p:cNvPr id="1242" name="도형 38"/>
           <p:cNvCxnSpPr/>
           <p:nvPr/>
         </p:nvCxnSpPr>
         <p:spPr>
-          <a:xfrm rot="0" flipV="1">
-            <a:off x="2442210" y="1775460"/>
-            <a:ext cx="1160780" cy="1437640"/>
+          <a:xfrm rot="0" flipH="1">
+            <a:off x="7675245" y="1877695"/>
+            <a:ext cx="629285" cy="414020"/>
           </a:xfrm>
           <a:prstGeom prst="straightConnector1"/>
           <a:ln w="6350" cap="flat" cmpd="sng">
@@ -13189,6 +13231,390 @@
           </a:fontRef>
         </p:style>
       </p:cxnSp>
+      <p:sp>
+        <p:nvSpPr>
+          <p:cNvPr id="1243" name="텍스트 상자 39"/>
+          <p:cNvSpPr txBox="1">
+            <a:spLocks/>
+          </p:cNvSpPr>
+          <p:nvPr/>
+        </p:nvSpPr>
+        <p:spPr>
+          <a:xfrm rot="0">
+            <a:off x="6830695" y="2513330"/>
+            <a:ext cx="4135120" cy="1207770"/>
+          </a:xfrm>
+          <a:prstGeom prst="rect"/>
+          <a:noFill/>
+        </p:spPr>
+        <p:txBody>
+          <a:bodyPr wrap="square" lIns="0" tIns="0" rIns="0" bIns="0" numCol="1" vert="horz" anchor="t">
+            <a:noAutofit/>
+          </a:bodyPr>
+          <a:lstStyle/>
+          <a:p>
+            <a:pPr marL="0" indent="0" rtl="0" algn="l" defTabSz="914400" eaLnBrk="1" latinLnBrk="0" hangingPunct="1">
+              <a:buFontTx/>
+              <a:buNone/>
+            </a:pPr>
+            <a:r>
+              <a:rPr sz="2000" b="1">
+                <a:solidFill>
+                  <a:srgbClr val="0611F2"/>
+                </a:solidFill>
+                <a:latin typeface="맑은 고딕" charset="0"/>
+                <a:ea typeface="맑은 고딕" charset="0"/>
+              </a:rPr>
+              <a:t>4</a:t>
+            </a:r>
+            <a:r>
+              <a:rPr sz="2000" b="1">
+                <a:solidFill>
+                  <a:srgbClr val="0611F2"/>
+                </a:solidFill>
+                <a:latin typeface="맑은 고딕" charset="0"/>
+                <a:ea typeface="맑은 고딕" charset="0"/>
+              </a:rPr>
+              <a:t>5</a:t>
+            </a:r>
+            <a:r>
+              <a:rPr sz="2000" b="1">
+                <a:solidFill>
+                  <a:srgbClr val="0611F2"/>
+                </a:solidFill>
+                <a:latin typeface="맑은 고딕" charset="0"/>
+                <a:ea typeface="맑은 고딕" charset="0"/>
+              </a:rPr>
+              <a:t>.</a:t>
+            </a:r>
+            <a:r>
+              <a:rPr sz="2000" b="1">
+                <a:solidFill>
+                  <a:srgbClr val="0611F2"/>
+                </a:solidFill>
+                <a:latin typeface="맑은 고딕" charset="0"/>
+                <a:ea typeface="맑은 고딕" charset="0"/>
+              </a:rPr>
+              <a:t> </a:t>
+            </a:r>
+            <a:r>
+              <a:rPr sz="1800">
+                <a:latin typeface="맑은 고딕" charset="0"/>
+                <a:ea typeface="맑은 고딕" charset="0"/>
+              </a:rPr>
+              <a:t>그런 다음 </a:t>
+            </a:r>
+            <a:r>
+              <a:rPr lang="ko-KR" sz="1800">
+                <a:latin typeface="맑은 고딕" charset="0"/>
+                <a:ea typeface="맑은 고딕" charset="0"/>
+              </a:rPr>
+              <a:t>Project</a:t>
+            </a:r>
+            <a:r>
+              <a:rPr lang="ko-KR" sz="1800">
+                <a:latin typeface="맑은 고딕" charset="0"/>
+                <a:ea typeface="맑은 고딕" charset="0"/>
+              </a:rPr>
+              <a:t> </a:t>
+            </a:r>
+            <a:r>
+              <a:rPr lang="ko-KR" sz="1800">
+                <a:latin typeface="맑은 고딕" charset="0"/>
+                <a:ea typeface="맑은 고딕" charset="0"/>
+              </a:rPr>
+              <a:t>폴더 아래에</a:t>
+            </a:r>
+            <a:r>
+              <a:rPr lang="ko-KR" sz="1800">
+                <a:latin typeface="맑은 고딕" charset="0"/>
+                <a:ea typeface="맑은 고딕" charset="0"/>
+              </a:rPr>
+              <a:t> 있는 </a:t>
+            </a:r>
+            <a:r>
+              <a:rPr lang="ko-KR" sz="1800">
+                <a:latin typeface="맑은 고딕" charset="0"/>
+                <a:ea typeface="맑은 고딕" charset="0"/>
+              </a:rPr>
+              <a:t>Animator</a:t>
+            </a:r>
+            <a:r>
+              <a:rPr lang="ko-KR" sz="1800">
+                <a:latin typeface="맑은 고딕" charset="0"/>
+                <a:ea typeface="맑은 고딕" charset="0"/>
+              </a:rPr>
+              <a:t> 폴더에 </a:t>
+            </a:r>
+            <a:r>
+              <a:rPr lang="ko-KR" sz="1800">
+                <a:latin typeface="맑은 고딕" charset="0"/>
+                <a:ea typeface="맑은 고딕" charset="0"/>
+              </a:rPr>
+              <a:t>Photon</a:t>
+            </a:r>
+            <a:r>
+              <a:rPr sz="1800">
+                <a:latin typeface="맑은 고딕" charset="0"/>
+                <a:ea typeface="맑은 고딕" charset="0"/>
+              </a:rPr>
+              <a:t> </a:t>
+            </a:r>
+            <a:r>
+              <a:rPr sz="1800">
+                <a:latin typeface="맑은 고딕" charset="0"/>
+                <a:ea typeface="맑은 고딕" charset="0"/>
+              </a:rPr>
+              <a:t>Animator</a:t>
+            </a:r>
+            <a:r>
+              <a:rPr sz="1800">
+                <a:latin typeface="맑은 고딕" charset="0"/>
+                <a:ea typeface="맑은 고딕" charset="0"/>
+              </a:rPr>
+              <a:t> </a:t>
+            </a:r>
+            <a:r>
+              <a:rPr sz="1800">
+                <a:latin typeface="맑은 고딕" charset="0"/>
+                <a:ea typeface="맑은 고딕" charset="0"/>
+              </a:rPr>
+              <a:t>Controller를</a:t>
+            </a:r>
+            <a:r>
+              <a:rPr sz="1800">
+                <a:latin typeface="맑은 고딕" charset="0"/>
+                <a:ea typeface="맑은 고딕" charset="0"/>
+              </a:rPr>
+              <a:t> </a:t>
+            </a:r>
+            <a:r>
+              <a:rPr sz="1800">
+                <a:latin typeface="맑은 고딕" charset="0"/>
+                <a:ea typeface="맑은 고딕" charset="0"/>
+              </a:rPr>
+              <a:t>character 오브젝트에 </a:t>
+            </a:r>
+            <a:r>
+              <a:rPr sz="1800">
+                <a:latin typeface="맑은 고딕" charset="0"/>
+                <a:ea typeface="맑은 고딕" charset="0"/>
+              </a:rPr>
+              <a:t>넣어줍니</a:t>
+            </a:r>
+            <a:r>
+              <a:rPr sz="1800">
+                <a:latin typeface="맑은 고딕" charset="0"/>
+                <a:ea typeface="맑은 고딕" charset="0"/>
+              </a:rPr>
+              <a:t>다.</a:t>
+            </a:r>
+            <a:endParaRPr lang="ko-KR" altLang="en-US" sz="1800">
+              <a:latin typeface="맑은 고딕" charset="0"/>
+              <a:ea typeface="맑은 고딕" charset="0"/>
+            </a:endParaRPr>
+          </a:p>
+        </p:txBody>
+      </p:sp>
+      <p:pic>
+        <p:nvPicPr>
+          <p:cNvPr id="1244" name="그림 44" descr="C:/Users/Admin1/AppData/Roaming/PolarisOffice/ETemp/21868_13429944/fImage64183831478.png"/>
+          <p:cNvPicPr>
+            <a:picLocks noChangeAspect="1"/>
+          </p:cNvPicPr>
+          <p:nvPr/>
+        </p:nvPicPr>
+        <p:blipFill rotWithShape="1">
+          <a:blip r:embed="rId8" cstate="print">
+            <a:extLst>
+              <a:ext uri="{28A0092B-C50C-407E-A947-70E740481C1C}">
+                <a14:useLocalDpi xmlns:a14="http://schemas.microsoft.com/office/drawing/2010/main" val="0"/>
+              </a:ext>
+            </a:extLst>
+          </a:blip>
+          <a:stretch>
+            <a:fillRect/>
+          </a:stretch>
+        </p:blipFill>
+        <p:spPr>
+          <a:xfrm rot="0">
+            <a:off x="6819900" y="3841115"/>
+            <a:ext cx="4137660" cy="1025525"/>
+          </a:xfrm>
+          <a:prstGeom prst="roundRect"/>
+          <a:solidFill>
+            <a:srgbClr val="EDEDED"/>
+          </a:solidFill>
+        </p:spPr>
+      </p:pic>
+      <p:sp>
+        <p:nvSpPr>
+          <p:cNvPr id="1245" name="텍스트 상자 47"/>
+          <p:cNvSpPr txBox="1">
+            <a:spLocks/>
+          </p:cNvSpPr>
+          <p:nvPr/>
+        </p:nvSpPr>
+        <p:spPr>
+          <a:xfrm rot="0">
+            <a:off x="6828155" y="4939665"/>
+            <a:ext cx="4137660" cy="1231265"/>
+          </a:xfrm>
+          <a:prstGeom prst="rect"/>
+          <a:noFill/>
+          <a:ln w="0">
+            <a:noFill/>
+            <a:prstDash/>
+          </a:ln>
+        </p:spPr>
+        <p:txBody>
+          <a:bodyPr wrap="square" lIns="89535" tIns="46355" rIns="89535" bIns="46355" numCol="1" vert="horz" anchor="t">
+            <a:spAutoFit/>
+          </a:bodyPr>
+          <a:lstStyle/>
+          <a:p>
+            <a:pPr marL="0" indent="0" rtl="0" algn="l" defTabSz="914400" eaLnBrk="1" latinLnBrk="0" hangingPunct="1">
+              <a:buFontTx/>
+              <a:buNone/>
+            </a:pPr>
+            <a:r>
+              <a:rPr sz="2000" b="1">
+                <a:solidFill>
+                  <a:srgbClr val="0611F2"/>
+                </a:solidFill>
+                <a:latin typeface="맑은 고딕" charset="0"/>
+                <a:ea typeface="맑은 고딕" charset="0"/>
+              </a:rPr>
+              <a:t>4</a:t>
+            </a:r>
+            <a:r>
+              <a:rPr lang="ko-KR" sz="2000" b="1">
+                <a:solidFill>
+                  <a:srgbClr val="0611F2"/>
+                </a:solidFill>
+                <a:latin typeface="맑은 고딕" charset="0"/>
+                <a:ea typeface="맑은 고딕" charset="0"/>
+              </a:rPr>
+              <a:t>6</a:t>
+            </a:r>
+            <a:r>
+              <a:rPr sz="2000" b="1">
+                <a:solidFill>
+                  <a:srgbClr val="0611F2"/>
+                </a:solidFill>
+                <a:latin typeface="맑은 고딕" charset="0"/>
+                <a:ea typeface="맑은 고딕" charset="0"/>
+              </a:rPr>
+              <a:t>.</a:t>
+            </a:r>
+            <a:r>
+              <a:rPr sz="2000" b="1">
+                <a:solidFill>
+                  <a:srgbClr val="0611F2"/>
+                </a:solidFill>
+                <a:latin typeface="맑은 고딕" charset="0"/>
+                <a:ea typeface="맑은 고딕" charset="0"/>
+              </a:rPr>
+              <a:t> </a:t>
+            </a:r>
+            <a:r>
+              <a:rPr sz="1800">
+                <a:latin typeface="맑은 고딕" charset="0"/>
+                <a:ea typeface="맑은 고딕" charset="0"/>
+              </a:rPr>
+              <a:t>그다음 </a:t>
+            </a:r>
+            <a:r>
+              <a:rPr sz="1800">
+                <a:latin typeface="맑은 고딕" charset="0"/>
+                <a:ea typeface="맑은 고딕" charset="0"/>
+              </a:rPr>
+              <a:t>Unique Lobby </a:t>
+            </a:r>
+            <a:r>
+              <a:rPr sz="1800">
+                <a:latin typeface="맑은 고딕" charset="0"/>
+                <a:ea typeface="맑은 고딕" charset="0"/>
+              </a:rPr>
+              <a:t>오브젝트에</a:t>
+            </a:r>
+            <a:r>
+              <a:rPr sz="1800">
+                <a:latin typeface="맑은 고딕" charset="0"/>
+                <a:ea typeface="맑은 고딕" charset="0"/>
+              </a:rPr>
+              <a:t> </a:t>
+            </a:r>
+            <a:r>
+              <a:rPr sz="1800">
+                <a:latin typeface="맑은 고딕" charset="0"/>
+                <a:ea typeface="맑은 고딕" charset="0"/>
+              </a:rPr>
+              <a:t>있는</a:t>
+            </a:r>
+            <a:r>
+              <a:rPr sz="1800">
+                <a:latin typeface="맑은 고딕" charset="0"/>
+                <a:ea typeface="맑은 고딕" charset="0"/>
+              </a:rPr>
+              <a:t> On Click( ) </a:t>
+            </a:r>
+            <a:r>
+              <a:rPr sz="1800">
+                <a:latin typeface="맑은 고딕" charset="0"/>
+                <a:ea typeface="맑은 고딕" charset="0"/>
+              </a:rPr>
+              <a:t>함수에</a:t>
+            </a:r>
+            <a:r>
+              <a:rPr sz="1800">
+                <a:latin typeface="맑은 고딕" charset="0"/>
+                <a:ea typeface="맑은 고딕" charset="0"/>
+              </a:rPr>
+              <a:t> </a:t>
+            </a:r>
+            <a:r>
+              <a:rPr sz="1800">
+                <a:latin typeface="맑은 고딕" charset="0"/>
+                <a:ea typeface="맑은 고딕" charset="0"/>
+              </a:rPr>
+              <a:t>SelectServer(string)</a:t>
+            </a:r>
+            <a:r>
+              <a:rPr sz="1800">
+                <a:latin typeface="맑은 고딕" charset="0"/>
+                <a:ea typeface="맑은 고딕" charset="0"/>
+              </a:rPr>
+              <a:t> </a:t>
+            </a:r>
+            <a:r>
+              <a:rPr sz="1800">
+                <a:latin typeface="맑은 고딕" charset="0"/>
+                <a:ea typeface="맑은 고딕" charset="0"/>
+              </a:rPr>
+              <a:t>함수를</a:t>
+            </a:r>
+            <a:r>
+              <a:rPr sz="1800">
+                <a:latin typeface="맑은 고딕" charset="0"/>
+                <a:ea typeface="맑은 고딕" charset="0"/>
+              </a:rPr>
+              <a:t> </a:t>
+            </a:r>
+            <a:r>
+              <a:rPr sz="1800">
+                <a:latin typeface="맑은 고딕" charset="0"/>
+                <a:ea typeface="맑은 고딕" charset="0"/>
+              </a:rPr>
+              <a:t>등록합니다.</a:t>
+            </a:r>
+            <a:endParaRPr lang="ko-KR" altLang="en-US" sz="1800">
+              <a:latin typeface="맑은 고딕" charset="0"/>
+              <a:ea typeface="맑은 고딕" charset="0"/>
+            </a:endParaRPr>
+          </a:p>
+        </p:txBody>
+      </p:sp>
     </p:spTree>
   </p:cSld>
   <p:clrMapOvr>
@@ -13239,8 +13665,8 @@
         </p:nvSpPr>
         <p:spPr>
           <a:xfrm rot="0">
-            <a:off x="4121785" y="410210"/>
-            <a:ext cx="3943985" cy="554990"/>
+            <a:off x="4121785" y="393065"/>
+            <a:ext cx="3943985" cy="478155"/>
           </a:xfrm>
           <a:prstGeom prst="rect"/>
           <a:noFill/>
@@ -13255,53 +13681,43 @@
           </a:bodyPr>
           <a:lstStyle/>
           <a:p>
-            <a:pPr marL="0" indent="0" algn="l" latinLnBrk="0">
-              <a:buFontTx/>
-              <a:buNone/>
-            </a:pPr>
-            <a:r>
-              <a:rPr lang="ko-KR" altLang="en-US" sz="3000" b="1">
+            <a:pPr marL="0" indent="0" algn="ctr" latinLnBrk="0">
+              <a:buFontTx/>
+              <a:buNone/>
+            </a:pPr>
+            <a:r>
+              <a:rPr lang="ko-KR" altLang="en-US" sz="2500" b="1">
                 <a:solidFill>
                   <a:schemeClr val="tx1"/>
                 </a:solidFill>
-                <a:latin typeface="맑은 고딕" charset="0"/>
-                <a:ea typeface="맑은 고딕" charset="0"/>
-              </a:rPr>
-              <a:t>열</a:t>
-            </a:r>
-            <a:r>
-              <a:rPr lang="ko-KR" altLang="en-US" sz="3000" b="1">
+                <a:latin typeface="나눔바른고딕" charset="0"/>
+                <a:ea typeface="나눔바른고딕" charset="0"/>
+              </a:rPr>
+              <a:t>열여덟</a:t>
+            </a:r>
+            <a:r>
+              <a:rPr lang="ko-KR" altLang="en-US" sz="2500" b="1">
                 <a:solidFill>
                   <a:schemeClr val="tx1"/>
                 </a:solidFill>
-                <a:latin typeface="맑은 고딕" charset="0"/>
-                <a:ea typeface="맑은 고딕" charset="0"/>
-              </a:rPr>
-              <a:t>아홉</a:t>
-            </a:r>
-            <a:r>
-              <a:rPr lang="ko-KR" altLang="en-US" sz="3000" b="1">
-                <a:solidFill>
-                  <a:schemeClr val="tx1"/>
-                </a:solidFill>
-                <a:latin typeface="맑은 고딕" charset="0"/>
-                <a:ea typeface="맑은 고딕" charset="0"/>
+                <a:latin typeface="나눔바른고딕" charset="0"/>
+                <a:ea typeface="나눔바른고딕" charset="0"/>
               </a:rPr>
               <a:t> 번째 튜토리얼</a:t>
             </a:r>
-            <a:endParaRPr lang="ko-KR" altLang="en-US" sz="3000" b="1">
+            <a:endParaRPr lang="ko-KR" altLang="en-US" sz="2500" b="1">
               <a:solidFill>
                 <a:schemeClr val="tx1"/>
               </a:solidFill>
-              <a:latin typeface="맑은 고딕" charset="0"/>
-              <a:ea typeface="맑은 고딕" charset="0"/>
+              <a:latin typeface="나눔바른고딕" charset="0"/>
+              <a:ea typeface="나눔바른고딕" charset="0"/>
             </a:endParaRPr>
           </a:p>
         </p:txBody>
       </p:sp>
       <p:sp>
         <p:nvSpPr>
-          <p:cNvPr id="1231" name="Rect 0"/>
+          <p:cNvPr id="1224" name="Rect 0"/>
           <p:cNvSpPr txBox="1">
             <a:spLocks/>
           </p:cNvSpPr>
@@ -13309,8 +13725,8 @@
         </p:nvSpPr>
         <p:spPr>
           <a:xfrm rot="0">
-            <a:off x="6823075" y="4984750"/>
-            <a:ext cx="4210050" cy="1231265"/>
+            <a:off x="1231900" y="2780665"/>
+            <a:ext cx="4117975" cy="954405"/>
           </a:xfrm>
           <a:prstGeom prst="rect"/>
           <a:noFill/>
@@ -13347,7 +13763,7 @@
                 <a:latin typeface="맑은 고딕" charset="0"/>
                 <a:ea typeface="맑은 고딕" charset="0"/>
               </a:rPr>
-              <a:t>5</a:t>
+              <a:t>7</a:t>
             </a:r>
             <a:r>
               <a:rPr sz="2000" b="1">
@@ -13357,28 +13773,122 @@
                 <a:latin typeface="맑은 고딕" charset="0"/>
                 <a:ea typeface="맑은 고딕" charset="0"/>
               </a:rPr>
-              <a:t>. </a:t>
-            </a:r>
-            <a:r>
-              <a:rPr lang="ko-KR" sz="1800">
-                <a:latin typeface="맑은 고딕" charset="0"/>
-                <a:ea typeface="맑은 고딕" charset="0"/>
-              </a:rPr>
-              <a:t>마지막으로 Ground 오브젝트의 이미지 컴포넌트에 Project 파일에 있는 Texture 폴더에 </a:t>
-            </a:r>
-            <a:r>
-              <a:rPr sz="1800">
-                <a:latin typeface="맑은 고딕" charset="0"/>
-                <a:ea typeface="맑은 고딕" charset="0"/>
-              </a:rPr>
-              <a:t>I</a:t>
-            </a:r>
-            <a:r>
-              <a:rPr lang="ko-KR" sz="1800">
-                <a:latin typeface="맑은 고딕" charset="0"/>
-                <a:ea typeface="맑은 고딕" charset="0"/>
-              </a:rPr>
-              <a:t>ce Kingdom 이미지를 넣어줍니다.</a:t>
+              <a:t>.</a:t>
+            </a:r>
+            <a:r>
+              <a:rPr sz="2000" b="1">
+                <a:solidFill>
+                  <a:srgbClr val="0611F2"/>
+                </a:solidFill>
+                <a:latin typeface="맑은 고딕" charset="0"/>
+                <a:ea typeface="맑은 고딕" charset="0"/>
+              </a:rPr>
+              <a:t> </a:t>
+            </a:r>
+            <a:r>
+              <a:rPr sz="1800">
+                <a:latin typeface="맑은 고딕" charset="0"/>
+                <a:ea typeface="맑은 고딕" charset="0"/>
+              </a:rPr>
+              <a:t>그러고 나서 </a:t>
+            </a:r>
+            <a:r>
+              <a:rPr sz="1800">
+                <a:latin typeface="맑은 고딕" charset="0"/>
+                <a:ea typeface="맑은 고딕" charset="0"/>
+              </a:rPr>
+              <a:t>Challenger Lobby </a:t>
+            </a:r>
+            <a:r>
+              <a:rPr sz="1800">
+                <a:latin typeface="맑은 고딕" charset="0"/>
+                <a:ea typeface="맑은 고딕" charset="0"/>
+              </a:rPr>
+              <a:t>오브젝트의</a:t>
+            </a:r>
+            <a:r>
+              <a:rPr sz="1800">
+                <a:latin typeface="맑은 고딕" charset="0"/>
+                <a:ea typeface="맑은 고딕" charset="0"/>
+              </a:rPr>
+              <a:t> </a:t>
+            </a:r>
+            <a:r>
+              <a:rPr sz="1800">
+                <a:latin typeface="맑은 고딕" charset="0"/>
+                <a:ea typeface="맑은 고딕" charset="0"/>
+              </a:rPr>
+              <a:t>On</a:t>
+            </a:r>
+            <a:r>
+              <a:rPr sz="1800">
+                <a:latin typeface="맑은 고딕" charset="0"/>
+                <a:ea typeface="맑은 고딕" charset="0"/>
+              </a:rPr>
+              <a:t> </a:t>
+            </a:r>
+            <a:r>
+              <a:rPr sz="1800">
+                <a:latin typeface="맑은 고딕" charset="0"/>
+                <a:ea typeface="맑은 고딕" charset="0"/>
+              </a:rPr>
+              <a:t>Click(</a:t>
+            </a:r>
+            <a:r>
+              <a:rPr sz="1800">
+                <a:latin typeface="맑은 고딕" charset="0"/>
+                <a:ea typeface="맑은 고딕" charset="0"/>
+              </a:rPr>
+              <a:t> ) </a:t>
+            </a:r>
+            <a:r>
+              <a:rPr sz="1800">
+                <a:latin typeface="맑은 고딕" charset="0"/>
+                <a:ea typeface="맑은 고딕" charset="0"/>
+              </a:rPr>
+              <a:t>함수에</a:t>
+            </a:r>
+            <a:r>
+              <a:rPr sz="1800">
+                <a:latin typeface="맑은 고딕" charset="0"/>
+                <a:ea typeface="맑은 고딕" charset="0"/>
+              </a:rPr>
+              <a:t> Server </a:t>
+            </a:r>
+            <a:r>
+              <a:rPr sz="1800">
+                <a:latin typeface="맑은 고딕" charset="0"/>
+                <a:ea typeface="맑은 고딕" charset="0"/>
+              </a:rPr>
+              <a:t>Manager</a:t>
+            </a:r>
+            <a:r>
+              <a:rPr sz="1800">
+                <a:latin typeface="맑은 고딕" charset="0"/>
+                <a:ea typeface="맑은 고딕" charset="0"/>
+              </a:rPr>
+              <a:t> </a:t>
+            </a:r>
+            <a:r>
+              <a:rPr sz="1800">
+                <a:latin typeface="맑은 고딕" charset="0"/>
+                <a:ea typeface="맑은 고딕" charset="0"/>
+              </a:rPr>
+              <a:t>오브젝트를</a:t>
+            </a:r>
+            <a:r>
+              <a:rPr sz="1800">
+                <a:latin typeface="맑은 고딕" charset="0"/>
+                <a:ea typeface="맑은 고딕" charset="0"/>
+              </a:rPr>
+              <a:t> </a:t>
+            </a:r>
+            <a:r>
+              <a:rPr sz="1800">
+                <a:latin typeface="맑은 고딕" charset="0"/>
+                <a:ea typeface="맑은 고딕" charset="0"/>
+              </a:rPr>
+              <a:t>넣어줍니다.</a:t>
             </a:r>
             <a:endParaRPr lang="ko-KR" altLang="en-US" sz="1800">
               <a:latin typeface="맑은 고딕" charset="0"/>
@@ -13387,83 +13897,19 @@
           </a:p>
         </p:txBody>
       </p:sp>
-      <p:sp>
-        <p:nvSpPr>
-          <p:cNvPr id="1244" name="텍스트 상자 3"/>
-          <p:cNvSpPr txBox="1">
-            <a:spLocks/>
-          </p:cNvSpPr>
-          <p:nvPr/>
-        </p:nvSpPr>
-        <p:spPr>
-          <a:xfrm rot="0">
-            <a:off x="1332865" y="2864485"/>
-            <a:ext cx="4012565" cy="677545"/>
-          </a:xfrm>
-          <a:prstGeom prst="rect"/>
-          <a:noFill/>
-          <a:ln w="0">
-            <a:noFill/>
-            <a:prstDash/>
-          </a:ln>
-        </p:spPr>
-        <p:txBody>
-          <a:bodyPr wrap="square" lIns="89535" tIns="46355" rIns="89535" bIns="46355" vert="horz" anchor="t">
-            <a:spAutoFit/>
-          </a:bodyPr>
-          <a:lstStyle/>
-          <a:p>
-            <a:pPr marL="0" indent="0" rtl="0" algn="l" defTabSz="914400" eaLnBrk="1" latinLnBrk="0" hangingPunct="1">
-              <a:buFontTx/>
-              <a:buNone/>
-            </a:pPr>
-            <a:r>
-              <a:rPr sz="2000" b="1">
-                <a:solidFill>
-                  <a:srgbClr val="0611F2"/>
-                </a:solidFill>
-                <a:latin typeface="맑은 고딕" charset="0"/>
-                <a:ea typeface="맑은 고딕" charset="0"/>
-              </a:rPr>
-              <a:t>43</a:t>
-            </a:r>
-            <a:r>
-              <a:rPr sz="2000" b="1">
-                <a:solidFill>
-                  <a:srgbClr val="0611F2"/>
-                </a:solidFill>
-                <a:latin typeface="맑은 고딕" charset="0"/>
-                <a:ea typeface="맑은 고딕" charset="0"/>
-              </a:rPr>
-              <a:t>. </a:t>
-            </a:r>
-            <a:r>
-              <a:rPr sz="1800">
-                <a:latin typeface="맑은 고딕" charset="0"/>
-                <a:ea typeface="맑은 고딕" charset="0"/>
-              </a:rPr>
-              <a:t>그다음으로 Idle 애니메이션을 Base Layer에 추가합니다.</a:t>
-            </a:r>
-            <a:endParaRPr lang="ko-KR" altLang="en-US" sz="1800">
-              <a:latin typeface="맑은 고딕" charset="0"/>
-              <a:ea typeface="맑은 고딕" charset="0"/>
-            </a:endParaRPr>
-          </a:p>
-        </p:txBody>
-      </p:sp>
       <p:pic>
         <p:nvPicPr>
-          <p:cNvPr id="1245" name="그림 4" descr="C:/Users/Admin1/AppData/Roaming/PolarisOffice/ETemp/21024_6616024/fImage403037541.png"/>
+          <p:cNvPr id="1233" name="Picture " descr="C:/Users/Admin1/AppData/Roaming/PolarisOffice/ETemp/21868_13429944/fImage52433879358.png"/>
           <p:cNvPicPr>
             <a:picLocks noChangeAspect="1"/>
           </p:cNvPicPr>
           <p:nvPr/>
         </p:nvPicPr>
         <p:blipFill rotWithShape="1">
-          <a:blip r:embed="rId2" cstate="hqprint">
+          <a:blip r:embed="rId2" cstate="print">
             <a:extLst>
               <a:ext uri="{28A0092B-C50C-407E-A947-70E740481C1C}">
-                <a14:useLocalDpi xmlns:a14="http://schemas.microsoft.com/office/drawing/2010/main"/>
+                <a14:useLocalDpi xmlns:a14="http://schemas.microsoft.com/office/drawing/2010/main" val="0"/>
               </a:ext>
             </a:extLst>
           </a:blip>
@@ -13473,8 +13919,8 @@
         </p:blipFill>
         <p:spPr>
           <a:xfrm rot="0">
-            <a:off x="1332865" y="1645920"/>
-            <a:ext cx="895985" cy="765175"/>
+            <a:off x="2566670" y="1438275"/>
+            <a:ext cx="2791460" cy="1241425"/>
           </a:xfrm>
           <a:prstGeom prst="roundRect"/>
           <a:solidFill>
@@ -13484,17 +13930,17 @@
       </p:pic>
       <p:pic>
         <p:nvPicPr>
-          <p:cNvPr id="1246" name="그림 5" descr="C:/Users/Admin1/AppData/Roaming/PolarisOffice/ETemp/21024_6616024/fImage30643768467.png"/>
+          <p:cNvPr id="1234" name="Picture " descr="C:/Users/Admin1/AppData/Roaming/PolarisOffice/ETemp/21868_13429944/fImage98823886962.png"/>
           <p:cNvPicPr>
             <a:picLocks noChangeAspect="1"/>
           </p:cNvPicPr>
           <p:nvPr/>
         </p:nvPicPr>
         <p:blipFill rotWithShape="1">
-          <a:blip r:embed="rId3" cstate="hqprint">
+          <a:blip r:embed="rId3" cstate="print">
             <a:extLst>
               <a:ext uri="{28A0092B-C50C-407E-A947-70E740481C1C}">
-                <a14:useLocalDpi xmlns:a14="http://schemas.microsoft.com/office/drawing/2010/main"/>
+                <a14:useLocalDpi xmlns:a14="http://schemas.microsoft.com/office/drawing/2010/main" val="0"/>
               </a:ext>
             </a:extLst>
           </a:blip>
@@ -13504,8 +13950,8 @@
         </p:blipFill>
         <p:spPr>
           <a:xfrm rot="0">
-            <a:off x="2486025" y="1338580"/>
-            <a:ext cx="2884805" cy="1405255"/>
+            <a:off x="1235710" y="1444625"/>
+            <a:ext cx="1194435" cy="1243965"/>
           </a:xfrm>
           <a:prstGeom prst="roundRect"/>
           <a:solidFill>
@@ -13513,19 +13959,248 @@
           </a:solidFill>
         </p:spPr>
       </p:pic>
+      <p:cxnSp>
+        <p:nvCxnSpPr>
+          <p:cNvPr id="1235" name="Rect 0"/>
+          <p:cNvCxnSpPr/>
+          <p:nvPr/>
+        </p:nvCxnSpPr>
+        <p:spPr>
+          <a:xfrm rot="0" flipV="1">
+            <a:off x="2248535" y="2170430"/>
+            <a:ext cx="1206500" cy="250825"/>
+          </a:xfrm>
+          <a:prstGeom prst="straightConnector1"/>
+          <a:ln w="6350" cap="flat" cmpd="sng">
+            <a:prstDash/>
+            <a:headEnd type="none" w="med" len="med"/>
+            <a:tailEnd type="triangle" w="med" len="med"/>
+          </a:ln>
+        </p:spPr>
+        <p:style>
+          <a:lnRef idx="1">
+            <a:schemeClr val="accent1"/>
+          </a:lnRef>
+          <a:fillRef idx="0">
+            <a:schemeClr val="accent1"/>
+          </a:fillRef>
+          <a:effectRef idx="0">
+            <a:schemeClr val="accent1"/>
+          </a:effectRef>
+          <a:fontRef idx="minor">
+            <a:schemeClr val="tx1"/>
+          </a:fontRef>
+        </p:style>
+      </p:cxnSp>
+      <p:sp>
+        <p:nvSpPr>
+          <p:cNvPr id="1236" name="Rect 0"/>
+          <p:cNvSpPr txBox="1">
+            <a:spLocks/>
+          </p:cNvSpPr>
+          <p:nvPr/>
+        </p:nvSpPr>
+        <p:spPr>
+          <a:xfrm rot="0">
+            <a:off x="1148715" y="5212715"/>
+            <a:ext cx="4210050" cy="954405"/>
+          </a:xfrm>
+          <a:prstGeom prst="rect"/>
+          <a:noFill/>
+          <a:ln w="0">
+            <a:noFill/>
+            <a:prstDash/>
+          </a:ln>
+        </p:spPr>
+        <p:txBody>
+          <a:bodyPr wrap="square" lIns="89535" tIns="46355" rIns="89535" bIns="46355" numCol="1" vert="horz" anchor="t">
+            <a:spAutoFit/>
+          </a:bodyPr>
+          <a:lstStyle/>
+          <a:p>
+            <a:pPr marL="0" indent="0" rtl="0" algn="l" defTabSz="914400" eaLnBrk="1" latinLnBrk="0" hangingPunct="1">
+              <a:buFontTx/>
+              <a:buNone/>
+            </a:pPr>
+            <a:r>
+              <a:rPr sz="2000" b="1">
+                <a:solidFill>
+                  <a:srgbClr val="0611F2"/>
+                </a:solidFill>
+                <a:latin typeface="맑은 고딕" charset="0"/>
+                <a:ea typeface="맑은 고딕" charset="0"/>
+              </a:rPr>
+              <a:t>4</a:t>
+            </a:r>
+            <a:r>
+              <a:rPr lang="ko-KR" sz="2000" b="1">
+                <a:solidFill>
+                  <a:srgbClr val="0611F2"/>
+                </a:solidFill>
+                <a:latin typeface="맑은 고딕" charset="0"/>
+                <a:ea typeface="맑은 고딕" charset="0"/>
+              </a:rPr>
+              <a:t>8</a:t>
+            </a:r>
+            <a:r>
+              <a:rPr sz="2000" b="1">
+                <a:solidFill>
+                  <a:srgbClr val="0611F2"/>
+                </a:solidFill>
+                <a:latin typeface="맑은 고딕" charset="0"/>
+                <a:ea typeface="맑은 고딕" charset="0"/>
+              </a:rPr>
+              <a:t>.</a:t>
+            </a:r>
+            <a:r>
+              <a:rPr sz="2000" b="1">
+                <a:solidFill>
+                  <a:srgbClr val="0611F2"/>
+                </a:solidFill>
+                <a:latin typeface="맑은 고딕" charset="0"/>
+                <a:ea typeface="맑은 고딕" charset="0"/>
+              </a:rPr>
+              <a:t> </a:t>
+            </a:r>
+            <a:r>
+              <a:rPr sz="1800">
+                <a:latin typeface="맑은 고딕" charset="0"/>
+                <a:ea typeface="맑은 고딕" charset="0"/>
+              </a:rPr>
+              <a:t>이제 </a:t>
+            </a:r>
+            <a:r>
+              <a:rPr sz="1800">
+                <a:latin typeface="맑은 고딕" charset="0"/>
+                <a:ea typeface="맑은 고딕" charset="0"/>
+              </a:rPr>
+              <a:t>Platinum Lobby </a:t>
+            </a:r>
+            <a:r>
+              <a:rPr sz="1800">
+                <a:latin typeface="맑은 고딕" charset="0"/>
+                <a:ea typeface="맑은 고딕" charset="0"/>
+              </a:rPr>
+              <a:t>오브젝트에</a:t>
+            </a:r>
+            <a:r>
+              <a:rPr sz="1800">
+                <a:latin typeface="맑은 고딕" charset="0"/>
+                <a:ea typeface="맑은 고딕" charset="0"/>
+              </a:rPr>
+              <a:t> </a:t>
+            </a:r>
+            <a:r>
+              <a:rPr sz="1800">
+                <a:latin typeface="맑은 고딕" charset="0"/>
+                <a:ea typeface="맑은 고딕" charset="0"/>
+              </a:rPr>
+              <a:t>있는</a:t>
+            </a:r>
+            <a:r>
+              <a:rPr sz="1800">
+                <a:latin typeface="맑은 고딕" charset="0"/>
+                <a:ea typeface="맑은 고딕" charset="0"/>
+              </a:rPr>
+              <a:t> </a:t>
+            </a:r>
+            <a:r>
+              <a:rPr sz="1800">
+                <a:latin typeface="맑은 고딕" charset="0"/>
+                <a:ea typeface="맑은 고딕" charset="0"/>
+              </a:rPr>
+              <a:t>On</a:t>
+            </a:r>
+            <a:r>
+              <a:rPr sz="1800">
+                <a:latin typeface="맑은 고딕" charset="0"/>
+                <a:ea typeface="맑은 고딕" charset="0"/>
+              </a:rPr>
+              <a:t> </a:t>
+            </a:r>
+            <a:r>
+              <a:rPr sz="1800">
+                <a:latin typeface="맑은 고딕" charset="0"/>
+                <a:ea typeface="맑은 고딕" charset="0"/>
+              </a:rPr>
+              <a:t>Click(</a:t>
+            </a:r>
+            <a:r>
+              <a:rPr sz="1800">
+                <a:latin typeface="맑은 고딕" charset="0"/>
+                <a:ea typeface="맑은 고딕" charset="0"/>
+              </a:rPr>
+              <a:t> ) </a:t>
+            </a:r>
+            <a:r>
+              <a:rPr sz="1800">
+                <a:latin typeface="맑은 고딕" charset="0"/>
+                <a:ea typeface="맑은 고딕" charset="0"/>
+              </a:rPr>
+              <a:t>함수에</a:t>
+            </a:r>
+            <a:r>
+              <a:rPr sz="1800">
+                <a:latin typeface="맑은 고딕" charset="0"/>
+                <a:ea typeface="맑은 고딕" charset="0"/>
+              </a:rPr>
+              <a:t> </a:t>
+            </a:r>
+            <a:r>
+              <a:rPr sz="1800">
+                <a:latin typeface="맑은 고딕" charset="0"/>
+                <a:ea typeface="맑은 고딕" charset="0"/>
+              </a:rPr>
+              <a:t>SelectServer(string)</a:t>
+            </a:r>
+            <a:r>
+              <a:rPr sz="1800">
+                <a:latin typeface="맑은 고딕" charset="0"/>
+                <a:ea typeface="맑은 고딕" charset="0"/>
+              </a:rPr>
+              <a:t> </a:t>
+            </a:r>
+            <a:r>
+              <a:rPr sz="1800">
+                <a:latin typeface="맑은 고딕" charset="0"/>
+                <a:ea typeface="맑은 고딕" charset="0"/>
+              </a:rPr>
+              <a:t>함수를</a:t>
+            </a:r>
+            <a:r>
+              <a:rPr sz="1800">
+                <a:latin typeface="맑은 고딕" charset="0"/>
+                <a:ea typeface="맑은 고딕" charset="0"/>
+              </a:rPr>
+              <a:t> </a:t>
+            </a:r>
+            <a:r>
+              <a:rPr sz="1800">
+                <a:latin typeface="맑은 고딕" charset="0"/>
+                <a:ea typeface="맑은 고딕" charset="0"/>
+              </a:rPr>
+              <a:t>등록합니다.</a:t>
+            </a:r>
+            <a:endParaRPr lang="ko-KR" altLang="en-US" sz="1800">
+              <a:latin typeface="맑은 고딕" charset="0"/>
+              <a:ea typeface="맑은 고딕" charset="0"/>
+            </a:endParaRPr>
+          </a:p>
+        </p:txBody>
+      </p:sp>
       <p:pic>
         <p:nvPicPr>
-          <p:cNvPr id="1247" name="그림 6" descr="C:/Users/Admin1/AppData/Roaming/PolarisOffice/ETemp/21024_6616024/fImage2242173776334.png"/>
+          <p:cNvPr id="1246" name="그림 48" descr="C:/Users/Admin1/AppData/Roaming/PolarisOffice/ETemp/21868_13429944/fImage64574034464.png"/>
           <p:cNvPicPr>
             <a:picLocks noChangeAspect="1"/>
           </p:cNvPicPr>
           <p:nvPr/>
         </p:nvPicPr>
         <p:blipFill rotWithShape="1">
-          <a:blip r:embed="rId4" cstate="hqprint">
+          <a:blip r:embed="rId4" cstate="print">
             <a:extLst>
               <a:ext uri="{28A0092B-C50C-407E-A947-70E740481C1C}">
-                <a14:useLocalDpi xmlns:a14="http://schemas.microsoft.com/office/drawing/2010/main"/>
+                <a14:useLocalDpi xmlns:a14="http://schemas.microsoft.com/office/drawing/2010/main" val="0"/>
               </a:ext>
             </a:extLst>
           </a:blip>
@@ -13535,16 +14210,18 @@
         </p:blipFill>
         <p:spPr>
           <a:xfrm rot="0">
-            <a:off x="2007235" y="1852930"/>
-            <a:ext cx="845185" cy="376555"/>
-          </a:xfrm>
-          <a:prstGeom prst="rect"/>
-          <a:noFill/>
+            <a:off x="1234440" y="3893185"/>
+            <a:ext cx="4132580" cy="1223645"/>
+          </a:xfrm>
+          <a:prstGeom prst="roundRect"/>
+          <a:solidFill>
+            <a:srgbClr val="EDEDED"/>
+          </a:solidFill>
         </p:spPr>
       </p:pic>
       <p:pic>
         <p:nvPicPr>
-          <p:cNvPr id="1248" name="그림 7" descr="C:/Users/Admin1/AppData/Roaming/PolarisOffice/ETemp/21024_6616024/fImage180763786500.png"/>
+          <p:cNvPr id="1247" name="그림 51" descr="C:/Users/Admin1/AppData/Roaming/PolarisOffice/ETemp/21868_13429944/fImage65974045705.png"/>
           <p:cNvPicPr>
             <a:picLocks noChangeAspect="1"/>
           </p:cNvPicPr>
@@ -13564,8 +14241,8 @@
         </p:blipFill>
         <p:spPr>
           <a:xfrm rot="0">
-            <a:off x="6824980" y="1346835"/>
-            <a:ext cx="4190365" cy="2219960"/>
+            <a:off x="6805295" y="1436370"/>
+            <a:ext cx="4160520" cy="1156970"/>
           </a:xfrm>
           <a:prstGeom prst="roundRect"/>
           <a:solidFill>
@@ -13573,16 +14250,428 @@
           </a:solidFill>
         </p:spPr>
       </p:pic>
+      <p:sp>
+        <p:nvSpPr>
+          <p:cNvPr id="1248" name="텍스트 상자 54"/>
+          <p:cNvSpPr txBox="1">
+            <a:spLocks/>
+          </p:cNvSpPr>
+          <p:nvPr/>
+        </p:nvSpPr>
+        <p:spPr>
+          <a:xfrm rot="0">
+            <a:off x="6814185" y="2694940"/>
+            <a:ext cx="4144010" cy="1231265"/>
+          </a:xfrm>
+          <a:prstGeom prst="rect"/>
+          <a:noFill/>
+          <a:ln w="0">
+            <a:noFill/>
+            <a:prstDash/>
+          </a:ln>
+        </p:spPr>
+        <p:txBody>
+          <a:bodyPr wrap="square" lIns="89535" tIns="46355" rIns="89535" bIns="46355" numCol="1" vert="horz" anchor="t">
+            <a:spAutoFit/>
+          </a:bodyPr>
+          <a:lstStyle/>
+          <a:p>
+            <a:pPr marL="0" indent="0" rtl="0" algn="l" defTabSz="914400" eaLnBrk="1" latinLnBrk="0" hangingPunct="1">
+              <a:buFontTx/>
+              <a:buNone/>
+            </a:pPr>
+            <a:r>
+              <a:rPr sz="2000" b="1">
+                <a:solidFill>
+                  <a:srgbClr val="0611F2"/>
+                </a:solidFill>
+                <a:latin typeface="맑은 고딕" charset="0"/>
+                <a:ea typeface="맑은 고딕" charset="0"/>
+              </a:rPr>
+              <a:t>4</a:t>
+            </a:r>
+            <a:r>
+              <a:rPr lang="ko-KR" sz="2000" b="1">
+                <a:solidFill>
+                  <a:srgbClr val="0611F2"/>
+                </a:solidFill>
+                <a:latin typeface="맑은 고딕" charset="0"/>
+                <a:ea typeface="맑은 고딕" charset="0"/>
+              </a:rPr>
+              <a:t>9</a:t>
+            </a:r>
+            <a:r>
+              <a:rPr sz="2000" b="1">
+                <a:solidFill>
+                  <a:srgbClr val="0611F2"/>
+                </a:solidFill>
+                <a:latin typeface="맑은 고딕" charset="0"/>
+                <a:ea typeface="맑은 고딕" charset="0"/>
+              </a:rPr>
+              <a:t>.</a:t>
+            </a:r>
+            <a:r>
+              <a:rPr sz="2000" b="1">
+                <a:solidFill>
+                  <a:srgbClr val="0611F2"/>
+                </a:solidFill>
+                <a:latin typeface="맑은 고딕" charset="0"/>
+                <a:ea typeface="맑은 고딕" charset="0"/>
+              </a:rPr>
+              <a:t> </a:t>
+            </a:r>
+            <a:r>
+              <a:rPr sz="1800">
+                <a:latin typeface="맑은 고딕" charset="0"/>
+                <a:ea typeface="맑은 고딕" charset="0"/>
+              </a:rPr>
+              <a:t>그리고 </a:t>
+            </a:r>
+            <a:r>
+              <a:rPr sz="1800">
+                <a:latin typeface="맑은 고딕" charset="0"/>
+                <a:ea typeface="맑은 고딕" charset="0"/>
+              </a:rPr>
+              <a:t>Challenger Lobby </a:t>
+            </a:r>
+            <a:r>
+              <a:rPr sz="1800">
+                <a:latin typeface="맑은 고딕" charset="0"/>
+                <a:ea typeface="맑은 고딕" charset="0"/>
+              </a:rPr>
+              <a:t>오브젝트에</a:t>
+            </a:r>
+            <a:r>
+              <a:rPr sz="1800">
+                <a:latin typeface="맑은 고딕" charset="0"/>
+                <a:ea typeface="맑은 고딕" charset="0"/>
+              </a:rPr>
+              <a:t> </a:t>
+            </a:r>
+            <a:r>
+              <a:rPr sz="1800">
+                <a:latin typeface="맑은 고딕" charset="0"/>
+                <a:ea typeface="맑은 고딕" charset="0"/>
+              </a:rPr>
+              <a:t>있는</a:t>
+            </a:r>
+            <a:r>
+              <a:rPr sz="1800">
+                <a:latin typeface="맑은 고딕" charset="0"/>
+                <a:ea typeface="맑은 고딕" charset="0"/>
+              </a:rPr>
+              <a:t> </a:t>
+            </a:r>
+            <a:r>
+              <a:rPr sz="1800">
+                <a:latin typeface="맑은 고딕" charset="0"/>
+                <a:ea typeface="맑은 고딕" charset="0"/>
+              </a:rPr>
+              <a:t>On</a:t>
+            </a:r>
+            <a:r>
+              <a:rPr sz="1800">
+                <a:latin typeface="맑은 고딕" charset="0"/>
+                <a:ea typeface="맑은 고딕" charset="0"/>
+              </a:rPr>
+              <a:t> </a:t>
+            </a:r>
+            <a:r>
+              <a:rPr sz="1800">
+                <a:latin typeface="맑은 고딕" charset="0"/>
+                <a:ea typeface="맑은 고딕" charset="0"/>
+              </a:rPr>
+              <a:t>Click(</a:t>
+            </a:r>
+            <a:r>
+              <a:rPr sz="1800">
+                <a:latin typeface="맑은 고딕" charset="0"/>
+                <a:ea typeface="맑은 고딕" charset="0"/>
+              </a:rPr>
+              <a:t> ) </a:t>
+            </a:r>
+            <a:r>
+              <a:rPr sz="1800">
+                <a:latin typeface="맑은 고딕" charset="0"/>
+                <a:ea typeface="맑은 고딕" charset="0"/>
+              </a:rPr>
+              <a:t>함수에</a:t>
+            </a:r>
+            <a:r>
+              <a:rPr sz="1800">
+                <a:latin typeface="맑은 고딕" charset="0"/>
+                <a:ea typeface="맑은 고딕" charset="0"/>
+              </a:rPr>
+              <a:t> </a:t>
+            </a:r>
+            <a:r>
+              <a:rPr sz="1800">
+                <a:latin typeface="맑은 고딕" charset="0"/>
+                <a:ea typeface="맑은 고딕" charset="0"/>
+              </a:rPr>
+              <a:t>SelectServer(string)</a:t>
+            </a:r>
+            <a:r>
+              <a:rPr sz="1800">
+                <a:latin typeface="맑은 고딕" charset="0"/>
+                <a:ea typeface="맑은 고딕" charset="0"/>
+              </a:rPr>
+              <a:t> </a:t>
+            </a:r>
+            <a:r>
+              <a:rPr sz="1800">
+                <a:latin typeface="맑은 고딕" charset="0"/>
+                <a:ea typeface="맑은 고딕" charset="0"/>
+              </a:rPr>
+              <a:t>함수를</a:t>
+            </a:r>
+            <a:r>
+              <a:rPr sz="1800">
+                <a:latin typeface="맑은 고딕" charset="0"/>
+                <a:ea typeface="맑은 고딕" charset="0"/>
+              </a:rPr>
+              <a:t> </a:t>
+            </a:r>
+            <a:r>
+              <a:rPr sz="1800">
+                <a:latin typeface="맑은 고딕" charset="0"/>
+                <a:ea typeface="맑은 고딕" charset="0"/>
+              </a:rPr>
+              <a:t>등록합니다.</a:t>
+            </a:r>
+            <a:endParaRPr lang="ko-KR" altLang="en-US" sz="1800">
+              <a:latin typeface="맑은 고딕" charset="0"/>
+              <a:ea typeface="맑은 고딕" charset="0"/>
+            </a:endParaRPr>
+          </a:p>
+        </p:txBody>
+      </p:sp>
       <p:pic>
         <p:nvPicPr>
-          <p:cNvPr id="1249" name="그림 10" descr="C:/Users/Admin1/AppData/Roaming/PolarisOffice/ETemp/21024_6616024/fImage148553799169.png"/>
+          <p:cNvPr id="1249" name="그림 62" descr="C:/Users/Admin1/AppData/Roaming/PolarisOffice/ETemp/21868_13429944/fImage22314148145.png"/>
           <p:cNvPicPr>
             <a:picLocks noChangeAspect="1"/>
           </p:cNvPicPr>
           <p:nvPr/>
         </p:nvPicPr>
         <p:blipFill rotWithShape="1">
-          <a:blip r:embed="rId6" cstate="print">
+          <a:blip r:embed="rId6" cstate="hqprint">
+            <a:extLst>
+              <a:ext uri="{28A0092B-C50C-407E-A947-70E740481C1C}">
+                <a14:useLocalDpi xmlns:a14="http://schemas.microsoft.com/office/drawing/2010/main"/>
+              </a:ext>
+            </a:extLst>
+          </a:blip>
+          <a:stretch>
+            <a:fillRect/>
+          </a:stretch>
+        </p:blipFill>
+        <p:spPr>
+          <a:xfrm rot="0">
+            <a:off x="8243570" y="4095750"/>
+            <a:ext cx="2719705" cy="494030"/>
+          </a:xfrm>
+          <a:prstGeom prst="roundRect"/>
+          <a:solidFill>
+            <a:srgbClr val="EDEDED"/>
+          </a:solidFill>
+          <a:effectLst>
+            <a:reflection algn="bl" blurRad="12700" dir="5400000" dist="5080" stA="38000" endPos="28000" sx="100000" sy="-100000" rotWithShape="0"/>
+          </a:effectLst>
+        </p:spPr>
+      </p:pic>
+      <p:sp>
+        <p:nvSpPr>
+          <p:cNvPr id="1250" name="텍스트 상자 63"/>
+          <p:cNvSpPr txBox="1">
+            <a:spLocks/>
+          </p:cNvSpPr>
+          <p:nvPr/>
+        </p:nvSpPr>
+        <p:spPr>
+          <a:xfrm rot="0">
+            <a:off x="6807835" y="5552440"/>
+            <a:ext cx="4157980" cy="677545"/>
+          </a:xfrm>
+          <a:prstGeom prst="rect"/>
+          <a:noFill/>
+          <a:ln w="0">
+            <a:noFill/>
+            <a:prstDash/>
+          </a:ln>
+        </p:spPr>
+        <p:txBody>
+          <a:bodyPr wrap="square" lIns="89535" tIns="46355" rIns="89535" bIns="46355" vert="horz" anchor="t">
+            <a:spAutoFit/>
+          </a:bodyPr>
+          <a:lstStyle/>
+          <a:p>
+            <a:pPr marL="0" indent="0" rtl="0" algn="l" defTabSz="914400" eaLnBrk="1" latinLnBrk="0" hangingPunct="1">
+              <a:buFontTx/>
+              <a:buNone/>
+            </a:pPr>
+            <a:r>
+              <a:rPr sz="2000" b="1">
+                <a:solidFill>
+                  <a:srgbClr val="0611F2"/>
+                </a:solidFill>
+                <a:latin typeface="맑은 고딕" charset="0"/>
+                <a:ea typeface="맑은 고딕" charset="0"/>
+              </a:rPr>
+              <a:t>5</a:t>
+            </a:r>
+            <a:r>
+              <a:rPr sz="2000" b="1">
+                <a:solidFill>
+                  <a:srgbClr val="0611F2"/>
+                </a:solidFill>
+                <a:latin typeface="맑은 고딕" charset="0"/>
+                <a:ea typeface="맑은 고딕" charset="0"/>
+              </a:rPr>
+              <a:t>0</a:t>
+            </a:r>
+            <a:r>
+              <a:rPr sz="2000" b="1">
+                <a:solidFill>
+                  <a:srgbClr val="0611F2"/>
+                </a:solidFill>
+                <a:latin typeface="맑은 고딕" charset="0"/>
+                <a:ea typeface="맑은 고딕" charset="0"/>
+              </a:rPr>
+              <a:t>.</a:t>
+            </a:r>
+            <a:r>
+              <a:rPr sz="2000">
+                <a:latin typeface="맑은 고딕" charset="0"/>
+                <a:ea typeface="맑은 고딕" charset="0"/>
+              </a:rPr>
+              <a:t> </a:t>
+            </a:r>
+            <a:r>
+              <a:rPr sz="1800">
+                <a:latin typeface="맑은 고딕" charset="0"/>
+                <a:ea typeface="맑은 고딕" charset="0"/>
+              </a:rPr>
+              <a:t>그런 다음 3D Camera </a:t>
+            </a:r>
+            <a:r>
+              <a:rPr sz="1800">
+                <a:latin typeface="맑은 고딕" charset="0"/>
+                <a:ea typeface="맑은 고딕" charset="0"/>
+              </a:rPr>
+              <a:t>오브젝트에</a:t>
+            </a:r>
+            <a:r>
+              <a:rPr sz="1800">
+                <a:latin typeface="맑은 고딕" charset="0"/>
+                <a:ea typeface="맑은 고딕" charset="0"/>
+              </a:rPr>
+              <a:t> </a:t>
+            </a:r>
+            <a:r>
+              <a:rPr sz="1800">
+                <a:latin typeface="맑은 고딕" charset="0"/>
+                <a:ea typeface="맑은 고딕" charset="0"/>
+              </a:rPr>
+              <a:t>있는</a:t>
+            </a:r>
+            <a:r>
+              <a:rPr sz="1800">
+                <a:latin typeface="맑은 고딕" charset="0"/>
+                <a:ea typeface="맑은 고딕" charset="0"/>
+              </a:rPr>
+              <a:t> </a:t>
+            </a:r>
+            <a:r>
+              <a:rPr sz="1800">
+                <a:latin typeface="맑은 고딕" charset="0"/>
+                <a:ea typeface="맑은 고딕" charset="0"/>
+              </a:rPr>
+              <a:t>Audio</a:t>
+            </a:r>
+            <a:r>
+              <a:rPr sz="1800">
+                <a:latin typeface="맑은 고딕" charset="0"/>
+                <a:ea typeface="맑은 고딕" charset="0"/>
+              </a:rPr>
+              <a:t> </a:t>
+            </a:r>
+            <a:r>
+              <a:rPr sz="1800">
+                <a:latin typeface="맑은 고딕" charset="0"/>
+                <a:ea typeface="맑은 고딕" charset="0"/>
+              </a:rPr>
+              <a:t>Listener를</a:t>
+            </a:r>
+            <a:r>
+              <a:rPr sz="1800">
+                <a:latin typeface="맑은 고딕" charset="0"/>
+                <a:ea typeface="맑은 고딕" charset="0"/>
+              </a:rPr>
+              <a:t> </a:t>
+            </a:r>
+            <a:r>
+              <a:rPr sz="1800">
+                <a:latin typeface="맑은 고딕" charset="0"/>
+                <a:ea typeface="맑은 고딕" charset="0"/>
+              </a:rPr>
+              <a:t>제거합니다.</a:t>
+            </a:r>
+            <a:r>
+              <a:rPr sz="1800">
+                <a:latin typeface="맑은 고딕" charset="0"/>
+                <a:ea typeface="맑은 고딕" charset="0"/>
+              </a:rPr>
+              <a:t> </a:t>
+            </a:r>
+            <a:endParaRPr lang="ko-KR" altLang="en-US" sz="1800">
+              <a:latin typeface="맑은 고딕" charset="0"/>
+              <a:ea typeface="맑은 고딕" charset="0"/>
+            </a:endParaRPr>
+          </a:p>
+        </p:txBody>
+      </p:sp>
+      <p:pic>
+        <p:nvPicPr>
+          <p:cNvPr id="1251" name="그림 64" descr="C:/Users/Admin1/AppData/Roaming/PolarisOffice/ETemp/21868_13429944/fImage9424163281.png"/>
+          <p:cNvPicPr>
+            <a:picLocks noChangeAspect="1"/>
+          </p:cNvPicPr>
+          <p:nvPr/>
+        </p:nvPicPr>
+        <p:blipFill rotWithShape="1">
+          <a:blip r:embed="rId7" cstate="hqprint">
+            <a:extLst>
+              <a:ext uri="{28A0092B-C50C-407E-A947-70E740481C1C}">
+                <a14:useLocalDpi xmlns:a14="http://schemas.microsoft.com/office/drawing/2010/main"/>
+              </a:ext>
+            </a:extLst>
+          </a:blip>
+          <a:stretch>
+            <a:fillRect/>
+          </a:stretch>
+        </p:blipFill>
+        <p:spPr>
+          <a:xfrm rot="0">
+            <a:off x="8239125" y="4771390"/>
+            <a:ext cx="2723515" cy="637540"/>
+          </a:xfrm>
+          <a:prstGeom prst="roundRect"/>
+          <a:solidFill>
+            <a:srgbClr val="EDEDED"/>
+          </a:solidFill>
+        </p:spPr>
+      </p:pic>
+      <p:pic>
+        <p:nvPicPr>
+          <p:cNvPr id="1252" name="그림 65" descr="C:/Users/Admin1/AppData/Roaming/PolarisOffice/ETemp/21868_13429944/fImage103754176827.png"/>
+          <p:cNvPicPr>
+            <a:picLocks noChangeAspect="1"/>
+          </p:cNvPicPr>
+          <p:nvPr/>
+        </p:nvPicPr>
+        <p:blipFill rotWithShape="1">
+          <a:blip r:embed="rId8" cstate="print">
             <a:extLst>
               <a:ext uri="{28A0092B-C50C-407E-A947-70E740481C1C}">
                 <a14:useLocalDpi xmlns:a14="http://schemas.microsoft.com/office/drawing/2010/main" val="0"/>
@@ -13595,8 +14684,8 @@
         </p:blipFill>
         <p:spPr>
           <a:xfrm rot="0">
-            <a:off x="6824980" y="3740785"/>
-            <a:ext cx="4182110" cy="1131570"/>
+            <a:off x="6813550" y="4095750"/>
+            <a:ext cx="1258570" cy="1316990"/>
           </a:xfrm>
           <a:prstGeom prst="roundRect"/>
           <a:solidFill>
@@ -13604,172 +14693,6 @@
           </a:solidFill>
         </p:spPr>
       </p:pic>
-      <p:cxnSp>
-        <p:nvCxnSpPr>
-          <p:cNvPr id="1250" name="도형 13"/>
-          <p:cNvCxnSpPr/>
-          <p:nvPr/>
-        </p:nvCxnSpPr>
-        <p:spPr>
-          <a:xfrm rot="0" flipV="1">
-            <a:off x="8246745" y="1670685"/>
-            <a:ext cx="2668905" cy="2469515"/>
-          </a:xfrm>
-          <a:prstGeom prst="straightConnector1"/>
-          <a:ln w="6350" cap="flat" cmpd="sng">
-            <a:prstDash/>
-            <a:headEnd type="none" w="med" len="med"/>
-            <a:tailEnd type="triangle" w="med" len="med"/>
-          </a:ln>
-        </p:spPr>
-        <p:style>
-          <a:lnRef idx="1">
-            <a:schemeClr val="accent1"/>
-          </a:lnRef>
-          <a:fillRef idx="0">
-            <a:schemeClr val="accent1"/>
-          </a:fillRef>
-          <a:effectRef idx="0">
-            <a:schemeClr val="accent1"/>
-          </a:effectRef>
-          <a:fontRef idx="minor">
-            <a:schemeClr val="tx1"/>
-          </a:fontRef>
-        </p:style>
-      </p:cxnSp>
-      <p:pic>
-        <p:nvPicPr>
-          <p:cNvPr id="1251" name="그림 15" descr="C:/Users/Admin1/AppData/Roaming/PolarisOffice/ETemp/21024_6616024/fImage117383825724.png"/>
-          <p:cNvPicPr>
-            <a:picLocks noChangeAspect="1"/>
-          </p:cNvPicPr>
-          <p:nvPr/>
-        </p:nvPicPr>
-        <p:blipFill rotWithShape="1">
-          <a:blip r:embed="rId7" cstate="print">
-            <a:extLst>
-              <a:ext uri="{28A0092B-C50C-407E-A947-70E740481C1C}">
-                <a14:useLocalDpi xmlns:a14="http://schemas.microsoft.com/office/drawing/2010/main" val="0"/>
-              </a:ext>
-            </a:extLst>
-          </a:blip>
-          <a:stretch>
-            <a:fillRect/>
-          </a:stretch>
-        </p:blipFill>
-        <p:spPr>
-          <a:xfrm rot="0">
-            <a:off x="1330325" y="3670935"/>
-            <a:ext cx="4040505" cy="1799590"/>
-          </a:xfrm>
-          <a:prstGeom prst="roundRect"/>
-          <a:solidFill>
-            <a:srgbClr val="EDEDED"/>
-          </a:solidFill>
-        </p:spPr>
-      </p:pic>
-      <p:sp>
-        <p:nvSpPr>
-          <p:cNvPr id="1252" name="텍스트 상자 18"/>
-          <p:cNvSpPr txBox="1">
-            <a:spLocks/>
-          </p:cNvSpPr>
-          <p:nvPr/>
-        </p:nvSpPr>
-        <p:spPr>
-          <a:xfrm rot="0">
-            <a:off x="1329690" y="5537835"/>
-            <a:ext cx="4012565" cy="677545"/>
-          </a:xfrm>
-          <a:prstGeom prst="rect"/>
-          <a:noFill/>
-          <a:ln w="0">
-            <a:noFill/>
-            <a:prstDash/>
-          </a:ln>
-        </p:spPr>
-        <p:txBody>
-          <a:bodyPr wrap="square" lIns="89535" tIns="46355" rIns="89535" bIns="46355" vert="horz" anchor="t">
-            <a:spAutoFit/>
-          </a:bodyPr>
-          <a:lstStyle/>
-          <a:p>
-            <a:pPr marL="0" indent="0" rtl="0" algn="l" defTabSz="914400" eaLnBrk="1" latinLnBrk="0" hangingPunct="1">
-              <a:buFontTx/>
-              <a:buNone/>
-            </a:pPr>
-            <a:r>
-              <a:rPr sz="2000" b="1">
-                <a:solidFill>
-                  <a:srgbClr val="0611F2"/>
-                </a:solidFill>
-                <a:latin typeface="맑은 고딕" charset="0"/>
-                <a:ea typeface="맑은 고딕" charset="0"/>
-              </a:rPr>
-              <a:t>4</a:t>
-            </a:r>
-            <a:r>
-              <a:rPr lang="ko-KR" sz="2000" b="1">
-                <a:solidFill>
-                  <a:srgbClr val="0611F2"/>
-                </a:solidFill>
-                <a:latin typeface="맑은 고딕" charset="0"/>
-                <a:ea typeface="맑은 고딕" charset="0"/>
-              </a:rPr>
-              <a:t>4</a:t>
-            </a:r>
-            <a:r>
-              <a:rPr sz="2000" b="1">
-                <a:solidFill>
-                  <a:srgbClr val="0611F2"/>
-                </a:solidFill>
-                <a:latin typeface="맑은 고딕" charset="0"/>
-                <a:ea typeface="맑은 고딕" charset="0"/>
-              </a:rPr>
-              <a:t>. </a:t>
-            </a:r>
-            <a:r>
-              <a:rPr sz="1800">
-                <a:latin typeface="맑은 고딕" charset="0"/>
-                <a:ea typeface="맑은 고딕" charset="0"/>
-              </a:rPr>
-              <a:t>그</a:t>
-            </a:r>
-            <a:r>
-              <a:rPr sz="1800">
-                <a:latin typeface="맑은 고딕" charset="0"/>
-                <a:ea typeface="맑은 고딕" charset="0"/>
-              </a:rPr>
-              <a:t>리</a:t>
-            </a:r>
-            <a:r>
-              <a:rPr lang="ko-KR" sz="1800">
-                <a:latin typeface="맑은 고딕" charset="0"/>
-                <a:ea typeface="맑은 고딕" charset="0"/>
-              </a:rPr>
-              <a:t>고</a:t>
-            </a:r>
-            <a:r>
-              <a:rPr sz="1800">
-                <a:latin typeface="맑은 고딕" charset="0"/>
-                <a:ea typeface="맑은 고딕" charset="0"/>
-              </a:rPr>
-              <a:t> </a:t>
-            </a:r>
-            <a:r>
-              <a:rPr lang="ko-KR" sz="1800">
-                <a:latin typeface="맑은 고딕" charset="0"/>
-                <a:ea typeface="맑은 고딕" charset="0"/>
-              </a:rPr>
-              <a:t>character 오브젝트의 위치와 회전 값을 초기화합니다.</a:t>
-            </a:r>
-            <a:endParaRPr lang="ko-KR" altLang="en-US" sz="1800">
-              <a:latin typeface="맑은 고딕" charset="0"/>
-              <a:ea typeface="맑은 고딕" charset="0"/>
-            </a:endParaRPr>
-          </a:p>
-        </p:txBody>
-      </p:sp>
     </p:spTree>
   </p:cSld>
   <p:clrMapOvr>
@@ -18251,8 +19174,8 @@
         </p:nvSpPr>
         <p:spPr>
           <a:xfrm rot="0">
-            <a:off x="6830695" y="2849245"/>
-            <a:ext cx="4126865" cy="915670"/>
+            <a:off x="6830695" y="2917825"/>
+            <a:ext cx="4127500" cy="916305"/>
           </a:xfrm>
           <a:prstGeom prst="rect"/>
           <a:noFill/>
@@ -18323,21 +19246,7 @@
                 <a:latin typeface="맑은 고딕" charset="0"/>
                 <a:ea typeface="맑은 고딕" charset="0"/>
               </a:rPr>
-              <a:t> </a:t>
-            </a:r>
-            <a:r>
-              <a:rPr lang="ko-KR" sz="1800">
-                <a:latin typeface="맑은 고딕" charset="0"/>
-                <a:ea typeface="맑은 고딕" charset="0"/>
-              </a:rPr>
-              <a:t>지정하고</a:t>
-            </a:r>
-            <a:r>
-              <a:rPr lang="ko-KR" sz="1800">
-                <a:latin typeface="맑은 고딕" charset="0"/>
-                <a:ea typeface="맑은 고딕" charset="0"/>
-              </a:rPr>
-              <a:t> 위치와 회전 값을 </a:t>
+              <a:t> 지정하고 위치와 회전 값을 </a:t>
             </a:r>
             <a:r>
               <a:rPr lang="ko-KR" sz="1800">
@@ -18355,7 +19264,7 @@
       </p:sp>
       <p:pic>
         <p:nvPicPr>
-          <p:cNvPr id="1196" name="그림 18" descr="C:/Users/Admin1/AppData/Roaming/PolarisOffice/ETemp/17588_11269848/fImage191582796500.png"/>
+          <p:cNvPr id="1196" name="그림 18"/>
           <p:cNvPicPr>
             <a:picLocks noChangeAspect="1"/>
           </p:cNvPicPr>
@@ -18386,7 +19295,7 @@
       </p:pic>
       <p:pic>
         <p:nvPicPr>
-          <p:cNvPr id="1198" name="그림 22" descr="C:/Users/Admin1/AppData/Roaming/PolarisOffice/ETemp/17588_11269848/fImage126912815724.png"/>
+          <p:cNvPr id="1198" name="그림 22" descr="C:/Users/Admin1/AppData/Roaming/PolarisOffice/ETemp/21868_13429944/fImage126912815724.png"/>
           <p:cNvPicPr>
             <a:picLocks noChangeAspect="1"/>
           </p:cNvPicPr>
@@ -18407,7 +19316,7 @@
         <p:spPr>
           <a:xfrm rot="0">
             <a:off x="6839585" y="1447165"/>
-            <a:ext cx="4109085" cy="1266825"/>
+            <a:ext cx="4109720" cy="1344295"/>
           </a:xfrm>
           <a:prstGeom prst="roundRect"/>
           <a:solidFill>
@@ -18417,7 +19326,7 @@
       </p:pic>
       <p:pic>
         <p:nvPicPr>
-          <p:cNvPr id="1199" name="그림 25" descr="C:/Users/Admin1/AppData/Roaming/PolarisOffice/ETemp/17588_11269848/fImage126192821478.png"/>
+          <p:cNvPr id="1199" name="그림 25" descr="C:/Users/Admin1/AppData/Roaming/PolarisOffice/ETemp/21868_13429944/fImage126192821478.png"/>
           <p:cNvPicPr>
             <a:picLocks noChangeAspect="1"/>
           </p:cNvPicPr>
@@ -18437,8 +19346,8 @@
         </p:blipFill>
         <p:spPr>
           <a:xfrm rot="0">
-            <a:off x="6835140" y="3919220"/>
-            <a:ext cx="4122420" cy="1344295"/>
+            <a:off x="6835140" y="3945255"/>
+            <a:ext cx="4113530" cy="1318895"/>
           </a:xfrm>
           <a:prstGeom prst="roundRect"/>
           <a:solidFill>
@@ -18539,7 +19448,7 @@
       </p:sp>
       <p:pic>
         <p:nvPicPr>
-          <p:cNvPr id="1201" name="그림 105" descr="C:/Users/Admin1/AppData/Roaming/PolarisOffice/ETemp/17588_11269848/fImage94023847421.png"/>
+          <p:cNvPr id="1201" name="그림 105"/>
           <p:cNvPicPr>
             <a:picLocks noChangeAspect="1"/>
           </p:cNvPicPr>
@@ -18617,9 +19526,9 @@
           <p:nvPr/>
         </p:nvSpPr>
         <p:spPr>
-          <a:xfrm>
+          <a:xfrm rot="0">
             <a:off x="4479290" y="401955"/>
-            <a:ext cx="3228340" cy="478155"/>
+            <a:ext cx="3228975" cy="478790"/>
           </a:xfrm>
           <a:prstGeom prst="rect"/>
           <a:noFill/>
@@ -18831,7 +19740,7 @@
       </p:sp>
       <p:pic>
         <p:nvPicPr>
-          <p:cNvPr id="1183" name="그림 12" descr="C:/Users/Admin1/AppData/Roaming/PolarisOffice/ETemp/17588_11269848/fImage79303316500.png"/>
+          <p:cNvPr id="1183" name="그림 12" descr="C:/Users/Admin1/AppData/Roaming/PolarisOffice/ETemp/21868_13429944/fImage79303316500.png"/>
           <p:cNvPicPr>
             <a:picLocks noChangeAspect="1"/>
           </p:cNvPicPr>
@@ -18851,8 +19760,8 @@
         </p:blipFill>
         <p:spPr>
           <a:xfrm rot="0">
-            <a:off x="1240790" y="1430020"/>
-            <a:ext cx="4126230" cy="3712845"/>
+            <a:off x="1240790" y="1464310"/>
+            <a:ext cx="4126865" cy="3679190"/>
           </a:xfrm>
           <a:prstGeom prst="roundRect"/>
           <a:solidFill>
@@ -18862,7 +19771,7 @@
       </p:pic>
       <p:pic>
         <p:nvPicPr>
-          <p:cNvPr id="1184" name="그림 18" descr="C:/Users/Admin1/AppData/Roaming/PolarisOffice/ETemp/17588_11269848/fImage108573339169.png"/>
+          <p:cNvPr id="1184" name="그림 18" descr="C:/Users/Admin1/AppData/Roaming/PolarisOffice/ETemp/21868_13429944/fImage108573339169.png"/>
           <p:cNvPicPr>
             <a:picLocks noChangeAspect="1"/>
           </p:cNvPicPr>
@@ -18882,8 +19791,8 @@
         </p:blipFill>
         <p:spPr>
           <a:xfrm rot="0">
-            <a:off x="6825615" y="1421130"/>
-            <a:ext cx="4140200" cy="2119630"/>
+            <a:off x="6825615" y="1455420"/>
+            <a:ext cx="4140835" cy="2085975"/>
           </a:xfrm>
           <a:prstGeom prst="roundRect"/>
           <a:solidFill>
@@ -18988,7 +19897,7 @@
       </p:sp>
       <p:pic>
         <p:nvPicPr>
-          <p:cNvPr id="1186" name="그림 91" descr="C:/Users/Admin1/AppData/Roaming/PolarisOffice/ETemp/17588_11269848/fImage64633508716.png"/>
+          <p:cNvPr id="1186" name="그림 91"/>
           <p:cNvPicPr>
             <a:picLocks noChangeAspect="1"/>
           </p:cNvPicPr>
@@ -19019,7 +19928,7 @@
       </p:pic>
       <p:pic>
         <p:nvPicPr>
-          <p:cNvPr id="1187" name="그림 96" descr="C:/Users/Admin1/AppData/Roaming/PolarisOffice/ETemp/17588_11269848/fImage2242173004464.png"/>
+          <p:cNvPr id="1187" name="그림 96"/>
           <p:cNvPicPr>
             <a:picLocks noChangeAspect="1"/>
           </p:cNvPicPr>

--- a/Assets/Class/Photon Server/PPT Data/Photon Lobby.pptx
+++ b/Assets/Class/Photon Server/PPT Data/Photon Lobby.pptx
@@ -2,7 +2,7 @@
 <file path=ppt/presentation.xml><?xml version="1.0" encoding="utf-8"?>
 <p:presentation xmlns:a="http://schemas.openxmlformats.org/drawingml/2006/main" xmlns:r="http://schemas.openxmlformats.org/officeDocument/2006/relationships" xmlns:p="http://schemas.openxmlformats.org/presentationml/2006/main" xmlns:p14="http://schemas.microsoft.com/office/powerpoint/2010/main" saveSubsetFonts="1" firstSlideNum="0">
   <p:sldMasterIdLst>
-    <p:sldMasterId id="2147486989" r:id="rId12"/>
+    <p:sldMasterId id="2147486990" r:id="rId12"/>
   </p:sldMasterIdLst>
   <p:notesMasterIdLst>
     <p:notesMasterId r:id="rId14"/>
@@ -16,16 +16,16 @@
     <p:sldId id="313" r:id="rId26"/>
     <p:sldId id="326" r:id="rId28"/>
     <p:sldId id="327" r:id="rId30"/>
-    <p:sldId id="325" r:id="rId31"/>
-    <p:sldId id="336" r:id="rId32"/>
-    <p:sldId id="328" r:id="rId34"/>
-    <p:sldId id="329" r:id="rId36"/>
-    <p:sldId id="330" r:id="rId37"/>
-    <p:sldId id="337" r:id="rId39"/>
-    <p:sldId id="331" r:id="rId40"/>
-    <p:sldId id="332" r:id="rId41"/>
-    <p:sldId id="338" r:id="rId42"/>
-    <p:sldId id="339" r:id="rId43"/>
+    <p:sldId id="325" r:id="rId32"/>
+    <p:sldId id="336" r:id="rId34"/>
+    <p:sldId id="328" r:id="rId36"/>
+    <p:sldId id="329" r:id="rId38"/>
+    <p:sldId id="330" r:id="rId39"/>
+    <p:sldId id="337" r:id="rId41"/>
+    <p:sldId id="331" r:id="rId43"/>
+    <p:sldId id="332" r:id="rId45"/>
+    <p:sldId id="338" r:id="rId47"/>
+    <p:sldId id="339" r:id="rId49"/>
   </p:sldIdLst>
   <p:sldSz cx="12192000" cy="6858000"/>
   <p:notesSz cx="6858000" cy="9144000"/>
@@ -9715,7 +9715,7 @@
       </p:sp>
       <p:pic>
         <p:nvPicPr>
-          <p:cNvPr id="1208" name="그림 45" descr="C:/Users/Admin1/AppData/Roaming/PolarisOffice/ETemp/21868_13429944/fImage54203166827.png"/>
+          <p:cNvPr id="1208" name="그림 45"/>
           <p:cNvPicPr>
             <a:picLocks noChangeAspect="1"/>
           </p:cNvPicPr>
@@ -9873,9 +9873,9 @@
           <p:nvPr/>
         </p:nvSpPr>
         <p:spPr>
-          <a:xfrm rot="0">
+          <a:xfrm>
             <a:off x="6824980" y="5209540"/>
-            <a:ext cx="4141470" cy="954405"/>
+            <a:ext cx="4142105" cy="954405"/>
           </a:xfrm>
           <a:prstGeom prst="rect"/>
           <a:noFill/>
@@ -9902,7 +9902,7 @@
                 <a:latin typeface="맑은 고딕" charset="0"/>
                 <a:ea typeface="맑은 고딕" charset="0"/>
               </a:rPr>
-              <a:t>3</a:t>
+              <a:t>33.</a:t>
             </a:r>
             <a:r>
               <a:rPr sz="2000" b="1">
@@ -9912,26 +9912,6 @@
                 <a:latin typeface="맑은 고딕" charset="0"/>
                 <a:ea typeface="맑은 고딕" charset="0"/>
               </a:rPr>
-              <a:t>3</a:t>
-            </a:r>
-            <a:r>
-              <a:rPr sz="2000" b="1">
-                <a:solidFill>
-                  <a:srgbClr val="0611F2"/>
-                </a:solidFill>
-                <a:latin typeface="맑은 고딕" charset="0"/>
-                <a:ea typeface="맑은 고딕" charset="0"/>
-              </a:rPr>
-              <a:t>.</a:t>
-            </a:r>
-            <a:r>
-              <a:rPr sz="2000" b="1">
-                <a:solidFill>
-                  <a:srgbClr val="0611F2"/>
-                </a:solidFill>
-                <a:latin typeface="맑은 고딕" charset="0"/>
-                <a:ea typeface="맑은 고딕" charset="0"/>
-              </a:rPr>
               <a:t> </a:t>
             </a:r>
             <a:r>
@@ -9953,7 +9933,21 @@
                 <a:latin typeface="맑은 고딕" charset="0"/>
                 <a:ea typeface="맑은 고딕" charset="0"/>
               </a:rPr>
-              <a:t> Project 폴더에 있는 </a:t>
+              <a:t> Project 폴더 아래에 </a:t>
+            </a:r>
+            <a:r>
+              <a:rPr sz="1800">
+                <a:latin typeface="맑은 고딕" charset="0"/>
+                <a:ea typeface="맑은 고딕" charset="0"/>
+              </a:rPr>
+              <a:t>있는</a:t>
+            </a:r>
+            <a:r>
+              <a:rPr sz="1800">
+                <a:latin typeface="맑은 고딕" charset="0"/>
+                <a:ea typeface="맑은 고딕" charset="0"/>
+              </a:rPr>
+              <a:t> </a:t>
             </a:r>
             <a:r>
               <a:rPr sz="1800">
@@ -9974,21 +9968,7 @@
                 <a:latin typeface="맑은 고딕" charset="0"/>
                 <a:ea typeface="맑은 고딕" charset="0"/>
               </a:rPr>
-              <a:t> </a:t>
-            </a:r>
-            <a:r>
-              <a:rPr sz="1800">
-                <a:latin typeface="맑은 고딕" charset="0"/>
-                <a:ea typeface="맑은 고딕" charset="0"/>
-              </a:rPr>
-              <a:t>폴더에</a:t>
-            </a:r>
-            <a:r>
-              <a:rPr sz="1800">
-                <a:latin typeface="맑은 고딕" charset="0"/>
-                <a:ea typeface="맑은 고딕" charset="0"/>
-              </a:rPr>
-              <a:t> Animator </a:t>
+              <a:t> 폴더에 Animator </a:t>
             </a:r>
             <a:r>
               <a:rPr sz="1800">
@@ -10020,7 +10000,7 @@
       </p:sp>
       <p:pic>
         <p:nvPicPr>
-          <p:cNvPr id="1212" name="그림 49" descr="C:/Users/Admin1/AppData/Roaming/PolarisOffice/ETemp/21868_13429944/fImage41571320491.png"/>
+          <p:cNvPr id="1212" name="그림 49"/>
           <p:cNvPicPr>
             <a:picLocks noChangeAspect="1"/>
           </p:cNvPicPr>
@@ -10049,7 +10029,7 @@
       </p:pic>
       <p:pic>
         <p:nvPicPr>
-          <p:cNvPr id="1215" name="그림 2" descr="C:/Users/Admin1/AppData/Roaming/PolarisOffice/ETemp/21868_13429944/fImage1038035341.png"/>
+          <p:cNvPr id="1215" name="그림 2"/>
           <p:cNvPicPr>
             <a:picLocks noChangeAspect="1"/>
           </p:cNvPicPr>
@@ -10080,7 +10060,7 @@
       </p:pic>
       <p:pic>
         <p:nvPicPr>
-          <p:cNvPr id="1214" name="그림 104" descr="C:/Users/Admin1/AppData/Roaming/PolarisOffice/ETemp/21868_13429944/fImage2242173004464.png"/>
+          <p:cNvPr id="1214" name="그림 104"/>
           <p:cNvPicPr>
             <a:picLocks noChangeAspect="1"/>
           </p:cNvPicPr>
@@ -10109,7 +10089,7 @@
       </p:pic>
       <p:pic>
         <p:nvPicPr>
-          <p:cNvPr id="1216" name="그림 25" descr="C:/Users/Admin1/AppData/Roaming/PolarisOffice/ETemp/21868_13429944/fImage117383825724.png"/>
+          <p:cNvPr id="1216" name="그림 25"/>
           <p:cNvPicPr>
             <a:picLocks noChangeAspect="1"/>
           </p:cNvPicPr>

--- a/Assets/Class/Photon Server/PPT Data/Photon Lobby.pptx
+++ b/Assets/Class/Photon Server/PPT Data/Photon Lobby.pptx
@@ -2,7 +2,7 @@
 <file path=ppt/presentation.xml><?xml version="1.0" encoding="utf-8"?>
 <p:presentation xmlns:a="http://schemas.openxmlformats.org/drawingml/2006/main" xmlns:r="http://schemas.openxmlformats.org/officeDocument/2006/relationships" xmlns:p="http://schemas.openxmlformats.org/presentationml/2006/main" xmlns:p14="http://schemas.microsoft.com/office/powerpoint/2010/main" saveSubsetFonts="1" firstSlideNum="0">
   <p:sldMasterIdLst>
-    <p:sldMasterId id="2147486990" r:id="rId12"/>
+    <p:sldMasterId id="2147486991" r:id="rId12"/>
   </p:sldMasterIdLst>
   <p:notesMasterIdLst>
     <p:notesMasterId r:id="rId14"/>
@@ -20,12 +20,12 @@
     <p:sldId id="336" r:id="rId34"/>
     <p:sldId id="328" r:id="rId36"/>
     <p:sldId id="329" r:id="rId38"/>
-    <p:sldId id="330" r:id="rId39"/>
-    <p:sldId id="337" r:id="rId41"/>
-    <p:sldId id="331" r:id="rId43"/>
-    <p:sldId id="332" r:id="rId45"/>
-    <p:sldId id="338" r:id="rId47"/>
-    <p:sldId id="339" r:id="rId49"/>
+    <p:sldId id="330" r:id="rId40"/>
+    <p:sldId id="337" r:id="rId42"/>
+    <p:sldId id="331" r:id="rId44"/>
+    <p:sldId id="332" r:id="rId46"/>
+    <p:sldId id="338" r:id="rId48"/>
+    <p:sldId id="339" r:id="rId50"/>
   </p:sldIdLst>
   <p:sldSz cx="12192000" cy="6858000"/>
   <p:notesSz cx="6858000" cy="9144000"/>
@@ -13619,7 +13619,7 @@
 </file>
 
 <file path=ppt/slides/slide18.xml><?xml version="1.0" encoding="utf-8"?>
-<p:sld xmlns:a="http://schemas.openxmlformats.org/drawingml/2006/main" xmlns:r="http://schemas.openxmlformats.org/officeDocument/2006/relationships" xmlns:p="http://schemas.openxmlformats.org/presentationml/2006/main">
+<p:sld xmlns:a="http://schemas.openxmlformats.org/drawingml/2006/main" xmlns:r="http://schemas.openxmlformats.org/officeDocument/2006/relationships" xmlns:p="http://schemas.openxmlformats.org/presentationml/2006/main" xmlns:p14="http://schemas.microsoft.com/office/powerpoint/2010/main">
   <p:cSld>
     <p:spTree>
       <p:nvGrpSpPr>
@@ -13879,7 +13879,7 @@
       </p:sp>
       <p:pic>
         <p:nvPicPr>
-          <p:cNvPr id="1233" name="Picture " descr="C:/Users/Admin1/AppData/Roaming/PolarisOffice/ETemp/21868_13429944/fImage52433879358.png"/>
+          <p:cNvPr id="1233" name="Picture "/>
           <p:cNvPicPr>
             <a:picLocks noChangeAspect="1"/>
           </p:cNvPicPr>
@@ -13910,7 +13910,7 @@
       </p:pic>
       <p:pic>
         <p:nvPicPr>
-          <p:cNvPr id="1234" name="Picture " descr="C:/Users/Admin1/AppData/Roaming/PolarisOffice/ETemp/21868_13429944/fImage98823886962.png"/>
+          <p:cNvPr id="1234" name="Picture "/>
           <p:cNvPicPr>
             <a:picLocks noChangeAspect="1"/>
           </p:cNvPicPr>
@@ -14170,7 +14170,7 @@
       </p:sp>
       <p:pic>
         <p:nvPicPr>
-          <p:cNvPr id="1246" name="그림 48" descr="C:/Users/Admin1/AppData/Roaming/PolarisOffice/ETemp/21868_13429944/fImage64574034464.png"/>
+          <p:cNvPr id="1246" name="그림 48"/>
           <p:cNvPicPr>
             <a:picLocks noChangeAspect="1"/>
           </p:cNvPicPr>
@@ -14201,7 +14201,7 @@
       </p:pic>
       <p:pic>
         <p:nvPicPr>
-          <p:cNvPr id="1247" name="그림 51" descr="C:/Users/Admin1/AppData/Roaming/PolarisOffice/ETemp/21868_13429944/fImage65974045705.png"/>
+          <p:cNvPr id="1247" name="그림 51"/>
           <p:cNvPicPr>
             <a:picLocks noChangeAspect="1"/>
           </p:cNvPicPr>
@@ -14428,7 +14428,7 @@
       </p:sp>
       <p:pic>
         <p:nvPicPr>
-          <p:cNvPr id="1249" name="그림 62" descr="C:/Users/Admin1/AppData/Roaming/PolarisOffice/ETemp/21868_13429944/fImage22314148145.png"/>
+          <p:cNvPr id="1249" name="그림 62" descr="C:/Users/Admin1/AppData/Roaming/PolarisOffice/ETemp/13844_13900456/fImage22314148145.png"/>
           <p:cNvPicPr>
             <a:picLocks noChangeAspect="1"/>
           </p:cNvPicPr>
@@ -14448,8 +14448,8 @@
         </p:blipFill>
         <p:spPr>
           <a:xfrm rot="0">
-            <a:off x="8243570" y="4095750"/>
-            <a:ext cx="2719705" cy="494030"/>
+            <a:off x="8243570" y="4121150"/>
+            <a:ext cx="2720340" cy="494665"/>
           </a:xfrm>
           <a:prstGeom prst="roundRect"/>
           <a:solidFill>
@@ -14613,7 +14613,7 @@
       </p:sp>
       <p:pic>
         <p:nvPicPr>
-          <p:cNvPr id="1251" name="그림 64" descr="C:/Users/Admin1/AppData/Roaming/PolarisOffice/ETemp/21868_13429944/fImage9424163281.png"/>
+          <p:cNvPr id="1251" name="그림 64" descr="C:/Users/Admin1/AppData/Roaming/PolarisOffice/ETemp/13844_13900456/fImage9424163281.png"/>
           <p:cNvPicPr>
             <a:picLocks noChangeAspect="1"/>
           </p:cNvPicPr>
@@ -14633,8 +14633,8 @@
         </p:blipFill>
         <p:spPr>
           <a:xfrm rot="0">
-            <a:off x="8239125" y="4771390"/>
-            <a:ext cx="2723515" cy="637540"/>
+            <a:off x="8239125" y="4796790"/>
+            <a:ext cx="2724150" cy="638175"/>
           </a:xfrm>
           <a:prstGeom prst="roundRect"/>
           <a:solidFill>
@@ -14644,17 +14644,17 @@
       </p:pic>
       <p:pic>
         <p:nvPicPr>
-          <p:cNvPr id="1252" name="그림 65" descr="C:/Users/Admin1/AppData/Roaming/PolarisOffice/ETemp/21868_13429944/fImage103754176827.png"/>
+          <p:cNvPr id="1252" name="그림 65" descr="C:/Users/Admin1/AppData/Roaming/PolarisOffice/ETemp/13844_13900456/fImage103754176827.png"/>
           <p:cNvPicPr>
             <a:picLocks noChangeAspect="1"/>
           </p:cNvPicPr>
           <p:nvPr/>
         </p:nvPicPr>
         <p:blipFill rotWithShape="1">
-          <a:blip r:embed="rId8" cstate="print">
+          <a:blip r:embed="rId8" cstate="hqprint">
             <a:extLst>
               <a:ext uri="{28A0092B-C50C-407E-A947-70E740481C1C}">
-                <a14:useLocalDpi xmlns:a14="http://schemas.microsoft.com/office/drawing/2010/main" val="0"/>
+                <a14:useLocalDpi xmlns:a14="http://schemas.microsoft.com/office/drawing/2010/main"/>
               </a:ext>
             </a:extLst>
           </a:blip>
@@ -14664,8 +14664,8 @@
         </p:blipFill>
         <p:spPr>
           <a:xfrm rot="0">
-            <a:off x="6813550" y="4095750"/>
-            <a:ext cx="1258570" cy="1316990"/>
+            <a:off x="6813550" y="4121150"/>
+            <a:ext cx="1259205" cy="1317625"/>
           </a:xfrm>
           <a:prstGeom prst="roundRect"/>
           <a:solidFill>
